--- a/help/data-sheets/assets/DMeBusinessSupportDatasheet_2022.pptx
+++ b/help/data-sheets/assets/DMeBusinessSupportDatasheet_2022.pptx
@@ -270,6 +270,30 @@
     </pc:docChg>
   </pc:docChgLst>
   <pc:docChgLst>
+    <pc:chgData name="Jaclyn Zalesky" userId="S::zalesky@adobe.com::9c0b24b4-6ad7-45a7-a9a0-5ba404afed22" providerId="AD" clId="Web-{230F0D56-C414-F2B7-15F9-451AF6576368}"/>
+    <pc:docChg chg="mod modSld">
+      <pc:chgData name="Jaclyn Zalesky" userId="S::zalesky@adobe.com::9c0b24b4-6ad7-45a7-a9a0-5ba404afed22" providerId="AD" clId="Web-{230F0D56-C414-F2B7-15F9-451AF6576368}" dt="2022-02-10T15:57:01.008" v="107"/>
+      <pc:docMkLst>
+        <pc:docMk/>
+      </pc:docMkLst>
+      <pc:sldChg chg="modSp modCm">
+        <pc:chgData name="Jaclyn Zalesky" userId="S::zalesky@adobe.com::9c0b24b4-6ad7-45a7-a9a0-5ba404afed22" providerId="AD" clId="Web-{230F0D56-C414-F2B7-15F9-451AF6576368}" dt="2022-02-10T15:57:01.008" v="107"/>
+        <pc:sldMkLst>
+          <pc:docMk/>
+          <pc:sldMk cId="1050037809" sldId="261"/>
+        </pc:sldMkLst>
+        <pc:graphicFrameChg chg="mod modGraphic">
+          <ac:chgData name="Jaclyn Zalesky" userId="S::zalesky@adobe.com::9c0b24b4-6ad7-45a7-a9a0-5ba404afed22" providerId="AD" clId="Web-{230F0D56-C414-F2B7-15F9-451AF6576368}" dt="2022-02-10T15:56:55.836" v="105"/>
+          <ac:graphicFrameMkLst>
+            <pc:docMk/>
+            <pc:sldMk cId="1050037809" sldId="261"/>
+            <ac:graphicFrameMk id="21" creationId="{776EB197-58B6-794D-94F8-90888006EC22}"/>
+          </ac:graphicFrameMkLst>
+        </pc:graphicFrameChg>
+      </pc:sldChg>
+    </pc:docChg>
+  </pc:docChgLst>
+  <pc:docChgLst>
     <pc:chgData name="Jaclyn Zalesky" userId="S::zalesky@adobe.com::9c0b24b4-6ad7-45a7-a9a0-5ba404afed22" providerId="AD" clId="Web-{C9A7A18E-2CD6-D60F-0EAE-ADB272FCFFDF}"/>
     <pc:docChg chg="modSld">
       <pc:chgData name="Jaclyn Zalesky" userId="S::zalesky@adobe.com::9c0b24b4-6ad7-45a7-a9a0-5ba404afed22" providerId="AD" clId="Web-{C9A7A18E-2CD6-D60F-0EAE-ADB272FCFFDF}" dt="2022-03-04T01:00:42.113" v="1"/>
@@ -288,30 +312,6 @@
             <pc:docMk/>
             <pc:sldMk cId="0" sldId="256"/>
             <ac:graphicFrameMk id="11" creationId="{3AC7AEA2-E7A4-BD48-80EA-856168E207F6}"/>
-          </ac:graphicFrameMkLst>
-        </pc:graphicFrameChg>
-      </pc:sldChg>
-    </pc:docChg>
-  </pc:docChgLst>
-  <pc:docChgLst>
-    <pc:chgData name="Jaclyn Zalesky" userId="S::zalesky@adobe.com::9c0b24b4-6ad7-45a7-a9a0-5ba404afed22" providerId="AD" clId="Web-{230F0D56-C414-F2B7-15F9-451AF6576368}"/>
-    <pc:docChg chg="mod modSld">
-      <pc:chgData name="Jaclyn Zalesky" userId="S::zalesky@adobe.com::9c0b24b4-6ad7-45a7-a9a0-5ba404afed22" providerId="AD" clId="Web-{230F0D56-C414-F2B7-15F9-451AF6576368}" dt="2022-02-10T15:57:01.008" v="107"/>
-      <pc:docMkLst>
-        <pc:docMk/>
-      </pc:docMkLst>
-      <pc:sldChg chg="modSp modCm">
-        <pc:chgData name="Jaclyn Zalesky" userId="S::zalesky@adobe.com::9c0b24b4-6ad7-45a7-a9a0-5ba404afed22" providerId="AD" clId="Web-{230F0D56-C414-F2B7-15F9-451AF6576368}" dt="2022-02-10T15:57:01.008" v="107"/>
-        <pc:sldMkLst>
-          <pc:docMk/>
-          <pc:sldMk cId="1050037809" sldId="261"/>
-        </pc:sldMkLst>
-        <pc:graphicFrameChg chg="mod modGraphic">
-          <ac:chgData name="Jaclyn Zalesky" userId="S::zalesky@adobe.com::9c0b24b4-6ad7-45a7-a9a0-5ba404afed22" providerId="AD" clId="Web-{230F0D56-C414-F2B7-15F9-451AF6576368}" dt="2022-02-10T15:56:55.836" v="105"/>
-          <ac:graphicFrameMkLst>
-            <pc:docMk/>
-            <pc:sldMk cId="1050037809" sldId="261"/>
-            <ac:graphicFrameMk id="21" creationId="{776EB197-58B6-794D-94F8-90888006EC22}"/>
           </ac:graphicFrameMkLst>
         </pc:graphicFrameChg>
       </pc:sldChg>
@@ -432,41 +432,6 @@
 </pc:chgInfo>
 </file>
 
-<file path=ppt/comments/modernComment_105_3E964E31.xml><?xml version="1.0" encoding="utf-8"?>
-<p188:cmLst xmlns:a="http://schemas.openxmlformats.org/drawingml/2006/main" xmlns:r="http://schemas.openxmlformats.org/officeDocument/2006/relationships" xmlns:p188="http://schemas.microsoft.com/office/powerpoint/2018/8/main">
-  <p188:cm id="{71667EB1-1D95-4194-9107-42D8CF943CA0}" authorId="{DB1A11B9-3973-06DC-DBC2-EFEFEF087FED}" created="2022-02-09T19:19:31.362">
-    <pc:sldMkLst xmlns:pc="http://schemas.microsoft.com/office/powerpoint/2013/main/command">
-      <pc:docMk/>
-      <pc:sldMk cId="1050037809" sldId="261"/>
-    </pc:sldMkLst>
-    <p188:replyLst>
-      <p188:reply id="{A4AD3427-FF77-4841-BB89-DE3448FC5319}" authorId="{D376325D-2BBD-24A3-9FEE-692465B927D5}" created="2022-02-10T15:57:01.008">
-        <p188:txBody>
-          <a:bodyPr/>
-          <a:lstStyle/>
-          <a:p>
-            <a:r>
-              <a:rPr lang="en-US"/>
-              <a:t>Updated. </a:t>
-            </a:r>
-          </a:p>
-        </p188:txBody>
-      </p188:reply>
-    </p188:replyLst>
-    <p188:txBody>
-      <a:bodyPr/>
-      <a:lstStyle/>
-      <a:p>
-        <a:r>
-          <a:rPr lang="en-US"/>
-          <a:t>[@Jaclyn Zalesky]  change from Experience League to Enterprise Learn &amp; Support https://helpx.adobe.com/enterprise.html</a:t>
-        </a:r>
-      </a:p>
-    </p188:txBody>
-  </p188:cm>
-</p188:cmLst>
-</file>
-
 <file path=ppt/notesMasters/notesMaster1.xml><?xml version="1.0" encoding="utf-8"?>
 <p:notesMaster xmlns:a="http://schemas.openxmlformats.org/drawingml/2006/main" xmlns:r="http://schemas.openxmlformats.org/officeDocument/2006/relationships" xmlns:p="http://schemas.openxmlformats.org/presentationml/2006/main">
   <p:cSld>
@@ -549,7 +514,7 @@
           <a:p>
             <a:fld id="{FB81873C-0B24-F04A-98A1-90E0A78F7E8A}" type="datetimeFigureOut">
               <a:rPr lang="en-US" smtClean="0"/>
-              <a:t>3/3/2022</a:t>
+              <a:t>3/25/2022</a:t>
             </a:fld>
             <a:endParaRPr lang="en-US"/>
           </a:p>
@@ -1172,7 +1137,7 @@
           <a:p>
             <a:fld id="{1D8BD707-D9CF-40AE-B4C6-C98DA3205C09}" type="datetimeFigureOut">
               <a:rPr lang="en-US"/>
-              <a:t>3/3/2022</a:t>
+              <a:t>3/25/2022</a:t>
             </a:fld>
             <a:endParaRPr lang="en-US"/>
           </a:p>
@@ -1334,7 +1299,7 @@
           <a:p>
             <a:fld id="{1D8BD707-D9CF-40AE-B4C6-C98DA3205C09}" type="datetimeFigureOut">
               <a:rPr lang="en-US"/>
-              <a:t>3/3/2022</a:t>
+              <a:t>3/25/2022</a:t>
             </a:fld>
             <a:endParaRPr lang="en-US"/>
           </a:p>
@@ -1652,7 +1617,7 @@
           <a:p>
             <a:fld id="{1D8BD707-D9CF-40AE-B4C6-C98DA3205C09}" type="datetimeFigureOut">
               <a:rPr lang="en-US"/>
-              <a:t>3/3/2022</a:t>
+              <a:t>3/25/2022</a:t>
             </a:fld>
             <a:endParaRPr lang="en-US"/>
           </a:p>
@@ -1876,8 +1841,8 @@
         </p:nvSpPr>
         <p:spPr>
           <a:xfrm>
-            <a:off x="168565" y="7162363"/>
-            <a:ext cx="2800350" cy="238760"/>
+            <a:off x="168564" y="7162363"/>
+            <a:ext cx="5165435" cy="212238"/>
           </a:xfrm>
           <a:prstGeom prst="rect">
             <a:avLst/>
@@ -1898,7 +1863,7 @@
               </a:spcBef>
             </a:pPr>
             <a:r>
-              <a:rPr sz="1400" b="1" u="heavy" spc="10" dirty="0">
+              <a:rPr lang="fr-FR" sz="1300" b="1" u="heavy" dirty="0">
                 <a:solidFill>
                   <a:srgbClr val="020302"/>
                 </a:solidFill>
@@ -1910,87 +1875,8 @@
                 <a:latin typeface="Adobe Clean"/>
                 <a:cs typeface="Adobe Clean"/>
               </a:rPr>
-              <a:t>Service </a:t>
+              <a:t>Cibles du niveau de service : Réponse initiale</a:t>
             </a:r>
-            <a:r>
-              <a:rPr sz="1400" b="1" u="heavy" spc="-10" dirty="0">
-                <a:solidFill>
-                  <a:srgbClr val="020302"/>
-                </a:solidFill>
-                <a:uFill>
-                  <a:solidFill>
-                    <a:srgbClr val="020302"/>
-                  </a:solidFill>
-                </a:uFill>
-                <a:latin typeface="Adobe Clean"/>
-                <a:cs typeface="Adobe Clean"/>
-              </a:rPr>
-              <a:t>Level </a:t>
-            </a:r>
-            <a:r>
-              <a:rPr sz="1400" b="1" u="heavy" spc="-45" dirty="0">
-                <a:solidFill>
-                  <a:srgbClr val="020302"/>
-                </a:solidFill>
-                <a:uFill>
-                  <a:solidFill>
-                    <a:srgbClr val="020302"/>
-                  </a:solidFill>
-                </a:uFill>
-                <a:latin typeface="Adobe Clean"/>
-                <a:cs typeface="Adobe Clean"/>
-              </a:rPr>
-              <a:t>Targets: </a:t>
-            </a:r>
-            <a:r>
-              <a:rPr sz="1400" b="1" u="heavy" spc="-10" dirty="0">
-                <a:solidFill>
-                  <a:srgbClr val="020302"/>
-                </a:solidFill>
-                <a:uFill>
-                  <a:solidFill>
-                    <a:srgbClr val="020302"/>
-                  </a:solidFill>
-                </a:uFill>
-                <a:latin typeface="Adobe Clean"/>
-                <a:cs typeface="Adobe Clean"/>
-              </a:rPr>
-              <a:t>Initial</a:t>
-            </a:r>
-            <a:r>
-              <a:rPr sz="1400" b="1" u="heavy" spc="-140" dirty="0">
-                <a:solidFill>
-                  <a:srgbClr val="020302"/>
-                </a:solidFill>
-                <a:uFill>
-                  <a:solidFill>
-                    <a:srgbClr val="020302"/>
-                  </a:solidFill>
-                </a:uFill>
-                <a:latin typeface="Adobe Clean"/>
-                <a:cs typeface="Adobe Clean"/>
-              </a:rPr>
-              <a:t> </a:t>
-            </a:r>
-            <a:r>
-              <a:rPr sz="1400" b="1" u="heavy" spc="-15" dirty="0">
-                <a:solidFill>
-                  <a:srgbClr val="020302"/>
-                </a:solidFill>
-                <a:uFill>
-                  <a:solidFill>
-                    <a:srgbClr val="020302"/>
-                  </a:solidFill>
-                </a:uFill>
-                <a:latin typeface="Adobe Clean"/>
-                <a:cs typeface="Adobe Clean"/>
-              </a:rPr>
-              <a:t>Response</a:t>
-            </a:r>
-            <a:endParaRPr sz="1400" dirty="0">
-              <a:latin typeface="Adobe Clean"/>
-              <a:cs typeface="Adobe Clean"/>
-            </a:endParaRPr>
           </a:p>
         </p:txBody>
       </p:sp>
@@ -2057,20 +1943,11 @@
               </a:spcBef>
             </a:pPr>
             <a:r>
-              <a:rPr sz="2300" dirty="0">
+              <a:rPr lang="fr-FR" sz="2300">
                 <a:latin typeface="Adobe Clean" panose="020B0503020404020204" pitchFamily="34" charset="0"/>
               </a:rPr>
-              <a:t>ADOBE </a:t>
+              <a:t>PLANS D’ASSISTANCE ADOBE</a:t>
             </a:r>
-            <a:r>
-              <a:rPr lang="en-US" sz="2300" dirty="0">
-                <a:latin typeface="Adobe Clean" panose="020B0503020404020204" pitchFamily="34" charset="0"/>
-              </a:rPr>
-              <a:t>SUPPORT PLANS</a:t>
-            </a:r>
-            <a:endParaRPr sz="2300" dirty="0">
-              <a:latin typeface="Adobe Clean" panose="020B0503020404020204" pitchFamily="34" charset="0"/>
-            </a:endParaRPr>
           </a:p>
         </p:txBody>
       </p:sp>
@@ -2082,8 +1959,8 @@
         </p:nvSpPr>
         <p:spPr>
           <a:xfrm>
-            <a:off x="121147" y="635935"/>
-            <a:ext cx="5865216" cy="1281120"/>
+            <a:off x="127543" y="591115"/>
+            <a:ext cx="5865216" cy="1424044"/>
           </a:xfrm>
           <a:prstGeom prst="rect">
             <a:avLst/>
@@ -2104,7 +1981,7 @@
               </a:spcBef>
             </a:pPr>
             <a:r>
-              <a:rPr lang="en-US" sz="1200" dirty="0">
+              <a:rPr lang="fr-FR" sz="1100" dirty="0">
                 <a:solidFill>
                   <a:schemeClr val="bg1"/>
                 </a:solidFill>
@@ -2113,22 +1990,22 @@
               <a:t>Standard | </a:t>
             </a:r>
             <a:r>
-              <a:rPr lang="en-US" sz="1200" b="1" dirty="0">
+              <a:rPr lang="fr-FR" sz="1100" b="1" dirty="0">
                 <a:solidFill>
                   <a:schemeClr val="bg1"/>
                 </a:solidFill>
                 <a:latin typeface="Adobe Clean" panose="020B0503020404020204" pitchFamily="34" charset="0"/>
               </a:rPr>
-              <a:t>Business</a:t>
+              <a:t>Commerciale</a:t>
             </a:r>
             <a:r>
-              <a:rPr lang="en-US" sz="1200" dirty="0">
+              <a:rPr lang="fr-FR" sz="1100" dirty="0">
                 <a:solidFill>
                   <a:schemeClr val="bg1"/>
                 </a:solidFill>
                 <a:latin typeface="Adobe Clean Light" panose="020B0303020404020204" pitchFamily="34" charset="0"/>
               </a:rPr>
-              <a:t> | Enterprise | Elite</a:t>
+              <a:t> | Entreprise | Elite</a:t>
             </a:r>
           </a:p>
           <a:p>
@@ -2141,21 +2018,14 @@
               </a:spcBef>
             </a:pPr>
             <a:r>
-              <a:rPr lang="en-US" sz="1000" dirty="0">
+              <a:rPr lang="fr-FR" sz="850" dirty="0">
                 <a:solidFill>
                   <a:schemeClr val="bg1"/>
                 </a:solidFill>
                 <a:latin typeface="Adobe Clean SemiLight"/>
               </a:rPr>
-              <a:t>Adobe provides a comprehensive range of technical resources to help support your business included as part of your Adobe enterprise subscription. This is enhanced with the BUSINESS support plan. BUSINESS support includes priority routing  for support cases to ensure faster connection to more senior support resources on submitted cases. BUSINESS customers also benefit from access to our technical support teams for any product query via either the telephone or the support web portal, to help protect your business at the most critical times. BUSINESS customers will be able to leverage their Account Support Lead for support case escalation management to receive regular communications and updates for your most critical of support requests.</a:t>
+              <a:t>Adobe offre une gamme complète de ressources techniques afin d’appuyer votre entreprise. Elles sont comprises dans votre abonnement à la licence pour les entreprises d’Adobe. Amélioré avec le plan d’assistance COMMERCIALE. L’assistance COMMERCIALE bénéficie d’un acheminement prioritaire des cas d’assistance pour garantir une connexion rapide à des ressources d’assistance senior supplémentaires sur les cas envoyés. Les clients de l’assistance COMMERCIALE bénéficient également d’un accès à nos équipes d’assistance technique pour toute requête concernant un produit. Cette requête peut être effectuée par téléphone ou via le portail web de l’assistance et permet de protéger votre entreprise aux moments les plus critiques. Les clients de l’assistance COMMERCIALE pourront bénéficier de l’assistance principale du compte pour la gestion des remontées d’informations sur les cas afin de recevoir des communications et des mises à jour régulières pour vos demandes d’assistance les plus pressantes.</a:t>
             </a:r>
-            <a:endParaRPr lang="en-US" sz="1000" dirty="0">
-              <a:solidFill>
-                <a:schemeClr val="bg1"/>
-              </a:solidFill>
-              <a:latin typeface="Adobe Clean SemiLight"/>
-              <a:cs typeface="AdobeClean-Light"/>
-            </a:endParaRPr>
           </a:p>
         </p:txBody>
       </p:sp>
@@ -2203,14 +2073,14 @@
           <p:nvPr>
             <p:extLst>
               <p:ext uri="{D42A27DB-BD31-4B8C-83A1-F6EECF244321}">
-                <p14:modId xmlns:p14="http://schemas.microsoft.com/office/powerpoint/2010/main" val="1922779486"/>
+                <p14:modId xmlns:p14="http://schemas.microsoft.com/office/powerpoint/2010/main" val="308793697"/>
               </p:ext>
             </p:extLst>
           </p:nvPr>
         </p:nvGraphicFramePr>
         <p:xfrm>
           <a:off x="127543" y="2074351"/>
-          <a:ext cx="7500377" cy="5042528"/>
+          <a:ext cx="7500377" cy="4969300"/>
         </p:xfrm>
         <a:graphic>
           <a:graphicData uri="http://schemas.openxmlformats.org/drawingml/2006/table">
@@ -2226,14 +2096,14 @@
                     </a:ext>
                   </a:extLst>
                 </a:gridCol>
-                <a:gridCol w="2251454">
+                <a:gridCol w="2473658">
                   <a:extLst>
                     <a:ext uri="{9D8B030D-6E8A-4147-A177-3AD203B41FA5}">
                       <a16:colId xmlns:a16="http://schemas.microsoft.com/office/drawing/2014/main" val="20001"/>
                     </a:ext>
                   </a:extLst>
                 </a:gridCol>
-                <a:gridCol w="1867662">
+                <a:gridCol w="1645458">
                   <a:extLst>
                     <a:ext uri="{9D8B030D-6E8A-4147-A177-3AD203B41FA5}">
                       <a16:colId xmlns:a16="http://schemas.microsoft.com/office/drawing/2014/main" val="2563521174"/>
@@ -2292,39 +2162,15 @@
                         <a:defRPr/>
                       </a:pPr>
                       <a:r>
-                        <a:rPr lang="en-US" sz="1200" spc="-20" dirty="0">
+                        <a:rPr lang="fr-FR" sz="1100" dirty="0">
                           <a:solidFill>
                             <a:srgbClr val="404040"/>
                           </a:solidFill>
                           <a:latin typeface="Adobe Clean"/>
                           <a:cs typeface="Adobe Clean"/>
                         </a:rPr>
-                        <a:t>Standard </a:t>
+                        <a:t>Assistance standard</a:t>
                       </a:r>
-                      <a:r>
-                        <a:rPr lang="en-US" sz="1200" spc="-135" dirty="0">
-                          <a:solidFill>
-                            <a:srgbClr val="404040"/>
-                          </a:solidFill>
-                          <a:latin typeface="Adobe Clean"/>
-                          <a:cs typeface="Adobe Clean"/>
-                        </a:rPr>
-                        <a:t> </a:t>
-                      </a:r>
-                      <a:r>
-                        <a:rPr lang="en-US" sz="1200" spc="-20" dirty="0">
-                          <a:solidFill>
-                            <a:srgbClr val="404040"/>
-                          </a:solidFill>
-                          <a:latin typeface="Adobe Clean"/>
-                          <a:cs typeface="Adobe Clean"/>
-                        </a:rPr>
-                        <a:t>Support</a:t>
-                      </a:r>
-                      <a:endParaRPr lang="en-US" sz="1200" dirty="0">
-                        <a:latin typeface="Adobe Clean"/>
-                        <a:cs typeface="Adobe Clean"/>
-                      </a:endParaRPr>
                     </a:p>
                   </a:txBody>
                   <a:tcPr marL="0" marR="0" marT="7620" marB="0" anchor="ctr">
@@ -2365,39 +2211,15 @@
                         </a:spcBef>
                       </a:pPr>
                       <a:r>
-                        <a:rPr sz="1200" spc="-20" dirty="0">
+                        <a:rPr lang="fr-FR" sz="1100" dirty="0">
                           <a:solidFill>
                             <a:srgbClr val="FFFFFF"/>
                           </a:solidFill>
                           <a:latin typeface="Adobe Clean"/>
                           <a:cs typeface="Adobe Clean"/>
                         </a:rPr>
-                        <a:t>Business</a:t>
+                        <a:t>Assistance commerciale</a:t>
                       </a:r>
-                      <a:r>
-                        <a:rPr lang="en-US" sz="1200" spc="-20" dirty="0">
-                          <a:solidFill>
-                            <a:srgbClr val="FFFFFF"/>
-                          </a:solidFill>
-                          <a:latin typeface="Adobe Clean"/>
-                          <a:cs typeface="Adobe Clean"/>
-                        </a:rPr>
-                        <a:t> </a:t>
-                      </a:r>
-                      <a:r>
-                        <a:rPr sz="1200" spc="-20" dirty="0">
-                          <a:solidFill>
-                            <a:srgbClr val="FFFFFF"/>
-                          </a:solidFill>
-                          <a:latin typeface="Adobe Clean"/>
-                          <a:cs typeface="Adobe Clean"/>
-                        </a:rPr>
-                        <a:t>Support</a:t>
-                      </a:r>
-                      <a:endParaRPr sz="1200" dirty="0">
-                        <a:latin typeface="Adobe Clean"/>
-                        <a:cs typeface="Adobe Clean"/>
-                      </a:endParaRPr>
                     </a:p>
                   </a:txBody>
                   <a:tcPr marL="0" marR="0" marT="7620" marB="0" anchor="ctr">
@@ -2462,7 +2284,7 @@
                     <a:bodyPr/>
                     <a:lstStyle/>
                     <a:p>
-                      <a:pPr marL="0" marR="0" lvl="0" indent="0" algn="ctr" defTabSz="914400" eaLnBrk="1" fontAlgn="auto" latinLnBrk="0" hangingPunct="1">
+                      <a:pPr marL="0" marR="0" lvl="0" indent="0" algn="l" defTabSz="914400" rtl="0" eaLnBrk="1" fontAlgn="auto" latinLnBrk="0" hangingPunct="1">
                         <a:lnSpc>
                           <a:spcPct val="100000"/>
                         </a:lnSpc>
@@ -2479,7 +2301,7 @@
                         <a:tabLst/>
                         <a:defRPr/>
                       </a:pPr>
-                      <a:endParaRPr lang="en-US" sz="1200" i="1">
+                      <a:endParaRPr lang="en-US" sz="1100" i="1">
                         <a:solidFill>
                           <a:sysClr val="windowText" lastClr="000000"/>
                         </a:solidFill>
@@ -2543,13 +2365,13 @@
                         <a:defRPr/>
                       </a:pPr>
                       <a:r>
-                        <a:rPr lang="en-US" sz="1200" b="1" i="1" dirty="0">
+                        <a:rPr lang="fr-FR" sz="1100" b="1" i="1" dirty="0">
                           <a:solidFill>
                             <a:schemeClr val="bg1"/>
                           </a:solidFill>
                           <a:latin typeface="Adobe Clean" panose="020B0503020404020204" pitchFamily="34" charset="0"/>
                         </a:rPr>
-                        <a:t>Paid Support ($)</a:t>
+                        <a:t>Assistance payante ($)</a:t>
                       </a:r>
                     </a:p>
                   </a:txBody>
@@ -2613,22 +2435,15 @@
                         </a:spcBef>
                       </a:pPr>
                       <a:r>
-                        <a:rPr lang="en-US" sz="1200" b="1" i="0" spc="0" dirty="0">
+                        <a:rPr lang="fr-FR" sz="1100" b="1" i="0" dirty="0">
                           <a:solidFill>
                             <a:schemeClr val="bg1"/>
                           </a:solidFill>
                           <a:latin typeface="Adobe Clean"/>
                           <a:cs typeface="AdobeClean-Light"/>
                         </a:rPr>
-                        <a:t>Assigned Experts</a:t>
+                        <a:t>Experts assignés</a:t>
                       </a:r>
-                      <a:endParaRPr sz="1200" b="1" i="0" spc="0" dirty="0">
-                        <a:solidFill>
-                          <a:schemeClr val="bg1"/>
-                        </a:solidFill>
-                        <a:latin typeface="Adobe Clean"/>
-                        <a:cs typeface="AdobeClean-Light"/>
-                      </a:endParaRPr>
                     </a:p>
                   </a:txBody>
                   <a:tcPr marL="0" marR="0" marT="58419" marB="0" anchor="ctr">
@@ -2675,19 +2490,15 @@
                         </a:spcBef>
                       </a:pPr>
                       <a:r>
-                        <a:rPr sz="1100" b="0" i="0" spc="0" dirty="0">
+                        <a:rPr lang="fr-FR" sz="1000" b="0" i="0" dirty="0">
                           <a:solidFill>
                             <a:srgbClr val="020302"/>
                           </a:solidFill>
                           <a:latin typeface="Adobe Clean Light" panose="020B0303020404020204" pitchFamily="34" charset="0"/>
                           <a:cs typeface="AdobeClean-Light"/>
                         </a:rPr>
-                        <a:t>Account Support Lead</a:t>
+                        <a:t>Assistance principale du compte</a:t>
                       </a:r>
-                      <a:endParaRPr sz="1100" b="0" i="0" spc="0" dirty="0">
-                        <a:latin typeface="Adobe Clean Light" panose="020B0303020404020204" pitchFamily="34" charset="0"/>
-                        <a:cs typeface="AdobeClean-Light"/>
-                      </a:endParaRPr>
                     </a:p>
                   </a:txBody>
                   <a:tcPr marL="0" marR="0" marT="58419" marB="0">
@@ -2722,7 +2533,7 @@
                     <a:bodyPr/>
                     <a:lstStyle/>
                     <a:p>
-                      <a:pPr algn="ctr">
+                      <a:pPr algn="l" rtl="0">
                         <a:lnSpc>
                           <a:spcPct val="100000"/>
                         </a:lnSpc>
@@ -2772,7 +2583,7 @@
                         </a:spcBef>
                       </a:pPr>
                       <a:r>
-                        <a:rPr sz="1200" dirty="0">
+                        <a:rPr lang="fr-FR" sz="1200">
                           <a:solidFill>
                             <a:srgbClr val="020302"/>
                           </a:solidFill>
@@ -2781,10 +2592,6 @@
                         </a:rPr>
                         <a:t></a:t>
                       </a:r>
-                      <a:endParaRPr sz="1200" dirty="0">
-                        <a:latin typeface="Wingdings"/>
-                        <a:cs typeface="Wingdings"/>
-                      </a:endParaRPr>
                     </a:p>
                   </a:txBody>
                   <a:tcPr marL="0" marR="0" marT="59690" marB="0" anchor="ctr">
@@ -2816,7 +2623,7 @@
                     <a:bodyPr/>
                     <a:lstStyle/>
                     <a:p>
-                      <a:pPr marL="50800">
+                      <a:pPr marL="50800" algn="l" rtl="0">
                         <a:lnSpc>
                           <a:spcPct val="100000"/>
                         </a:lnSpc>
@@ -2846,19 +2653,15 @@
                         </a:spcBef>
                       </a:pPr>
                       <a:r>
-                        <a:rPr sz="1100" b="0" i="0" spc="0" dirty="0">
+                        <a:rPr lang="fr-FR" sz="1000" b="0" i="0" dirty="0">
                           <a:solidFill>
                             <a:srgbClr val="020302"/>
                           </a:solidFill>
                           <a:latin typeface="Adobe Clean Light" panose="020B0303020404020204" pitchFamily="34" charset="0"/>
                           <a:cs typeface="AdobeClean-Light"/>
                         </a:rPr>
-                        <a:t>Named Support Engineer</a:t>
+                        <a:t>Ingénieur d’assistance nommé</a:t>
                       </a:r>
-                      <a:endParaRPr sz="1100" b="0" i="0" spc="0" dirty="0">
-                        <a:latin typeface="Adobe Clean Light" panose="020B0303020404020204" pitchFamily="34" charset="0"/>
-                        <a:cs typeface="AdobeClean-Light"/>
-                      </a:endParaRPr>
                     </a:p>
                   </a:txBody>
                   <a:tcPr marL="0" marR="0" marT="58419" marB="0">
@@ -2887,7 +2690,7 @@
                     <a:bodyPr/>
                     <a:lstStyle/>
                     <a:p>
-                      <a:pPr algn="ctr">
+                      <a:pPr algn="l" rtl="0">
                         <a:lnSpc>
                           <a:spcPct val="100000"/>
                         </a:lnSpc>
@@ -2919,7 +2722,7 @@
                     <a:bodyPr/>
                     <a:lstStyle/>
                     <a:p>
-                      <a:pPr algn="ctr">
+                      <a:pPr algn="l" rtl="0">
                         <a:lnSpc>
                           <a:spcPct val="100000"/>
                         </a:lnSpc>
@@ -2953,7 +2756,7 @@
                     <a:bodyPr/>
                     <a:lstStyle/>
                     <a:p>
-                      <a:pPr marL="50800">
+                      <a:pPr marL="50800" algn="l" rtl="0">
                         <a:lnSpc>
                           <a:spcPct val="100000"/>
                         </a:lnSpc>
@@ -2983,19 +2786,15 @@
                         </a:spcBef>
                       </a:pPr>
                       <a:r>
-                        <a:rPr sz="1100" b="0" i="0" spc="0" dirty="0">
+                        <a:rPr lang="fr-FR" sz="1000" b="0" i="0" dirty="0">
                           <a:solidFill>
                             <a:srgbClr val="020302"/>
                           </a:solidFill>
                           <a:latin typeface="Adobe Clean Light" panose="020B0303020404020204" pitchFamily="34" charset="0"/>
                           <a:cs typeface="AdobeClean-Light"/>
                         </a:rPr>
-                        <a:t>Technical Account Manager</a:t>
+                        <a:t>Gestionnaire de compte technique</a:t>
                       </a:r>
-                      <a:endParaRPr sz="1100" b="0" i="0" spc="0" dirty="0">
-                        <a:latin typeface="Adobe Clean Light" panose="020B0303020404020204" pitchFamily="34" charset="0"/>
-                        <a:cs typeface="AdobeClean-Light"/>
-                      </a:endParaRPr>
                     </a:p>
                   </a:txBody>
                   <a:tcPr marL="0" marR="0" marT="63500" marB="0">
@@ -3033,7 +2832,7 @@
                     <a:bodyPr/>
                     <a:lstStyle/>
                     <a:p>
-                      <a:pPr algn="ctr">
+                      <a:pPr algn="l" rtl="0">
                         <a:lnSpc>
                           <a:spcPct val="100000"/>
                         </a:lnSpc>
@@ -3074,7 +2873,7 @@
                     <a:bodyPr/>
                     <a:lstStyle/>
                     <a:p>
-                      <a:pPr algn="ctr">
+                      <a:pPr algn="l" rtl="0">
                         <a:lnSpc>
                           <a:spcPct val="100000"/>
                         </a:lnSpc>
@@ -3126,22 +2925,15 @@
                         </a:spcBef>
                       </a:pPr>
                       <a:r>
-                        <a:rPr lang="en-US" sz="1200" b="1" i="0" spc="0" dirty="0">
+                        <a:rPr lang="fr-FR" sz="1100" b="1" i="0" dirty="0">
                           <a:solidFill>
                             <a:schemeClr val="bg1"/>
                           </a:solidFill>
                           <a:latin typeface="Adobe Clean" panose="020B0503020404020204" pitchFamily="34" charset="0"/>
                           <a:cs typeface="AdobeClean-Light"/>
                         </a:rPr>
-                        <a:t>Support Services</a:t>
+                        <a:t>Services d’assistance</a:t>
                       </a:r>
-                      <a:endParaRPr sz="1200" b="1" i="0" spc="0" dirty="0">
-                        <a:solidFill>
-                          <a:schemeClr val="bg1"/>
-                        </a:solidFill>
-                        <a:latin typeface="Adobe Clean" panose="020B0503020404020204" pitchFamily="34" charset="0"/>
-                        <a:cs typeface="AdobeClean-Light"/>
-                      </a:endParaRPr>
                     </a:p>
                   </a:txBody>
                   <a:tcPr marL="0" marR="0" marT="57150" marB="0" anchor="ctr">
@@ -3191,19 +2983,15 @@
                         </a:spcBef>
                       </a:pPr>
                       <a:r>
-                        <a:rPr lang="en-US" sz="1100" b="0" i="0" spc="0" dirty="0">
+                        <a:rPr lang="fr-FR" sz="1000" b="0" i="0" dirty="0">
                           <a:solidFill>
                             <a:srgbClr val="020302"/>
                           </a:solidFill>
                           <a:latin typeface="Adobe Clean Light" panose="020B0303020404020204" pitchFamily="34" charset="0"/>
                           <a:cs typeface="AdobeClean-Light"/>
                         </a:rPr>
-                        <a:t>24x7 Self-Help Support </a:t>
+                        <a:t>Assistance en libre-service 24h/24 et 7j/7 </a:t>
                       </a:r>
-                      <a:endParaRPr lang="en-US" sz="1100" b="0" i="0" spc="0" dirty="0">
-                        <a:latin typeface="Adobe Clean Light" panose="020B0303020404020204" pitchFamily="34" charset="0"/>
-                        <a:cs typeface="AdobeClean-Light"/>
-                      </a:endParaRPr>
                     </a:p>
                   </a:txBody>
                   <a:tcPr marL="0" marR="0" marT="57150" marB="0">
@@ -3247,7 +3035,7 @@
                         </a:spcBef>
                       </a:pPr>
                       <a:r>
-                        <a:rPr sz="1200" dirty="0">
+                        <a:rPr lang="fr-FR" sz="1200">
                           <a:solidFill>
                             <a:srgbClr val="020302"/>
                           </a:solidFill>
@@ -3256,10 +3044,6 @@
                         </a:rPr>
                         <a:t></a:t>
                       </a:r>
-                      <a:endParaRPr sz="1200" dirty="0">
-                        <a:latin typeface="Wingdings"/>
-                        <a:cs typeface="Wingdings"/>
-                      </a:endParaRPr>
                     </a:p>
                   </a:txBody>
                   <a:tcPr marL="0" marR="0" marT="58419" marB="0">
@@ -3298,7 +3082,7 @@
                         </a:spcBef>
                       </a:pPr>
                       <a:r>
-                        <a:rPr sz="1200" dirty="0">
+                        <a:rPr lang="fr-FR" sz="1200">
                           <a:solidFill>
                             <a:srgbClr val="020302"/>
                           </a:solidFill>
@@ -3307,10 +3091,6 @@
                         </a:rPr>
                         <a:t></a:t>
                       </a:r>
-                      <a:endParaRPr sz="1200" dirty="0">
-                        <a:latin typeface="Wingdings"/>
-                        <a:cs typeface="Wingdings"/>
-                      </a:endParaRPr>
                     </a:p>
                   </a:txBody>
                   <a:tcPr marL="0" marR="0" marT="58419" marB="0">
@@ -3342,7 +3122,7 @@
                     <a:bodyPr/>
                     <a:lstStyle/>
                     <a:p>
-                      <a:pPr marL="50800">
+                      <a:pPr marL="50800" algn="l" rtl="0">
                         <a:lnSpc>
                           <a:spcPct val="100000"/>
                         </a:lnSpc>
@@ -3400,19 +3180,15 @@
                         </a:spcBef>
                       </a:pPr>
                       <a:r>
-                        <a:rPr lang="en-US" sz="1100" b="0" i="0" spc="0" dirty="0">
+                        <a:rPr lang="fr-FR" sz="1000" b="0" i="0" dirty="0">
                           <a:solidFill>
                             <a:srgbClr val="020302"/>
                           </a:solidFill>
                           <a:latin typeface="Adobe Clean Light" panose="020B0303020404020204" pitchFamily="34" charset="0"/>
                           <a:cs typeface="AdobeClean-Light"/>
                         </a:rPr>
-                        <a:t>24x7 Support via Chat / Phone</a:t>
+                        <a:t>Assistance 24h/24 et 7j/7 via chat/téléphone</a:t>
                       </a:r>
-                      <a:endParaRPr sz="1100" b="0" i="0" spc="0" dirty="0">
-                        <a:latin typeface="Adobe Clean Light" panose="020B0303020404020204" pitchFamily="34" charset="0"/>
-                        <a:cs typeface="AdobeClean-Light"/>
-                      </a:endParaRPr>
                     </a:p>
                   </a:txBody>
                   <a:tcPr marL="0" marR="0" marT="57785" marB="0">
@@ -3454,7 +3230,7 @@
                         </a:spcBef>
                       </a:pPr>
                       <a:r>
-                        <a:rPr lang="en-US" sz="1200" dirty="0">
+                        <a:rPr lang="fr-FR" sz="1200">
                           <a:solidFill>
                             <a:srgbClr val="020302"/>
                           </a:solidFill>
@@ -3463,10 +3239,6 @@
                         </a:rPr>
                         <a:t></a:t>
                       </a:r>
-                      <a:endParaRPr lang="en-US" sz="1200" dirty="0">
-                        <a:latin typeface="Wingdings"/>
-                        <a:cs typeface="Wingdings"/>
-                      </a:endParaRPr>
                     </a:p>
                   </a:txBody>
                   <a:tcPr marL="0" marR="0" marT="58419" marB="0">
@@ -3503,7 +3275,7 @@
                         </a:spcBef>
                       </a:pPr>
                       <a:r>
-                        <a:rPr sz="1200" dirty="0">
+                        <a:rPr lang="fr-FR" sz="1200">
                           <a:solidFill>
                             <a:srgbClr val="020302"/>
                           </a:solidFill>
@@ -3512,10 +3284,6 @@
                         </a:rPr>
                         <a:t></a:t>
                       </a:r>
-                      <a:endParaRPr sz="1200" dirty="0">
-                        <a:latin typeface="Wingdings"/>
-                        <a:cs typeface="Wingdings"/>
-                      </a:endParaRPr>
                     </a:p>
                   </a:txBody>
                   <a:tcPr marL="0" marR="0" marT="58419" marB="0">
@@ -3547,7 +3315,7 @@
                     <a:bodyPr/>
                     <a:lstStyle/>
                     <a:p>
-                      <a:pPr marL="50800">
+                      <a:pPr marL="50800" algn="l" rtl="0">
                         <a:lnSpc>
                           <a:spcPct val="100000"/>
                         </a:lnSpc>
@@ -3614,16 +3382,12 @@
                         </a:spcBef>
                       </a:pPr>
                       <a:r>
-                        <a:rPr lang="en-US" sz="1100" b="0" i="0" spc="0" dirty="0">
+                        <a:rPr lang="fr-FR" sz="1000" b="0" i="0" dirty="0">
                           <a:latin typeface="Adobe Clean Light" panose="020B0303020404020204" pitchFamily="34" charset="0"/>
                           <a:cs typeface="AdobeClean-Light"/>
                         </a:rPr>
-                        <a:t>Web Case Submissions </a:t>
+                        <a:t>Envoi de cas en ligne </a:t>
                       </a:r>
-                      <a:endParaRPr sz="1100" b="0" i="0" spc="0" dirty="0">
-                        <a:latin typeface="Adobe Clean Light" panose="020B0303020404020204" pitchFamily="34" charset="0"/>
-                        <a:cs typeface="AdobeClean-Light"/>
-                      </a:endParaRPr>
                     </a:p>
                   </a:txBody>
                   <a:tcPr marL="0" marR="0" marT="57785" marB="0">
@@ -3665,7 +3429,7 @@
                         </a:spcBef>
                       </a:pPr>
                       <a:r>
-                        <a:rPr sz="1200" dirty="0">
+                        <a:rPr lang="fr-FR" sz="1200">
                           <a:solidFill>
                             <a:srgbClr val="020302"/>
                           </a:solidFill>
@@ -3674,10 +3438,6 @@
                         </a:rPr>
                         <a:t></a:t>
                       </a:r>
-                      <a:endParaRPr sz="1200" dirty="0">
-                        <a:latin typeface="Wingdings"/>
-                        <a:cs typeface="Wingdings"/>
-                      </a:endParaRPr>
                     </a:p>
                   </a:txBody>
                   <a:tcPr marL="0" marR="0" marT="58419" marB="0">
@@ -3714,7 +3474,7 @@
                         </a:spcBef>
                       </a:pPr>
                       <a:r>
-                        <a:rPr lang="en-US" sz="1200" dirty="0">
+                        <a:rPr lang="fr-FR" sz="1200">
                           <a:solidFill>
                             <a:srgbClr val="020302"/>
                           </a:solidFill>
@@ -3723,10 +3483,6 @@
                         </a:rPr>
                         <a:t></a:t>
                       </a:r>
-                      <a:endParaRPr lang="en-US" sz="1200" dirty="0">
-                        <a:latin typeface="Wingdings"/>
-                        <a:cs typeface="Wingdings"/>
-                      </a:endParaRPr>
                     </a:p>
                   </a:txBody>
                   <a:tcPr marL="0" marR="0" marT="58419" marB="0">
@@ -3758,7 +3514,7 @@
                     <a:bodyPr/>
                     <a:lstStyle/>
                     <a:p>
-                      <a:pPr marL="50800">
+                      <a:pPr marL="50800" algn="l" rtl="0">
                         <a:lnSpc>
                           <a:spcPct val="100000"/>
                         </a:lnSpc>
@@ -3807,19 +3563,15 @@
                         </a:spcBef>
                       </a:pPr>
                       <a:r>
-                        <a:rPr lang="en-US" sz="1100" b="0" i="0" spc="0" dirty="0">
+                        <a:rPr lang="fr-FR" sz="1000" b="0" i="0" dirty="0">
                           <a:solidFill>
                             <a:srgbClr val="020302"/>
                           </a:solidFill>
                           <a:latin typeface="Adobe Clean Light" panose="020B0303020404020204" pitchFamily="34" charset="0"/>
                           <a:cs typeface="AdobeClean-Light"/>
                         </a:rPr>
-                        <a:t>Priority Case Routing</a:t>
+                        <a:t>Acheminement prioritaire des cas</a:t>
                       </a:r>
-                      <a:endParaRPr sz="1100" b="0" i="0" spc="0" dirty="0">
-                        <a:latin typeface="Adobe Clean Light" panose="020B0303020404020204" pitchFamily="34" charset="0"/>
-                        <a:cs typeface="AdobeClean-Light"/>
-                      </a:endParaRPr>
                     </a:p>
                   </a:txBody>
                   <a:tcPr marL="0" marR="0" marT="58419" marB="0">
@@ -3842,7 +3594,7 @@
                     <a:bodyPr/>
                     <a:lstStyle/>
                     <a:p>
-                      <a:pPr algn="ctr">
+                      <a:pPr algn="l" rtl="0">
                         <a:lnSpc>
                           <a:spcPct val="100000"/>
                         </a:lnSpc>
@@ -3892,7 +3644,7 @@
                         <a:defRPr/>
                       </a:pPr>
                       <a:r>
-                        <a:rPr lang="en-US" sz="1200" dirty="0">
+                        <a:rPr lang="fr-FR" sz="1200">
                           <a:solidFill>
                             <a:srgbClr val="020302"/>
                           </a:solidFill>
@@ -3901,10 +3653,6 @@
                         </a:rPr>
                         <a:t></a:t>
                       </a:r>
-                      <a:endParaRPr lang="en-US" sz="1200" dirty="0">
-                        <a:latin typeface="Wingdings"/>
-                        <a:cs typeface="Wingdings"/>
-                      </a:endParaRPr>
                     </a:p>
                   </a:txBody>
                   <a:tcPr marL="0" marR="0" marT="59054" marB="0">
@@ -3927,7 +3675,7 @@
                     <a:bodyPr/>
                     <a:lstStyle/>
                     <a:p>
-                      <a:pPr marL="50800">
+                      <a:pPr marL="50800" algn="l" rtl="0">
                         <a:lnSpc>
                           <a:spcPct val="100000"/>
                         </a:lnSpc>
@@ -3994,11 +3742,11 @@
                         <a:defRPr/>
                       </a:pPr>
                       <a:r>
-                        <a:rPr lang="en-US" sz="1100" b="0" i="0" spc="0" dirty="0">
+                        <a:rPr lang="fr-FR" sz="1000" b="0" i="0" dirty="0">
                           <a:latin typeface="Adobe Clean Light" panose="020B0303020404020204" pitchFamily="34" charset="0"/>
                           <a:cs typeface="AdobeClean-Light"/>
                         </a:rPr>
-                        <a:t>Accelerated Issue Prioritization</a:t>
+                        <a:t>Accélération du traitement des problèmes</a:t>
                       </a:r>
                     </a:p>
                   </a:txBody>
@@ -4028,7 +3776,7 @@
                     <a:bodyPr/>
                     <a:lstStyle/>
                     <a:p>
-                      <a:pPr algn="ctr">
+                      <a:pPr algn="l" rtl="0">
                         <a:lnSpc>
                           <a:spcPct val="100000"/>
                         </a:lnSpc>
@@ -4069,7 +3817,7 @@
                         </a:spcBef>
                       </a:pPr>
                       <a:r>
-                        <a:rPr lang="en-US" sz="1200" dirty="0">
+                        <a:rPr lang="fr-FR" sz="1200">
                           <a:solidFill>
                             <a:srgbClr val="020302"/>
                           </a:solidFill>
@@ -4078,10 +3826,6 @@
                         </a:rPr>
                         <a:t></a:t>
                       </a:r>
-                      <a:endParaRPr lang="en-US" sz="1200" dirty="0">
-                        <a:latin typeface="Wingdings"/>
-                        <a:cs typeface="Wingdings"/>
-                      </a:endParaRPr>
                     </a:p>
                   </a:txBody>
                   <a:tcPr marL="0" marR="0" marT="58419" marB="0">
@@ -4142,16 +3886,12 @@
                         </a:spcBef>
                       </a:pPr>
                       <a:r>
-                        <a:rPr lang="en-US" sz="1100" b="0" i="0" spc="0" dirty="0">
+                        <a:rPr lang="fr-FR" sz="1000" b="0" i="0" dirty="0">
                           <a:latin typeface="Adobe Clean Light" panose="020B0303020404020204" pitchFamily="34" charset="0"/>
                           <a:cs typeface="AdobeClean-Light"/>
                         </a:rPr>
-                        <a:t>Escalation Management</a:t>
+                        <a:t>Gestion des remontées d’informations</a:t>
                       </a:r>
-                      <a:endParaRPr sz="1100" b="0" i="0" spc="0" dirty="0">
-                        <a:latin typeface="Adobe Clean Light" panose="020B0303020404020204" pitchFamily="34" charset="0"/>
-                        <a:cs typeface="AdobeClean-Light"/>
-                      </a:endParaRPr>
                     </a:p>
                   </a:txBody>
                   <a:tcPr marL="0" marR="0" marT="57150" marB="0">
@@ -4174,7 +3914,7 @@
                     <a:bodyPr/>
                     <a:lstStyle/>
                     <a:p>
-                      <a:pPr algn="ctr">
+                      <a:pPr algn="l" rtl="0">
                         <a:lnSpc>
                           <a:spcPct val="100000"/>
                         </a:lnSpc>
@@ -4224,7 +3964,7 @@
                         <a:defRPr/>
                       </a:pPr>
                       <a:r>
-                        <a:rPr lang="en-US" sz="1200" dirty="0">
+                        <a:rPr lang="fr-FR" sz="1200">
                           <a:solidFill>
                             <a:srgbClr val="020302"/>
                           </a:solidFill>
@@ -4233,10 +3973,6 @@
                         </a:rPr>
                         <a:t></a:t>
                       </a:r>
-                      <a:endParaRPr lang="en-US" sz="1200" dirty="0">
-                        <a:latin typeface="Wingdings"/>
-                        <a:cs typeface="Wingdings"/>
-                      </a:endParaRPr>
                     </a:p>
                   </a:txBody>
                   <a:tcPr marL="0" marR="0" marT="59054" marB="0">
@@ -4297,16 +4033,12 @@
                         </a:spcBef>
                       </a:pPr>
                       <a:r>
-                        <a:rPr lang="en-US" sz="1100" b="0" i="0" spc="0" dirty="0">
+                        <a:rPr lang="fr-FR" sz="1000" b="0" i="0" dirty="0">
                           <a:latin typeface="Adobe Clean Light" panose="020B0303020404020204" pitchFamily="34" charset="0"/>
                           <a:cs typeface="AdobeClean-Light"/>
                         </a:rPr>
-                        <a:t>Proactive Case Monitoring</a:t>
+                        <a:t>Surveillance des cas proactive</a:t>
                       </a:r>
-                      <a:endParaRPr sz="1100" b="0" i="0" spc="0" dirty="0">
-                        <a:latin typeface="Adobe Clean Light" panose="020B0303020404020204" pitchFamily="34" charset="0"/>
-                        <a:cs typeface="AdobeClean-Light"/>
-                      </a:endParaRPr>
                     </a:p>
                   </a:txBody>
                   <a:tcPr marL="0" marR="0" marT="57150" marB="0">
@@ -4329,7 +4061,7 @@
                     <a:bodyPr/>
                     <a:lstStyle/>
                     <a:p>
-                      <a:pPr algn="ctr">
+                      <a:pPr algn="l" rtl="0">
                         <a:lnSpc>
                           <a:spcPct val="100000"/>
                         </a:lnSpc>
@@ -4361,7 +4093,7 @@
                     <a:bodyPr/>
                     <a:lstStyle/>
                     <a:p>
-                      <a:pPr algn="ctr">
+                      <a:pPr algn="l" rtl="0">
                         <a:lnSpc>
                           <a:spcPct val="100000"/>
                         </a:lnSpc>
@@ -4395,7 +4127,7 @@
                     <a:bodyPr/>
                     <a:lstStyle/>
                     <a:p>
-                      <a:pPr marL="48895">
+                      <a:pPr marL="48895" algn="l" rtl="0">
                         <a:lnSpc>
                           <a:spcPct val="100000"/>
                         </a:lnSpc>
@@ -4445,15 +4177,14 @@
                         <a:buNone/>
                       </a:pPr>
                       <a:r>
-                        <a:rPr lang="en-US" sz="1100" b="0" i="0" u="none" strike="noStrike" spc="0" noProof="0" dirty="0">
+                        <a:rPr lang="fr-FR" sz="1000" b="0" i="0" u="none" strike="noStrike" noProof="0" dirty="0">
                           <a:solidFill>
                             <a:srgbClr val="020302"/>
                           </a:solidFill>
                           <a:latin typeface="Adobe Clean Light"/>
                         </a:rPr>
-                        <a:t>In-Region Support Option</a:t>
+                        <a:t>Option d’assistance régionale</a:t>
                       </a:r>
-                      <a:endParaRPr dirty="0"/>
                     </a:p>
                   </a:txBody>
                   <a:tcPr marL="0" marR="0" marT="58419" marB="0">
@@ -4476,7 +4207,7 @@
                     <a:bodyPr/>
                     <a:lstStyle/>
                     <a:p>
-                      <a:pPr>
+                      <a:pPr algn="l" rtl="0">
                         <a:lnSpc>
                           <a:spcPct val="100000"/>
                         </a:lnSpc>
@@ -4505,7 +4236,7 @@
                     <a:bodyPr/>
                     <a:lstStyle/>
                     <a:p>
-                      <a:pPr marL="0" marR="0" lvl="0" indent="0" algn="ctr" defTabSz="914400" eaLnBrk="1" fontAlgn="auto" latinLnBrk="0" hangingPunct="1">
+                      <a:pPr marL="0" marR="0" lvl="0" indent="0" algn="l" defTabSz="914400" rtl="0" eaLnBrk="1" fontAlgn="auto" latinLnBrk="0" hangingPunct="1">
                         <a:lnSpc>
                           <a:spcPct val="100000"/>
                         </a:lnSpc>
@@ -4548,7 +4279,7 @@
                     <a:bodyPr/>
                     <a:lstStyle/>
                     <a:p>
-                      <a:pPr marL="48895">
+                      <a:pPr marL="48895" algn="l" rtl="0">
                         <a:lnSpc>
                           <a:spcPct val="100000"/>
                         </a:lnSpc>
@@ -4578,19 +4309,15 @@
                         </a:spcBef>
                       </a:pPr>
                       <a:r>
-                        <a:rPr lang="en-US" sz="1100" b="0" i="0" spc="0" dirty="0">
+                        <a:rPr lang="fr-FR" sz="1000" b="0" i="0" dirty="0">
                           <a:solidFill>
                             <a:srgbClr val="020302"/>
                           </a:solidFill>
                           <a:latin typeface="Adobe Clean Light" panose="020B0303020404020204" pitchFamily="34" charset="0"/>
                           <a:cs typeface="AdobeClean-Light"/>
                         </a:rPr>
-                        <a:t>Service Reviews</a:t>
+                        <a:t>Examens de service</a:t>
                       </a:r>
-                      <a:endParaRPr sz="1100" b="0" i="0" spc="0" dirty="0">
-                        <a:latin typeface="Adobe Clean Light" panose="020B0303020404020204" pitchFamily="34" charset="0"/>
-                        <a:cs typeface="AdobeClean-Light"/>
-                      </a:endParaRPr>
                     </a:p>
                   </a:txBody>
                   <a:tcPr marL="0" marR="0" marT="59055" marB="0">
@@ -4619,7 +4346,7 @@
                     <a:bodyPr/>
                     <a:lstStyle/>
                     <a:p>
-                      <a:pPr>
+                      <a:pPr algn="l" rtl="0">
                         <a:lnSpc>
                           <a:spcPct val="100000"/>
                         </a:lnSpc>
@@ -4648,7 +4375,7 @@
                     <a:bodyPr/>
                     <a:lstStyle/>
                     <a:p>
-                      <a:pPr>
+                      <a:pPr algn="l" rtl="0">
                         <a:lnSpc>
                           <a:spcPct val="100000"/>
                         </a:lnSpc>
@@ -4679,7 +4406,7 @@
                     <a:bodyPr/>
                     <a:lstStyle/>
                     <a:p>
-                      <a:pPr marL="49530">
+                      <a:pPr marL="49530" algn="l" rtl="0">
                         <a:lnSpc>
                           <a:spcPct val="100000"/>
                         </a:lnSpc>
@@ -4709,16 +4436,12 @@
                         </a:spcBef>
                       </a:pPr>
                       <a:r>
-                        <a:rPr lang="en-US" sz="1100" b="0" i="0" spc="0" dirty="0">
+                        <a:rPr lang="fr-FR" sz="1000" b="0" i="0" dirty="0">
                           <a:latin typeface="Adobe Clean Light" panose="020B0303020404020204" pitchFamily="34" charset="0"/>
                           <a:cs typeface="AdobeClean-Light"/>
                         </a:rPr>
-                        <a:t>Case Reviews</a:t>
+                        <a:t>Examens de cas</a:t>
                       </a:r>
-                      <a:endParaRPr sz="1100" b="0" i="0" spc="0" dirty="0">
-                        <a:latin typeface="Adobe Clean Light" panose="020B0303020404020204" pitchFamily="34" charset="0"/>
-                        <a:cs typeface="AdobeClean-Light"/>
-                      </a:endParaRPr>
                     </a:p>
                   </a:txBody>
                   <a:tcPr marL="0" marR="0" marT="63500" marB="0">
@@ -4747,7 +4470,7 @@
                     <a:bodyPr/>
                     <a:lstStyle/>
                     <a:p>
-                      <a:pPr>
+                      <a:pPr algn="l" rtl="0">
                         <a:lnSpc>
                           <a:spcPct val="100000"/>
                         </a:lnSpc>
@@ -4776,7 +4499,7 @@
                     <a:bodyPr/>
                     <a:lstStyle/>
                     <a:p>
-                      <a:pPr>
+                      <a:pPr algn="l" rtl="0">
                         <a:lnSpc>
                           <a:spcPct val="100000"/>
                         </a:lnSpc>
@@ -4863,11 +4586,11 @@
                         <a:defRPr/>
                       </a:pPr>
                       <a:r>
-                        <a:rPr lang="en-US" sz="1100" b="0" i="0" spc="0" dirty="0">
+                        <a:rPr lang="fr-FR" sz="1000" b="0" i="0" dirty="0">
                           <a:latin typeface="Adobe Clean Light" panose="020B0303020404020204" pitchFamily="34" charset="0"/>
                           <a:cs typeface="AdobeClean-Light"/>
                         </a:rPr>
-                        <a:t>Solution Review</a:t>
+                        <a:t>Examen des solutions</a:t>
                       </a:r>
                     </a:p>
                   </a:txBody>
@@ -4897,7 +4620,7 @@
                     <a:bodyPr/>
                     <a:lstStyle/>
                     <a:p>
-                      <a:pPr>
+                      <a:pPr algn="l" rtl="0">
                         <a:lnSpc>
                           <a:spcPct val="100000"/>
                         </a:lnSpc>
@@ -4926,7 +4649,7 @@
                     <a:bodyPr/>
                     <a:lstStyle/>
                     <a:p>
-                      <a:pPr>
+                      <a:pPr algn="l" rtl="0">
                         <a:lnSpc>
                           <a:spcPct val="100000"/>
                         </a:lnSpc>
@@ -5004,11 +4727,11 @@
                         <a:defRPr/>
                       </a:pPr>
                       <a:r>
-                        <a:rPr lang="en-US" sz="1100" b="0" i="0" spc="0" dirty="0">
+                        <a:rPr lang="fr-FR" sz="1000" b="0" i="0" dirty="0">
                           <a:latin typeface="Adobe Clean Light" panose="020B0303020404020204" pitchFamily="34" charset="0"/>
                           <a:cs typeface="AdobeClean-Light"/>
                         </a:rPr>
-                        <a:t>Roadmap Review </a:t>
+                        <a:t>Examen de la feuille de route </a:t>
                       </a:r>
                     </a:p>
                   </a:txBody>
@@ -5032,7 +4755,7 @@
                     <a:bodyPr/>
                     <a:lstStyle/>
                     <a:p>
-                      <a:pPr>
+                      <a:pPr algn="l" rtl="0">
                         <a:lnSpc>
                           <a:spcPct val="100000"/>
                         </a:lnSpc>
@@ -5061,7 +4784,7 @@
                     <a:bodyPr/>
                     <a:lstStyle/>
                     <a:p>
-                      <a:pPr>
+                      <a:pPr algn="l" rtl="0">
                         <a:lnSpc>
                           <a:spcPct val="100000"/>
                         </a:lnSpc>
@@ -5139,19 +4862,15 @@
                         <a:defRPr/>
                       </a:pPr>
                       <a:r>
-                        <a:rPr lang="en-US" sz="1100" b="0" i="0" spc="0" dirty="0">
+                        <a:rPr lang="fr-FR" sz="1000" b="0" i="0" dirty="0">
                           <a:solidFill>
                             <a:srgbClr val="020302"/>
                           </a:solidFill>
                           <a:latin typeface="Adobe Clean Light" panose="020B0303020404020204" pitchFamily="34" charset="0"/>
                           <a:cs typeface="AdobeClean-Light"/>
                         </a:rPr>
-                        <a:t>Additional Named Support Contacts </a:t>
+                        <a:t>Contacts d’assistance nommés supplémentaires </a:t>
                       </a:r>
-                      <a:endParaRPr lang="en-US" sz="1100" b="0" i="0" spc="0" dirty="0">
-                        <a:latin typeface="Adobe Clean Light" panose="020B0303020404020204" pitchFamily="34" charset="0"/>
-                        <a:cs typeface="AdobeClean-Light"/>
-                      </a:endParaRPr>
                     </a:p>
                   </a:txBody>
                   <a:tcPr marL="0" marR="0" marT="63500" marB="0">
@@ -5174,7 +4893,7 @@
                     <a:bodyPr/>
                     <a:lstStyle/>
                     <a:p>
-                      <a:pPr>
+                      <a:pPr algn="l" rtl="0">
                         <a:lnSpc>
                           <a:spcPct val="100000"/>
                         </a:lnSpc>
@@ -5203,7 +4922,7 @@
                     <a:bodyPr/>
                     <a:lstStyle/>
                     <a:p>
-                      <a:pPr>
+                      <a:pPr algn="l" rtl="0">
                         <a:lnSpc>
                           <a:spcPct val="100000"/>
                         </a:lnSpc>
@@ -5281,16 +5000,12 @@
                         </a:spcBef>
                       </a:pPr>
                       <a:r>
-                        <a:rPr lang="en-US" sz="1100" b="0" i="0" spc="0" dirty="0">
+                        <a:rPr lang="fr-FR" sz="1000" b="0" i="0" dirty="0">
                           <a:latin typeface="Adobe Clean Light" panose="020B0303020404020204" pitchFamily="34" charset="0"/>
                           <a:cs typeface="AdobeClean-Light"/>
                         </a:rPr>
-                        <a:t>Upgrade/Migration Planning</a:t>
+                        <a:t>Planification des mises à niveau/de la migration</a:t>
                       </a:r>
-                      <a:endParaRPr sz="1100" b="0" i="0" spc="0" dirty="0">
-                        <a:latin typeface="Adobe Clean Light" panose="020B0303020404020204" pitchFamily="34" charset="0"/>
-                        <a:cs typeface="AdobeClean-Light"/>
-                      </a:endParaRPr>
                     </a:p>
                   </a:txBody>
                   <a:tcPr marL="0" marR="0" marT="63500" marB="0">
@@ -5322,7 +5037,7 @@
                     <a:bodyPr/>
                     <a:lstStyle/>
                     <a:p>
-                      <a:pPr>
+                      <a:pPr algn="l" rtl="0">
                         <a:lnSpc>
                           <a:spcPct val="100000"/>
                         </a:lnSpc>
@@ -5360,7 +5075,7 @@
                     <a:bodyPr/>
                     <a:lstStyle/>
                     <a:p>
-                      <a:pPr>
+                      <a:pPr algn="l" rtl="0">
                         <a:lnSpc>
                           <a:spcPct val="100000"/>
                         </a:lnSpc>
@@ -5419,16 +5134,12 @@
                         </a:spcBef>
                       </a:pPr>
                       <a:r>
-                        <a:rPr lang="en-US" sz="1100" b="0" i="0" spc="0" dirty="0">
+                        <a:rPr lang="fr-FR" sz="1000" b="0" i="0" dirty="0">
                           <a:latin typeface="Adobe Clean Light" panose="020B0303020404020204" pitchFamily="34" charset="0"/>
                           <a:cs typeface="AdobeClean-Light"/>
                         </a:rPr>
-                        <a:t>Release Preparation and Planning</a:t>
+                        <a:t>Préparation et planification des versions</a:t>
                       </a:r>
-                      <a:endParaRPr sz="1100" b="0" i="0" spc="0" dirty="0">
-                        <a:latin typeface="Adobe Clean Light" panose="020B0303020404020204" pitchFamily="34" charset="0"/>
-                        <a:cs typeface="AdobeClean-Light"/>
-                      </a:endParaRPr>
                     </a:p>
                   </a:txBody>
                   <a:tcPr marL="0" marR="0" marT="63500" marB="0">
@@ -5475,7 +5186,7 @@
                     <a:bodyPr/>
                     <a:lstStyle/>
                     <a:p>
-                      <a:pPr>
+                      <a:pPr algn="l" rtl="0">
                         <a:lnSpc>
                           <a:spcPct val="100000"/>
                         </a:lnSpc>
@@ -5522,7 +5233,7 @@
                     <a:bodyPr/>
                     <a:lstStyle/>
                     <a:p>
-                      <a:pPr>
+                      <a:pPr algn="l" rtl="0">
                         <a:lnSpc>
                           <a:spcPct val="100000"/>
                         </a:lnSpc>
@@ -5571,7 +5282,7 @@
                     <a:bodyPr/>
                     <a:lstStyle/>
                     <a:p>
-                      <a:pPr marL="49530">
+                      <a:pPr marL="49530" algn="l" rtl="0">
                         <a:lnSpc>
                           <a:spcPct val="100000"/>
                         </a:lnSpc>
@@ -5638,16 +5349,12 @@
                         </a:spcBef>
                       </a:pPr>
                       <a:r>
-                        <a:rPr lang="en-US" sz="1100" b="0" i="0" spc="0" dirty="0">
+                        <a:rPr lang="fr-FR" sz="1000" b="0" i="0" dirty="0">
                           <a:latin typeface="Adobe Clean Light" panose="020B0303020404020204" pitchFamily="34" charset="0"/>
                           <a:cs typeface="AdobeClean-Light"/>
                         </a:rPr>
-                        <a:t>Executive Sponsor</a:t>
+                        <a:t>Parrain du projet</a:t>
                       </a:r>
-                      <a:endParaRPr sz="1100" b="0" i="0" spc="0" dirty="0">
-                        <a:latin typeface="Adobe Clean Light" panose="020B0303020404020204" pitchFamily="34" charset="0"/>
-                        <a:cs typeface="AdobeClean-Light"/>
-                      </a:endParaRPr>
                     </a:p>
                   </a:txBody>
                   <a:tcPr marL="0" marR="0" marT="67310" marB="0">
@@ -5691,7 +5398,7 @@
                     <a:bodyPr/>
                     <a:lstStyle/>
                     <a:p>
-                      <a:pPr>
+                      <a:pPr algn="l" rtl="0">
                         <a:lnSpc>
                           <a:spcPct val="100000"/>
                         </a:lnSpc>
@@ -5738,7 +5445,7 @@
                     <a:bodyPr/>
                     <a:lstStyle/>
                     <a:p>
-                      <a:pPr>
+                      <a:pPr algn="l" rtl="0">
                         <a:lnSpc>
                           <a:spcPct val="100000"/>
                         </a:lnSpc>
@@ -5814,13 +5521,13 @@
           <a:lstStyle/>
           <a:p>
             <a:r>
-              <a:rPr lang="en-US" sz="700" i="1" dirty="0">
+              <a:rPr lang="fr-FR" sz="700" i="1">
                 <a:solidFill>
                   <a:schemeClr val="bg1"/>
                 </a:solidFill>
                 <a:latin typeface="Adobe Clean" panose="020B0503020404020204" pitchFamily="34" charset="0"/>
               </a:rPr>
-              <a:t>Adobe Creative Cloud / Adobe Document Cloud (including Adobe Sign)</a:t>
+              <a:t>Adobe Creative Cloud / Adobe Document Cloud (y compris Adobe Sign)</a:t>
             </a:r>
           </a:p>
         </p:txBody>
@@ -5840,14 +5547,14 @@
           <p:nvPr>
             <p:extLst>
               <p:ext uri="{D42A27DB-BD31-4B8C-83A1-F6EECF244321}">
-                <p14:modId xmlns:p14="http://schemas.microsoft.com/office/powerpoint/2010/main" val="2288175540"/>
+                <p14:modId xmlns:p14="http://schemas.microsoft.com/office/powerpoint/2010/main" val="1005132151"/>
               </p:ext>
             </p:extLst>
           </p:nvPr>
         </p:nvGraphicFramePr>
         <p:xfrm>
           <a:off x="121146" y="7483227"/>
-          <a:ext cx="7498851" cy="2361428"/>
+          <a:ext cx="7498851" cy="2336859"/>
         </p:xfrm>
         <a:graphic>
           <a:graphicData uri="http://schemas.openxmlformats.org/drawingml/2006/table">
@@ -5907,19 +5614,15 @@
                         </a:spcBef>
                       </a:pPr>
                       <a:r>
-                        <a:rPr sz="1000" spc="0">
+                        <a:rPr lang="fr-FR" sz="950" dirty="0">
                           <a:solidFill>
                             <a:srgbClr val="020302"/>
                           </a:solidFill>
                           <a:latin typeface="Adobe Clean"/>
                           <a:cs typeface="Adobe Clean"/>
                         </a:rPr>
-                        <a:t>Priority</a:t>
+                        <a:t>Priorité</a:t>
                       </a:r>
-                      <a:endParaRPr sz="1000" spc="0">
-                        <a:latin typeface="Adobe Clean"/>
-                        <a:cs typeface="Adobe Clean"/>
-                      </a:endParaRPr>
                     </a:p>
                   </a:txBody>
                   <a:tcPr marL="0" marR="0" marT="7620" marB="0" anchor="ctr">
@@ -5966,49 +5669,15 @@
                         </a:spcBef>
                       </a:pPr>
                       <a:r>
-                        <a:rPr lang="en-US" sz="900" spc="0">
+                        <a:rPr lang="fr-FR" sz="800" dirty="0">
                           <a:solidFill>
                             <a:srgbClr val="020302"/>
                           </a:solidFill>
                           <a:latin typeface="Adobe Clean"/>
                           <a:cs typeface="Adobe Clean"/>
                         </a:rPr>
-                        <a:t>Standard</a:t>
+                        <a:t>Assistance standard</a:t>
                       </a:r>
-                      <a:r>
-                        <a:rPr sz="900" spc="0">
-                          <a:solidFill>
-                            <a:srgbClr val="020302"/>
-                          </a:solidFill>
-                          <a:latin typeface="Adobe Clean"/>
-                          <a:cs typeface="Adobe Clean"/>
-                        </a:rPr>
-                        <a:t> </a:t>
-                      </a:r>
-                      <a:r>
-                        <a:rPr lang="en-US" sz="900" spc="0">
-                          <a:solidFill>
-                            <a:srgbClr val="020302"/>
-                          </a:solidFill>
-                          <a:latin typeface="Adobe Clean"/>
-                          <a:cs typeface="Adobe Clean"/>
-                        </a:rPr>
-                        <a:t> </a:t>
-                      </a:r>
-                      <a:r>
-                        <a:rPr sz="900" spc="0">
-                          <a:solidFill>
-                            <a:srgbClr val="020302"/>
-                          </a:solidFill>
-                          <a:latin typeface="Adobe Clean"/>
-                          <a:cs typeface="Adobe Clean"/>
-                        </a:rPr>
-                        <a:t>Support</a:t>
-                      </a:r>
-                      <a:endParaRPr sz="900" spc="0">
-                        <a:latin typeface="Adobe Clean"/>
-                        <a:cs typeface="Adobe Clean"/>
-                      </a:endParaRPr>
                     </a:p>
                   </a:txBody>
                   <a:tcPr marL="0" marR="0" marT="0" marB="0" anchor="ctr">
@@ -6058,39 +5727,15 @@
                         </a:spcBef>
                       </a:pPr>
                       <a:r>
-                        <a:rPr sz="900" spc="0">
+                        <a:rPr lang="fr-FR" sz="800" dirty="0">
                           <a:solidFill>
                             <a:srgbClr val="FFFFFF"/>
                           </a:solidFill>
                           <a:latin typeface="Adobe Clean"/>
                           <a:cs typeface="Adobe Clean"/>
                         </a:rPr>
-                        <a:t>Business</a:t>
+                        <a:t>Assistance commerciale</a:t>
                       </a:r>
-                      <a:r>
-                        <a:rPr lang="en-US" sz="900" spc="0">
-                          <a:solidFill>
-                            <a:srgbClr val="FFFFFF"/>
-                          </a:solidFill>
-                          <a:latin typeface="Adobe Clean"/>
-                          <a:cs typeface="Adobe Clean"/>
-                        </a:rPr>
-                        <a:t> </a:t>
-                      </a:r>
-                      <a:r>
-                        <a:rPr sz="900" spc="0">
-                          <a:solidFill>
-                            <a:srgbClr val="FFFFFF"/>
-                          </a:solidFill>
-                          <a:latin typeface="Adobe Clean"/>
-                          <a:cs typeface="Adobe Clean"/>
-                        </a:rPr>
-                        <a:t>Support</a:t>
-                      </a:r>
-                      <a:endParaRPr sz="900" spc="0">
-                        <a:latin typeface="Adobe Clean"/>
-                        <a:cs typeface="Adobe Clean"/>
-                      </a:endParaRPr>
                     </a:p>
                   </a:txBody>
                   <a:tcPr marL="0" marR="0" marT="0" marB="0" anchor="ctr">
@@ -6137,39 +5782,15 @@
                         </a:spcBef>
                       </a:pPr>
                       <a:r>
-                        <a:rPr sz="900" spc="0">
+                        <a:rPr lang="fr-FR" sz="800" dirty="0">
                           <a:solidFill>
                             <a:srgbClr val="FFFFFF"/>
                           </a:solidFill>
                           <a:latin typeface="Adobe Clean"/>
                           <a:cs typeface="Adobe Clean"/>
                         </a:rPr>
-                        <a:t>Enterprise </a:t>
+                        <a:t>Assistance aux entreprises</a:t>
                       </a:r>
-                      <a:r>
-                        <a:rPr lang="en-US" sz="900" spc="0">
-                          <a:solidFill>
-                            <a:srgbClr val="FFFFFF"/>
-                          </a:solidFill>
-                          <a:latin typeface="Adobe Clean"/>
-                          <a:cs typeface="Adobe Clean"/>
-                        </a:rPr>
-                        <a:t> </a:t>
-                      </a:r>
-                      <a:r>
-                        <a:rPr sz="900" spc="0">
-                          <a:solidFill>
-                            <a:srgbClr val="FFFFFF"/>
-                          </a:solidFill>
-                          <a:latin typeface="Adobe Clean"/>
-                          <a:cs typeface="Adobe Clean"/>
-                        </a:rPr>
-                        <a:t>Support</a:t>
-                      </a:r>
-                      <a:endParaRPr sz="900" spc="0">
-                        <a:latin typeface="Adobe Clean"/>
-                        <a:cs typeface="Adobe Clean"/>
-                      </a:endParaRPr>
                     </a:p>
                   </a:txBody>
                   <a:tcPr marL="0" marR="0" marT="0" marB="0" anchor="ctr">
@@ -6216,39 +5837,15 @@
                         </a:spcBef>
                       </a:pPr>
                       <a:r>
-                        <a:rPr sz="900" spc="0">
+                        <a:rPr lang="fr-FR" sz="800" dirty="0">
                           <a:solidFill>
                             <a:srgbClr val="FFFFFF"/>
                           </a:solidFill>
                           <a:latin typeface="Adobe Clean"/>
                           <a:cs typeface="Adobe Clean"/>
                         </a:rPr>
-                        <a:t>Elite</a:t>
+                        <a:t>Assistance Elite</a:t>
                       </a:r>
-                      <a:r>
-                        <a:rPr lang="en-US" sz="900" spc="0">
-                          <a:solidFill>
-                            <a:srgbClr val="FFFFFF"/>
-                          </a:solidFill>
-                          <a:latin typeface="Adobe Clean"/>
-                          <a:cs typeface="Adobe Clean"/>
-                        </a:rPr>
-                        <a:t> </a:t>
-                      </a:r>
-                      <a:r>
-                        <a:rPr sz="900" spc="0">
-                          <a:solidFill>
-                            <a:srgbClr val="FFFFFF"/>
-                          </a:solidFill>
-                          <a:latin typeface="Adobe Clean"/>
-                          <a:cs typeface="Adobe Clean"/>
-                        </a:rPr>
-                        <a:t>Support</a:t>
-                      </a:r>
-                      <a:endParaRPr sz="900" spc="0">
-                        <a:latin typeface="Adobe Clean"/>
-                        <a:cs typeface="Adobe Clean"/>
-                      </a:endParaRPr>
                     </a:p>
                   </a:txBody>
                   <a:tcPr marL="0" marR="0" marT="0" marB="0" anchor="ctr">
@@ -6302,19 +5899,15 @@
                         </a:spcBef>
                       </a:pPr>
                       <a:r>
-                        <a:rPr sz="900" b="1" spc="0" dirty="0">
+                        <a:rPr lang="fr-FR" sz="800" b="1" dirty="0">
                           <a:solidFill>
                             <a:srgbClr val="020302"/>
                           </a:solidFill>
                           <a:latin typeface="Adobe Clean"/>
                           <a:cs typeface="Adobe Clean"/>
                         </a:rPr>
-                        <a:t>PRIORITY 1</a:t>
+                        <a:t>PRIORITÉ 1</a:t>
                       </a:r>
-                      <a:endParaRPr sz="900" spc="0" dirty="0">
-                        <a:latin typeface="Adobe Clean"/>
-                        <a:cs typeface="Adobe Clean"/>
-                      </a:endParaRPr>
                     </a:p>
                     <a:p>
                       <a:pPr marL="50800" marR="387985">
@@ -6326,19 +5919,14 @@
                         </a:spcBef>
                       </a:pPr>
                       <a:r>
-                        <a:rPr lang="en-US" sz="900" b="0" i="0" spc="0" dirty="0">
+                        <a:rPr lang="fr-FR" sz="800" b="0" i="0" dirty="0">
                           <a:solidFill>
                             <a:srgbClr val="000000"/>
                           </a:solidFill>
-                          <a:effectLst/>
                           <a:latin typeface="Adobe Clean Light" panose="020B0303020404020204" pitchFamily="34" charset="0"/>
                         </a:rPr>
-                        <a:t>Customer's production business functions are down or have significant data loss or service degradation and immediate attention is required to restore functionality and usability. </a:t>
+                        <a:t>Les fonctions commerciales de production du client sont en panne ou présentent une perte de données ou une dégradation importante du service. Une attention immédiate est requise afin de restaurer les fonctionnalités et l’accessibilité. </a:t>
                       </a:r>
-                      <a:endParaRPr sz="900" spc="0" dirty="0">
-                        <a:latin typeface="AdobeClean-Light"/>
-                        <a:cs typeface="AdobeClean-Light"/>
-                      </a:endParaRPr>
                     </a:p>
                   </a:txBody>
                   <a:tcPr marL="0" marR="0" marT="0" marB="0" anchor="ctr">
@@ -6385,7 +5973,7 @@
                         </a:spcBef>
                       </a:pPr>
                       <a:r>
-                        <a:rPr lang="en-US" sz="900" spc="0">
+                        <a:rPr lang="fr-FR" sz="800">
                           <a:solidFill>
                             <a:srgbClr val="020302"/>
                           </a:solidFill>
@@ -6405,19 +5993,15 @@
                         </a:spcBef>
                       </a:pPr>
                       <a:r>
-                        <a:rPr lang="en-US" sz="900" spc="0">
+                        <a:rPr lang="fr-FR" sz="800">
                           <a:solidFill>
                             <a:srgbClr val="020302"/>
                           </a:solidFill>
                           <a:latin typeface="AdobeClean-Light"/>
                           <a:cs typeface="AdobeClean-Light"/>
                         </a:rPr>
-                        <a:t> 30 minutes</a:t>
+                        <a:t> 30 minutes</a:t>
                       </a:r>
-                      <a:endParaRPr lang="en-US" sz="900" spc="0">
-                        <a:latin typeface="AdobeClean-Light"/>
-                        <a:cs typeface="AdobeClean-Light"/>
-                      </a:endParaRPr>
                     </a:p>
                   </a:txBody>
                   <a:tcPr marL="0" marR="0" marT="0" marB="0" anchor="ctr">
@@ -6462,10 +6046,10 @@
                         <a:tabLst/>
                       </a:pPr>
                       <a:r>
-                        <a:rPr lang="en-US" sz="1000" i="0" spc="0" dirty="0">
+                        <a:rPr lang="fr-FR" sz="900" i="0" dirty="0">
                           <a:latin typeface="AdobeClean-Light"/>
                         </a:rPr>
-                        <a:t>Customers who purchase a Support Plan for applicable Adobe Products and Services receive priority case routing that fast-tracks cases to Adobe’s Support Engineers. </a:t>
+                        <a:t>Les clients qui achètent un plan d’assistance pour les produits et services Adobe concernés bénéficient de l’acheminement prioritaire des cas qui accélère leur résolution par les ingénieurs d’assistance Adobe. </a:t>
                       </a:r>
                     </a:p>
                   </a:txBody>
@@ -6513,7 +6097,7 @@
                         </a:spcBef>
                       </a:pPr>
                       <a:r>
-                        <a:rPr sz="900" spc="0">
+                        <a:rPr lang="fr-FR" sz="900">
                           <a:solidFill>
                             <a:srgbClr val="020302"/>
                           </a:solidFill>
@@ -6523,10 +6107,52 @@
                           <a:latin typeface="AdobeClean-Light"/>
                           <a:cs typeface="AdobeClean-Light"/>
                         </a:rPr>
-                        <a:t>24x7 /  </a:t>
+                        <a:t>24x7 /            30 minutes</a:t>
                       </a:r>
+                    </a:p>
+                  </a:txBody>
+                  <a:tcPr marL="0" marR="0" marT="0" marB="0" anchor="ctr">
+                    <a:lnL w="3175">
+                      <a:solidFill>
+                        <a:srgbClr val="B7B8B8"/>
+                      </a:solidFill>
+                      <a:prstDash val="solid"/>
+                    </a:lnL>
+                    <a:lnR w="3175">
+                      <a:solidFill>
+                        <a:srgbClr val="B7B8B8"/>
+                      </a:solidFill>
+                      <a:prstDash val="solid"/>
+                    </a:lnR>
+                    <a:lnT w="76200">
+                      <a:solidFill>
+                        <a:srgbClr val="2E8FFF"/>
+                      </a:solidFill>
+                      <a:prstDash val="solid"/>
+                    </a:lnT>
+                    <a:lnB w="3175">
+                      <a:solidFill>
+                        <a:srgbClr val="B7B8B8"/>
+                      </a:solidFill>
+                      <a:prstDash val="solid"/>
+                    </a:lnB>
+                  </a:tcPr>
+                </a:tc>
+                <a:tc rowSpan="4" hMerge="1">
+                  <a:txBody>
+                    <a:bodyPr/>
+                    <a:lstStyle/>
+                    <a:p>
+                      <a:pPr marL="0" marR="271780" indent="103505" algn="ctr">
+                        <a:lnSpc>
+                          <a:spcPct val="100000"/>
+                        </a:lnSpc>
+                        <a:spcBef>
+                          <a:spcPts val="670"/>
+                        </a:spcBef>
+                      </a:pPr>
                       <a:r>
-                        <a:rPr lang="en-US" sz="900" spc="0">
+                        <a:rPr lang="fr-FR" sz="900">
                           <a:solidFill>
                             <a:srgbClr val="020302"/>
                           </a:solidFill>
@@ -6536,168 +6162,8 @@
                           <a:latin typeface="AdobeClean-Light"/>
                           <a:cs typeface="AdobeClean-Light"/>
                         </a:rPr>
-                        <a:t>         </a:t>
+                        <a:t>24x7 /          15 minutes</a:t>
                       </a:r>
-                      <a:r>
-                        <a:rPr sz="900" spc="0">
-                          <a:solidFill>
-                            <a:srgbClr val="020302"/>
-                          </a:solidFill>
-                          <a:highlight>
-                            <a:srgbClr val="FFFF00"/>
-                          </a:highlight>
-                          <a:latin typeface="AdobeClean-Light"/>
-                          <a:cs typeface="AdobeClean-Light"/>
-                        </a:rPr>
-                        <a:t>30</a:t>
-                      </a:r>
-                      <a:r>
-                        <a:rPr lang="en-US" sz="900" spc="0">
-                          <a:solidFill>
-                            <a:srgbClr val="020302"/>
-                          </a:solidFill>
-                          <a:highlight>
-                            <a:srgbClr val="FFFF00"/>
-                          </a:highlight>
-                          <a:latin typeface="AdobeClean-Light"/>
-                          <a:cs typeface="AdobeClean-Light"/>
-                        </a:rPr>
-                        <a:t> </a:t>
-                      </a:r>
-                      <a:r>
-                        <a:rPr sz="900" spc="0">
-                          <a:solidFill>
-                            <a:srgbClr val="020302"/>
-                          </a:solidFill>
-                          <a:highlight>
-                            <a:srgbClr val="FFFF00"/>
-                          </a:highlight>
-                          <a:latin typeface="AdobeClean-Light"/>
-                          <a:cs typeface="AdobeClean-Light"/>
-                        </a:rPr>
-                        <a:t>minutes</a:t>
-                      </a:r>
-                      <a:endParaRPr sz="900" spc="0">
-                        <a:highlight>
-                          <a:srgbClr val="FFFF00"/>
-                        </a:highlight>
-                        <a:latin typeface="AdobeClean-Light"/>
-                        <a:cs typeface="AdobeClean-Light"/>
-                      </a:endParaRPr>
-                    </a:p>
-                  </a:txBody>
-                  <a:tcPr marL="0" marR="0" marT="0" marB="0" anchor="ctr">
-                    <a:lnL w="3175">
-                      <a:solidFill>
-                        <a:srgbClr val="B7B8B8"/>
-                      </a:solidFill>
-                      <a:prstDash val="solid"/>
-                    </a:lnL>
-                    <a:lnR w="3175">
-                      <a:solidFill>
-                        <a:srgbClr val="B7B8B8"/>
-                      </a:solidFill>
-                      <a:prstDash val="solid"/>
-                    </a:lnR>
-                    <a:lnT w="76200">
-                      <a:solidFill>
-                        <a:srgbClr val="2E8FFF"/>
-                      </a:solidFill>
-                      <a:prstDash val="solid"/>
-                    </a:lnT>
-                    <a:lnB w="3175">
-                      <a:solidFill>
-                        <a:srgbClr val="B7B8B8"/>
-                      </a:solidFill>
-                      <a:prstDash val="solid"/>
-                    </a:lnB>
-                  </a:tcPr>
-                </a:tc>
-                <a:tc rowSpan="4" hMerge="1">
-                  <a:txBody>
-                    <a:bodyPr/>
-                    <a:lstStyle/>
-                    <a:p>
-                      <a:pPr marL="0" marR="271780" indent="103505" algn="ctr">
-                        <a:lnSpc>
-                          <a:spcPct val="100000"/>
-                        </a:lnSpc>
-                        <a:spcBef>
-                          <a:spcPts val="670"/>
-                        </a:spcBef>
-                      </a:pPr>
-                      <a:r>
-                        <a:rPr sz="900" spc="0">
-                          <a:solidFill>
-                            <a:srgbClr val="020302"/>
-                          </a:solidFill>
-                          <a:highlight>
-                            <a:srgbClr val="FFFF00"/>
-                          </a:highlight>
-                          <a:latin typeface="AdobeClean-Light"/>
-                          <a:cs typeface="AdobeClean-Light"/>
-                        </a:rPr>
-                        <a:t>24x7 / </a:t>
-                      </a:r>
-                      <a:r>
-                        <a:rPr lang="en-US" sz="900" spc="0">
-                          <a:solidFill>
-                            <a:srgbClr val="020302"/>
-                          </a:solidFill>
-                          <a:highlight>
-                            <a:srgbClr val="FFFF00"/>
-                          </a:highlight>
-                          <a:latin typeface="AdobeClean-Light"/>
-                          <a:cs typeface="AdobeClean-Light"/>
-                        </a:rPr>
-                        <a:t>       </a:t>
-                      </a:r>
-                      <a:r>
-                        <a:rPr sz="900" spc="0">
-                          <a:solidFill>
-                            <a:srgbClr val="020302"/>
-                          </a:solidFill>
-                          <a:highlight>
-                            <a:srgbClr val="FFFF00"/>
-                          </a:highlight>
-                          <a:latin typeface="AdobeClean-Light"/>
-                          <a:cs typeface="AdobeClean-Light"/>
-                        </a:rPr>
-                        <a:t> 15</a:t>
-                      </a:r>
-                      <a:r>
-                        <a:rPr lang="en-US" sz="900" spc="0">
-                          <a:solidFill>
-                            <a:srgbClr val="020302"/>
-                          </a:solidFill>
-                          <a:highlight>
-                            <a:srgbClr val="FFFF00"/>
-                          </a:highlight>
-                          <a:latin typeface="AdobeClean-Light"/>
-                          <a:cs typeface="AdobeClean-Light"/>
-                        </a:rPr>
-                        <a:t> </a:t>
-                      </a:r>
-                      <a:r>
-                        <a:rPr sz="900" spc="0">
-                          <a:solidFill>
-                            <a:srgbClr val="020302"/>
-                          </a:solidFill>
-                          <a:highlight>
-                            <a:srgbClr val="FFFF00"/>
-                          </a:highlight>
-                          <a:latin typeface="AdobeClean-Light"/>
-                          <a:cs typeface="AdobeClean-Light"/>
-                        </a:rPr>
-                        <a:t>minutes</a:t>
-                      </a:r>
-                      <a:endParaRPr sz="900" spc="0">
-                        <a:highlight>
-                          <a:srgbClr val="FFFF00"/>
-                        </a:highlight>
-                        <a:latin typeface="AdobeClean-Light"/>
-                        <a:cs typeface="AdobeClean-Light"/>
-                      </a:endParaRPr>
                     </a:p>
                   </a:txBody>
                   <a:tcPr marL="0" marR="0" marT="0" marB="0" anchor="ctr">
@@ -6748,19 +6214,15 @@
                         </a:spcBef>
                       </a:pPr>
                       <a:r>
-                        <a:rPr sz="900" b="1" spc="0">
+                        <a:rPr lang="fr-FR" sz="800" b="1" dirty="0">
                           <a:solidFill>
                             <a:srgbClr val="020302"/>
                           </a:solidFill>
                           <a:latin typeface="Adobe Clean"/>
                           <a:cs typeface="Adobe Clean"/>
                         </a:rPr>
-                        <a:t>PRIORITY 2</a:t>
+                        <a:t>PRIORITÉ 2</a:t>
                       </a:r>
-                      <a:endParaRPr sz="900" spc="0">
-                        <a:latin typeface="Adobe Clean"/>
-                        <a:cs typeface="Adobe Clean"/>
-                      </a:endParaRPr>
                     </a:p>
                     <a:p>
                       <a:pPr marL="50165" marR="203200" indent="0" defTabSz="914400" eaLnBrk="1" fontAlgn="auto" latinLnBrk="0" hangingPunct="1">
@@ -6781,19 +6243,14 @@
                         <a:defRPr/>
                       </a:pPr>
                       <a:r>
-                        <a:rPr lang="en-US" sz="900" b="0" i="0" spc="0">
+                        <a:rPr lang="fr-FR" sz="800" b="0" i="0" dirty="0">
                           <a:solidFill>
                             <a:srgbClr val="000000"/>
                           </a:solidFill>
-                          <a:effectLst/>
                           <a:latin typeface="Adobe Clean Light" panose="020B0303020404020204" pitchFamily="34" charset="0"/>
                         </a:rPr>
-                        <a:t>Customer's business functions have major service degradation or potential data loss, or a major feature is impacted. </a:t>
+                        <a:t>Les fonctions commerciales du client présentent une dégradation importante des services ou une perte potentielle de données. Il est également possible qu’une fonctionnalité majeure soit affectée. </a:t>
                       </a:r>
-                      <a:endParaRPr sz="900" b="0" i="0" spc="0">
-                        <a:latin typeface="Adobe Clean Light" panose="020B0303020404020204" pitchFamily="34" charset="0"/>
-                        <a:cs typeface="AdobeClean-Light"/>
-                      </a:endParaRPr>
                     </a:p>
                   </a:txBody>
                   <a:tcPr marL="0" marR="0" marT="0" marB="0" anchor="ctr">
@@ -6840,7 +6297,7 @@
                         </a:spcBef>
                       </a:pPr>
                       <a:r>
-                        <a:rPr lang="en-US" sz="900" spc="0">
+                        <a:rPr lang="fr-FR" sz="800">
                           <a:solidFill>
                             <a:srgbClr val="020302"/>
                           </a:solidFill>
@@ -6860,19 +6317,15 @@
                         </a:spcBef>
                       </a:pPr>
                       <a:r>
-                        <a:rPr lang="en-US" sz="900" spc="0">
+                        <a:rPr lang="fr-FR" sz="800">
                           <a:solidFill>
                             <a:srgbClr val="020302"/>
                           </a:solidFill>
                           <a:latin typeface="AdobeClean-Light"/>
                           <a:cs typeface="AdobeClean-Light"/>
                         </a:rPr>
-                        <a:t>     1 hour</a:t>
+                        <a:t>     1 heure</a:t>
                       </a:r>
-                      <a:endParaRPr lang="en-US" sz="900" spc="0">
-                        <a:latin typeface="AdobeClean-Light"/>
-                        <a:cs typeface="AdobeClean-Light"/>
-                      </a:endParaRPr>
                     </a:p>
                   </a:txBody>
                   <a:tcPr marL="0" marR="0" marT="0" marB="0" anchor="ctr">
@@ -6907,7 +6360,7 @@
                     <a:bodyPr/>
                     <a:lstStyle/>
                     <a:p>
-                      <a:pPr marL="0" marR="184785" indent="-194310" algn="ctr">
+                      <a:pPr marL="0" marR="184785" indent="-194310" algn="l" rtl="0">
                         <a:lnSpc>
                           <a:spcPct val="100000"/>
                         </a:lnSpc>
@@ -6959,7 +6412,7 @@
                     <a:bodyPr/>
                     <a:lstStyle/>
                     <a:p>
-                      <a:pPr marL="0" marR="325755" indent="-5715" algn="ctr">
+                      <a:pPr marL="0" marR="325755" indent="-5715" algn="l" rtl="0">
                         <a:lnSpc>
                           <a:spcPct val="100000"/>
                         </a:lnSpc>
@@ -7008,7 +6461,7 @@
                     <a:bodyPr/>
                     <a:lstStyle/>
                     <a:p>
-                      <a:pPr marL="0" marR="259079" indent="111760" algn="ctr">
+                      <a:pPr marL="0" marR="259079" indent="111760" algn="l" rtl="0">
                         <a:lnSpc>
                           <a:spcPct val="100000"/>
                         </a:lnSpc>
@@ -7073,29 +6526,15 @@
                         </a:spcBef>
                       </a:pPr>
                       <a:r>
-                        <a:rPr sz="900" b="1" spc="0">
+                        <a:rPr lang="fr-FR" sz="800" b="1" dirty="0">
                           <a:solidFill>
                             <a:srgbClr val="020302"/>
                           </a:solidFill>
                           <a:latin typeface="Adobe Clean"/>
                           <a:cs typeface="Adobe Clean"/>
                         </a:rPr>
-                        <a:t>PRIORITY</a:t>
+                        <a:t>PRIORITÉ 3</a:t>
                       </a:r>
-                      <a:r>
-                        <a:rPr lang="en-US" sz="900" b="1" spc="0">
-                          <a:solidFill>
-                            <a:srgbClr val="020302"/>
-                          </a:solidFill>
-                          <a:latin typeface="Adobe Clean"/>
-                          <a:cs typeface="Adobe Clean"/>
-                        </a:rPr>
-                        <a:t> 3</a:t>
-                      </a:r>
-                      <a:endParaRPr lang="en-US" sz="900" spc="0">
-                        <a:latin typeface="Adobe Clean"/>
-                        <a:cs typeface="Adobe Clean"/>
-                      </a:endParaRPr>
                     </a:p>
                     <a:p>
                       <a:pPr marL="49530" marR="212090" indent="-2540" defTabSz="914400" eaLnBrk="1" fontAlgn="auto" latinLnBrk="0" hangingPunct="1">
@@ -7116,26 +6555,21 @@
                         <a:defRPr/>
                       </a:pPr>
                       <a:r>
-                        <a:rPr kumimoji="0" lang="en-US" sz="900" b="0" i="0" u="none" strike="noStrike" kern="1200" cap="none" spc="0" normalizeH="0" baseline="0" noProof="0">
+                        <a:rPr kumimoji="0" lang="fr-FR" sz="800" b="0" i="0" u="none" strike="noStrike" cap="none" normalizeH="0" baseline="0" noProof="0" dirty="0">
                           <a:ln>
                             <a:noFill/>
                           </a:ln>
                           <a:solidFill>
                             <a:srgbClr val="000000"/>
                           </a:solidFill>
-                          <a:effectLst/>
                           <a:uLnTx/>
                           <a:uFillTx/>
                           <a:latin typeface="Adobe Clean Light" panose="020B0303020404020204" pitchFamily="34" charset="0"/>
                           <a:ea typeface="+mn-ea"/>
                           <a:cs typeface="+mn-cs"/>
                         </a:rPr>
-                        <a:t>Customer's business functions have minor service degradation but there exists a solution/workaround allowing business functions to continue normally. </a:t>
+                        <a:t>Les fonctions commerciales du client présentent une dégradation mineure du service, mais il existe une solution/un moyen permettant aux fonctions commerciales de continuer de fonctionner normalement. </a:t>
                       </a:r>
-                      <a:endParaRPr lang="en-US" sz="900" b="0" i="0" spc="0">
-                        <a:latin typeface="Adobe Clean Light" panose="020B0303020404020204" pitchFamily="34" charset="0"/>
-                        <a:cs typeface="AdobeClean-Light"/>
-                      </a:endParaRPr>
                     </a:p>
                   </a:txBody>
                   <a:tcPr marL="0" marR="0" marT="0" marB="0" anchor="ctr">
@@ -7185,14 +6619,14 @@
                         </a:tabLst>
                       </a:pPr>
                       <a:r>
-                        <a:rPr lang="en-US" sz="900" spc="0">
+                        <a:rPr lang="fr-FR" sz="800" dirty="0">
                           <a:solidFill>
                             <a:srgbClr val="020302"/>
                           </a:solidFill>
                           <a:latin typeface="AdobeClean-Light"/>
                           <a:cs typeface="AdobeClean-Light"/>
                         </a:rPr>
-                        <a:t>Business day /   </a:t>
+                        <a:t>Jour ouvrable /   </a:t>
                       </a:r>
                     </a:p>
                     <a:p>
@@ -7205,19 +6639,15 @@
                         </a:spcBef>
                       </a:pPr>
                       <a:r>
-                        <a:rPr lang="en-US" sz="900" spc="0">
+                        <a:rPr lang="fr-FR" sz="800" dirty="0">
                           <a:solidFill>
                             <a:srgbClr val="020302"/>
                           </a:solidFill>
                           <a:latin typeface="AdobeClean-Light"/>
                           <a:cs typeface="AdobeClean-Light"/>
                         </a:rPr>
-                        <a:t>4 hours</a:t>
+                        <a:t>4 heures</a:t>
                       </a:r>
-                      <a:endParaRPr lang="en-US" sz="900" spc="0">
-                        <a:latin typeface="AdobeClean-Light"/>
-                        <a:cs typeface="AdobeClean-Light"/>
-                      </a:endParaRPr>
                     </a:p>
                   </a:txBody>
                   <a:tcPr marL="0" marR="0" marT="0" marB="0" anchor="ctr">
@@ -7252,7 +6682,7 @@
                     <a:bodyPr/>
                     <a:lstStyle/>
                     <a:p>
-                      <a:pPr marL="0" marR="185420" indent="-193675" algn="ctr">
+                      <a:pPr marL="0" marR="185420" indent="-193675" algn="l" rtl="0">
                         <a:lnSpc>
                           <a:spcPct val="100000"/>
                         </a:lnSpc>
@@ -7304,7 +6734,7 @@
                     <a:bodyPr/>
                     <a:lstStyle/>
                     <a:p>
-                      <a:pPr marL="0" marR="184785" indent="-194310" algn="ctr">
+                      <a:pPr marL="0" marR="184785" indent="-194310" algn="l" rtl="0">
                         <a:lnSpc>
                           <a:spcPct val="100000"/>
                         </a:lnSpc>
@@ -7353,7 +6783,7 @@
                     <a:bodyPr/>
                     <a:lstStyle/>
                     <a:p>
-                      <a:pPr marL="0" marR="326390" indent="-5715" algn="ctr">
+                      <a:pPr marL="0" marR="326390" indent="-5715" algn="l" rtl="0">
                         <a:lnSpc>
                           <a:spcPct val="100000"/>
                         </a:lnSpc>
@@ -7418,19 +6848,15 @@
                         </a:spcBef>
                       </a:pPr>
                       <a:r>
-                        <a:rPr sz="900" b="1" spc="0">
+                        <a:rPr lang="fr-FR" sz="800" b="1" dirty="0">
                           <a:solidFill>
                             <a:srgbClr val="020302"/>
                           </a:solidFill>
                           <a:latin typeface="Adobe Clean"/>
                           <a:cs typeface="Adobe Clean"/>
                         </a:rPr>
-                        <a:t>PRIORITY 4</a:t>
+                        <a:t>PRIORITÉ 4</a:t>
                       </a:r>
-                      <a:endParaRPr sz="900" spc="0">
-                        <a:latin typeface="Adobe Clean"/>
-                        <a:cs typeface="Adobe Clean"/>
-                      </a:endParaRPr>
                     </a:p>
                     <a:p>
                       <a:pPr marL="48895" marR="0" indent="0" defTabSz="914400" eaLnBrk="1" fontAlgn="auto" latinLnBrk="0" hangingPunct="1">
@@ -7451,19 +6877,14 @@
                         <a:defRPr/>
                       </a:pPr>
                       <a:r>
-                        <a:rPr lang="en-US" sz="900" b="0" i="0" spc="0">
+                        <a:rPr lang="fr-FR" sz="800" b="0" i="0" dirty="0">
                           <a:solidFill>
                             <a:srgbClr val="000000"/>
                           </a:solidFill>
-                          <a:effectLst/>
                           <a:latin typeface="Adobe Clean Light" panose="020B0303020404020204" pitchFamily="34" charset="0"/>
                         </a:rPr>
-                        <a:t>General question regarding current product functionality or an enhancement request.</a:t>
+                        <a:t>Question générale concernant les fonctionnalités actuelles du produit ou une demande d’amélioration.</a:t>
                       </a:r>
-                      <a:endParaRPr sz="900" b="0" i="0" spc="0">
-                        <a:latin typeface="Adobe Clean Light" panose="020B0303020404020204" pitchFamily="34" charset="0"/>
-                        <a:cs typeface="AdobeClean-Light"/>
-                      </a:endParaRPr>
                     </a:p>
                   </a:txBody>
                   <a:tcPr marL="0" marR="0" marT="0" marB="0" anchor="ctr">
@@ -7513,14 +6934,14 @@
                         </a:tabLst>
                       </a:pPr>
                       <a:r>
-                        <a:rPr lang="en-US" sz="900" spc="0" dirty="0">
+                        <a:rPr lang="fr-FR" sz="800" dirty="0">
                           <a:solidFill>
                             <a:srgbClr val="020302"/>
                           </a:solidFill>
                           <a:latin typeface="AdobeClean-Light"/>
                           <a:cs typeface="AdobeClean-Light"/>
                         </a:rPr>
-                        <a:t>  Business day /   </a:t>
+                        <a:t>  Jour ouvrable /   </a:t>
                       </a:r>
                     </a:p>
                     <a:p>
@@ -7533,19 +6954,15 @@
                         </a:spcBef>
                       </a:pPr>
                       <a:r>
-                        <a:rPr lang="en-US" sz="900" spc="0" dirty="0">
+                        <a:rPr lang="fr-FR" sz="800" dirty="0">
                           <a:solidFill>
                             <a:srgbClr val="020302"/>
                           </a:solidFill>
                           <a:latin typeface="AdobeClean-Light"/>
                           <a:cs typeface="AdobeClean-Light"/>
                         </a:rPr>
-                        <a:t>1 day </a:t>
+                        <a:t>1 jour </a:t>
                       </a:r>
-                      <a:endParaRPr lang="en-US" sz="900" spc="0" dirty="0">
-                        <a:latin typeface="AdobeClean-Light"/>
-                        <a:cs typeface="AdobeClean-Light"/>
-                      </a:endParaRPr>
                     </a:p>
                   </a:txBody>
                   <a:tcPr marL="0" marR="0" marT="0" marB="0" anchor="ctr">
@@ -7580,7 +6997,7 @@
                     <a:bodyPr/>
                     <a:lstStyle/>
                     <a:p>
-                      <a:pPr marL="0" marR="223520" indent="-202565" algn="ctr">
+                      <a:pPr marL="0" marR="223520" indent="-202565" algn="l" rtl="0">
                         <a:lnSpc>
                           <a:spcPct val="100000"/>
                         </a:lnSpc>
@@ -7632,7 +7049,7 @@
                     <a:bodyPr/>
                     <a:lstStyle/>
                     <a:p>
-                      <a:pPr marL="0" marR="223520" indent="-202565" algn="ctr">
+                      <a:pPr marL="0" marR="223520" indent="-202565" algn="l" rtl="0">
                         <a:lnSpc>
                           <a:spcPct val="100000"/>
                         </a:lnSpc>
@@ -7681,7 +7098,7 @@
                     <a:bodyPr/>
                     <a:lstStyle/>
                     <a:p>
-                      <a:pPr marL="0" marR="223520" indent="-202565" algn="ctr">
+                      <a:pPr marL="0" marR="223520" indent="-202565" algn="l" rtl="0">
                         <a:lnSpc>
                           <a:spcPct val="100000"/>
                         </a:lnSpc>
@@ -7752,7 +7169,7 @@
         <p:spPr>
           <a:xfrm>
             <a:off x="97788" y="9888626"/>
-            <a:ext cx="2245360" cy="133370"/>
+            <a:ext cx="3636012" cy="133370"/>
           </a:xfrm>
           <a:prstGeom prst="rect">
             <a:avLst/>
@@ -7864,36 +7281,24 @@
               </a:spcBef>
             </a:pPr>
             <a:r>
-              <a:rPr lang="en-US" spc="-10" dirty="0"/>
-              <a:t>©202</a:t>
+              <a:rPr lang="fr-FR" dirty="0"/>
+              <a:t>©2020 Adobe. All </a:t>
             </a:r>
             <a:r>
-              <a:rPr lang="en-US" spc="-5" dirty="0"/>
-              <a:t>2 Adobe. All</a:t>
+              <a:rPr lang="fr-FR" dirty="0" err="1"/>
+              <a:t>Rights</a:t>
             </a:r>
             <a:r>
-              <a:rPr lang="en-US" spc="-10" dirty="0"/>
-              <a:t> Rights</a:t>
-            </a:r>
-            <a:r>
-              <a:rPr lang="en-US" spc="-5" dirty="0"/>
+              <a:rPr lang="fr-FR" dirty="0"/>
               <a:t> </a:t>
             </a:r>
             <a:r>
-              <a:rPr lang="en-US" spc="-10" dirty="0"/>
-              <a:t>Reserved.</a:t>
+              <a:rPr lang="fr-FR" dirty="0" err="1"/>
+              <a:t>Reserved</a:t>
             </a:r>
             <a:r>
-              <a:rPr lang="en-US" spc="-5" dirty="0"/>
-              <a:t> Adobe</a:t>
-            </a:r>
-            <a:r>
-              <a:rPr lang="en-US" spc="60" dirty="0"/>
-              <a:t> </a:t>
-            </a:r>
-            <a:r>
-              <a:rPr lang="en-US" spc="-10" dirty="0"/>
-              <a:t>Confidential.</a:t>
+              <a:rPr lang="fr-FR" dirty="0"/>
+              <a:t>. Données confidentielles Adobe</a:t>
             </a:r>
           </a:p>
         </p:txBody>
@@ -8091,15 +7496,11 @@
               </a:spcBef>
             </a:pPr>
             <a:r>
-              <a:rPr lang="en-US" sz="1000" dirty="0">
+              <a:rPr lang="fr-FR" sz="1000">
                 <a:latin typeface="Adobe Clean Light" panose="020B0303020404020204" pitchFamily="34" charset="0"/>
               </a:rPr>
-              <a:t>An assigned Account Support Lead to monitor case progress and function as your escalation point and internal advocate within Adobe Support.</a:t>
+              <a:t>Une assistance principale du compte dédiée pour surveiller la progression et le traitement des cas qui agit comme porte-parole de remontée des informations et comme ambassadeur interne au sein du service d’assistance d’Adobe.</a:t>
             </a:r>
-            <a:endParaRPr lang="en-US" sz="1000" dirty="0">
-              <a:latin typeface="Adobe Clean Light" panose="020B0303020404020204" pitchFamily="34" charset="0"/>
-              <a:cs typeface="AdobeClean-Light"/>
-            </a:endParaRPr>
           </a:p>
         </p:txBody>
       </p:sp>
@@ -8148,8 +7549,8 @@
         </p:nvSpPr>
         <p:spPr>
           <a:xfrm>
-            <a:off x="792529" y="1318056"/>
-            <a:ext cx="1726164" cy="184666"/>
+            <a:off x="792529" y="1228498"/>
+            <a:ext cx="1489734" cy="369332"/>
           </a:xfrm>
           <a:prstGeom prst="rect">
             <a:avLst/>
@@ -8170,13 +7571,13 @@
               </a:spcAft>
             </a:pPr>
             <a:r>
-              <a:rPr lang="en-US" sz="1200" b="1" spc="-10" dirty="0">
+              <a:rPr lang="fr-FR" sz="1200" b="1" dirty="0">
                 <a:solidFill>
                   <a:srgbClr val="020302"/>
                 </a:solidFill>
                 <a:latin typeface="Adobe Clean" panose="020B0503020404020204" pitchFamily="34" charset="0"/>
               </a:rPr>
-              <a:t>Account Support Lead</a:t>
+              <a:t>Assistance principale du compte</a:t>
             </a:r>
           </a:p>
         </p:txBody>
@@ -8196,7 +7597,7 @@
         <p:spPr>
           <a:xfrm>
             <a:off x="430064" y="5732304"/>
-            <a:ext cx="1983611" cy="45719"/>
+            <a:ext cx="3075136" cy="80147"/>
           </a:xfrm>
           <a:custGeom>
             <a:avLst/>
@@ -8244,14 +7645,14 @@
         <p:spPr>
           <a:xfrm>
             <a:off x="318713" y="5432541"/>
-            <a:ext cx="2180405" cy="307777"/>
+            <a:ext cx="4070349" cy="307777"/>
           </a:xfrm>
           <a:prstGeom prst="rect">
             <a:avLst/>
           </a:prstGeom>
         </p:spPr>
         <p:txBody>
-          <a:bodyPr wrap="none">
+          <a:bodyPr wrap="square">
             <a:spAutoFit/>
           </a:bodyPr>
           <a:lstStyle/>
@@ -8265,19 +7666,15 @@
               </a:spcBef>
             </a:pPr>
             <a:r>
-              <a:rPr lang="en-US" sz="1400" b="1" spc="-10" dirty="0">
+              <a:rPr lang="fr-FR" sz="1400" b="1">
                 <a:solidFill>
                   <a:srgbClr val="020302"/>
                 </a:solidFill>
                 <a:latin typeface="Adobe Clean"/>
                 <a:cs typeface="Adobe Clean"/>
               </a:rPr>
-              <a:t>Standard Support Features</a:t>
+              <a:t>Fonctionnalités de l’assistance Standard</a:t>
             </a:r>
-            <a:endParaRPr lang="en-US" sz="1400" dirty="0">
-              <a:latin typeface="Adobe Clean"/>
-              <a:cs typeface="Adobe Clean"/>
-            </a:endParaRPr>
           </a:p>
         </p:txBody>
       </p:sp>
@@ -8295,8 +7692,8 @@
         </p:nvSpPr>
         <p:spPr>
           <a:xfrm>
-            <a:off x="401995" y="736965"/>
-            <a:ext cx="2011680" cy="0"/>
+            <a:off x="401994" y="736964"/>
+            <a:ext cx="3255606" cy="45719"/>
           </a:xfrm>
           <a:custGeom>
             <a:avLst/>
@@ -8344,7 +7741,7 @@
         <p:spPr>
           <a:xfrm>
             <a:off x="318713" y="429188"/>
-            <a:ext cx="2251572" cy="307777"/>
+            <a:ext cx="4680638" cy="307777"/>
           </a:xfrm>
           <a:prstGeom prst="rect">
             <a:avLst/>
@@ -8365,19 +7762,15 @@
               </a:spcBef>
             </a:pPr>
             <a:r>
-              <a:rPr lang="en-US" sz="1400" b="1" spc="-10" dirty="0">
+              <a:rPr lang="fr-FR" sz="1400" b="1" dirty="0">
                 <a:solidFill>
                   <a:srgbClr val="020302"/>
                 </a:solidFill>
                 <a:latin typeface="Adobe Clean"/>
                 <a:cs typeface="Adobe Clean"/>
               </a:rPr>
-              <a:t>Business Support Features</a:t>
+              <a:t>Fonctionnalités d’assistance commerciale</a:t>
             </a:r>
-            <a:endParaRPr lang="en-US" sz="1400" dirty="0">
-              <a:latin typeface="Adobe Clean"/>
-              <a:cs typeface="Adobe Clean"/>
-            </a:endParaRPr>
           </a:p>
         </p:txBody>
       </p:sp>
@@ -8414,11 +7807,11 @@
               </a:spcBef>
             </a:pPr>
             <a:r>
-              <a:rPr lang="en-US" sz="1000" dirty="0">
+              <a:rPr lang="fr-FR" sz="1000" dirty="0">
                 <a:latin typeface="Adobe Clean Light" panose="020B0303020404020204" pitchFamily="34" charset="0"/>
                 <a:cs typeface="AdobeClean-Light"/>
               </a:rPr>
-              <a:t>Receive prioritized routing to ensure faster connection to more senior support resources on submitted cases. </a:t>
+              <a:t>Bénéficiez d’un acheminement prioritaire pour garantir une connexion rapide à des ressources d’assistance senior supplémentaires sur les cas envoyés. </a:t>
             </a:r>
           </a:p>
         </p:txBody>
@@ -8439,8 +7832,8 @@
         </p:nvSpPr>
         <p:spPr>
           <a:xfrm>
-            <a:off x="3218164" y="1320426"/>
-            <a:ext cx="1976242" cy="184666"/>
+            <a:off x="3218164" y="1230868"/>
+            <a:ext cx="1582436" cy="369332"/>
           </a:xfrm>
           <a:prstGeom prst="rect">
             <a:avLst/>
@@ -8461,13 +7854,13 @@
               </a:spcAft>
             </a:pPr>
             <a:r>
-              <a:rPr lang="en-US" sz="1200" b="1" spc="-10" dirty="0">
+              <a:rPr lang="fr-FR" sz="1200" b="1" dirty="0">
                 <a:solidFill>
                   <a:srgbClr val="020302"/>
                 </a:solidFill>
                 <a:latin typeface="Adobe Clean" panose="020B0503020404020204" pitchFamily="34" charset="0"/>
               </a:rPr>
-              <a:t>Priority Case Routing</a:t>
+              <a:t>Acheminement prioritaire des cas</a:t>
             </a:r>
           </a:p>
         </p:txBody>
@@ -8508,15 +7901,11 @@
               </a:spcBef>
             </a:pPr>
             <a:r>
-              <a:rPr lang="en-US" sz="1000" dirty="0">
+              <a:rPr lang="fr-FR" sz="1000">
                 <a:latin typeface="Adobe Clean Light" panose="020B0303020404020204" pitchFamily="34" charset="0"/>
               </a:rPr>
-              <a:t>A designated point of contact within Adobe who can provide escalation assistance, regular updates and ensure priority is given to your most critical open support requests.</a:t>
+              <a:t>Il s’agit d’un point de contact désigné au sein d’Adobe pouvant fournir une assistance en matière de remontées d’informations, des mises à jour régulières et s’assurant que la priorité est mise sur vos demandes d’assistance ouvertes les plus importantes.</a:t>
             </a:r>
-            <a:endParaRPr lang="en-US" sz="1000" dirty="0">
-              <a:latin typeface="Adobe Clean Light" panose="020B0303020404020204" pitchFamily="34" charset="0"/>
-              <a:cs typeface="AdobeClean-Light"/>
-            </a:endParaRPr>
           </a:p>
         </p:txBody>
       </p:sp>
@@ -8536,7 +7925,7 @@
         </p:nvSpPr>
         <p:spPr>
           <a:xfrm>
-            <a:off x="5801129" y="1318056"/>
+            <a:off x="5801129" y="1228498"/>
             <a:ext cx="1608472" cy="184666"/>
           </a:xfrm>
           <a:prstGeom prst="rect">
@@ -8558,13 +7947,13 @@
               </a:spcAft>
             </a:pPr>
             <a:r>
-              <a:rPr lang="en-US" sz="1200" b="1" spc="-10" dirty="0">
+              <a:rPr lang="fr-FR" sz="1200" b="1" dirty="0">
                 <a:solidFill>
                   <a:srgbClr val="020302"/>
                 </a:solidFill>
                 <a:latin typeface="Adobe Clean" panose="020B0503020404020204" pitchFamily="34" charset="0"/>
               </a:rPr>
-              <a:t>Escalation Management</a:t>
+              <a:t>Gestion des remontées d’informations</a:t>
             </a:r>
           </a:p>
         </p:txBody>
@@ -8583,8 +7972,8 @@
         </p:nvSpPr>
         <p:spPr>
           <a:xfrm>
-            <a:off x="3183539" y="3615388"/>
-            <a:ext cx="2250745" cy="276999"/>
+            <a:off x="3202415" y="3566228"/>
+            <a:ext cx="1998061" cy="461665"/>
           </a:xfrm>
           <a:prstGeom prst="rect">
             <a:avLst/>
@@ -8598,10 +7987,10 @@
           <a:lstStyle/>
           <a:p>
             <a:r>
-              <a:rPr lang="en-US" sz="1200" b="1" dirty="0">
+              <a:rPr lang="fr-FR" sz="1200" b="1" dirty="0">
                 <a:latin typeface="Adobe Clean" panose="020B0503020404020204" pitchFamily="34" charset="0"/>
               </a:rPr>
-              <a:t>Accelerated Issue Prioritization</a:t>
+              <a:t>Accélération du traitement des problèmes</a:t>
             </a:r>
           </a:p>
         </p:txBody>
@@ -8620,7 +8009,7 @@
         </p:nvSpPr>
         <p:spPr>
           <a:xfrm>
-            <a:off x="2850511" y="3943707"/>
+            <a:off x="2850511" y="3962400"/>
             <a:ext cx="2148840" cy="497572"/>
           </a:xfrm>
           <a:prstGeom prst="rect">
@@ -8640,11 +8029,11 @@
               <a:defRPr/>
             </a:pPr>
             <a:r>
-              <a:rPr lang="en-US" sz="1000" dirty="0">
+              <a:rPr lang="fr-FR" sz="1000" dirty="0">
                 <a:latin typeface="Adobe Clean Light" panose="020B0303020404020204" pitchFamily="34" charset="0"/>
                 <a:cs typeface="Adobe Clean Light"/>
               </a:rPr>
-              <a:t>Receive higher prioritization on support case work through facilitated engagement with Engineering.</a:t>
+              <a:t>Bénéficiez d’une accélération du traitement des cas grâce à une interaction simple avec l’équipe technique.</a:t>
             </a:r>
           </a:p>
         </p:txBody>
@@ -8775,8 +8164,8 @@
         </p:nvSpPr>
         <p:spPr>
           <a:xfrm>
-            <a:off x="869249" y="6535770"/>
-            <a:ext cx="1345945" cy="184666"/>
+            <a:off x="869249" y="6412192"/>
+            <a:ext cx="1981262" cy="184666"/>
           </a:xfrm>
           <a:prstGeom prst="rect">
             <a:avLst/>
@@ -8797,12 +8186,12 @@
               </a:spcAft>
             </a:pPr>
             <a:r>
-              <a:rPr lang="en-US" sz="1200" b="1" dirty="0">
+              <a:rPr lang="fr-FR" sz="1200" b="1" dirty="0">
                 <a:latin typeface="Adobe Clean" panose="020B0503020404020204" pitchFamily="34" charset="0"/>
                 <a:ea typeface="Open Sans" pitchFamily="34" charset="0"/>
                 <a:cs typeface="Open Sans" pitchFamily="34" charset="0"/>
               </a:rPr>
-              <a:t>Community Forums</a:t>
+              <a:t>Forums de la communauté</a:t>
             </a:r>
           </a:p>
         </p:txBody>
@@ -8821,7 +8210,7 @@
         </p:nvSpPr>
         <p:spPr>
           <a:xfrm>
-            <a:off x="441718" y="6777939"/>
+            <a:off x="441718" y="6654361"/>
             <a:ext cx="2148840" cy="959237"/>
           </a:xfrm>
           <a:prstGeom prst="rect">
@@ -8835,13 +8224,13 @@
           <a:lstStyle/>
           <a:p>
             <a:r>
-              <a:rPr lang="en-US" sz="1000" dirty="0">
+              <a:rPr lang="fr-FR" sz="1000">
                 <a:solidFill>
                   <a:srgbClr val="000000"/>
                 </a:solidFill>
                 <a:latin typeface="Adobe Clean Light" panose="020B0303020404020204" pitchFamily="34" charset="0"/>
               </a:rPr>
-              <a:t>Continuous online access to a growing database of technical solutions, product documentation, FAQs and more. Connect with other customers on Adobe Community to share best practices and lessons learned..</a:t>
+              <a:t>Accès en ligne permanent à une base de données croissante de solutions techniques, de documentation sur les produits, de questions fréquentes, etc. Communiquez avec d’autres clients de la communauté Adobe pour partager les bonnes pratiques et les leçons apprises.</a:t>
             </a:r>
           </a:p>
         </p:txBody>
@@ -8862,7 +8251,7 @@
         </p:nvSpPr>
         <p:spPr>
           <a:xfrm>
-            <a:off x="3375964" y="6534116"/>
+            <a:off x="3375964" y="6410538"/>
             <a:ext cx="1013098" cy="184666"/>
           </a:xfrm>
           <a:prstGeom prst="rect">
@@ -8884,12 +8273,12 @@
               </a:spcAft>
             </a:pPr>
             <a:r>
-              <a:rPr lang="en-US" sz="1200" b="1" dirty="0">
+              <a:rPr lang="fr-FR" sz="1200" b="1">
                 <a:latin typeface="Adobe Clean" panose="020B0503020404020204" pitchFamily="34" charset="0"/>
                 <a:ea typeface="Open Sans" pitchFamily="34" charset="0"/>
                 <a:cs typeface="Open Sans" pitchFamily="34" charset="0"/>
               </a:rPr>
-              <a:t>Self-Help Portal</a:t>
+              <a:t>Portail d’aide automatique</a:t>
             </a:r>
           </a:p>
         </p:txBody>
@@ -8908,7 +8297,7 @@
         </p:nvSpPr>
         <p:spPr>
           <a:xfrm>
-            <a:off x="2930461" y="6767810"/>
+            <a:off x="2930461" y="6644232"/>
             <a:ext cx="2148840" cy="805349"/>
           </a:xfrm>
           <a:prstGeom prst="rect">
@@ -8922,13 +8311,13 @@
           <a:lstStyle/>
           <a:p>
             <a:r>
-              <a:rPr lang="en-US" sz="1000" dirty="0">
+              <a:rPr lang="fr-FR" sz="1000" dirty="0">
                 <a:solidFill>
                   <a:srgbClr val="000000"/>
                 </a:solidFill>
                 <a:latin typeface="Adobe Clean Light" panose="020B0303020404020204" pitchFamily="34" charset="0"/>
               </a:rPr>
-              <a:t>On-demand access to the online Self-help Support Portal review case status, and browse other resources, like our  news and alerts, knowledge base, featured tips, and more.</a:t>
+              <a:t>Accès à la demande au portail d’assistance automatique en ligne pour examiner le statut des cas et parcourir d’autres ressources, telles que notre base de connaissances, les actualités et les alertes, les conseils présentés, etc.</a:t>
             </a:r>
           </a:p>
         </p:txBody>
@@ -8947,7 +8336,7 @@
         </p:nvSpPr>
         <p:spPr>
           <a:xfrm>
-            <a:off x="5419204" y="6743263"/>
+            <a:off x="5419204" y="6619685"/>
             <a:ext cx="2148840" cy="641201"/>
           </a:xfrm>
           <a:prstGeom prst="rect">
@@ -8972,104 +8361,14 @@
               </a:tabLst>
             </a:pPr>
             <a:r>
-              <a:rPr lang="en-US" sz="1000" spc="-20" dirty="0">
+              <a:rPr lang="fr-FR" sz="1000">
                 <a:solidFill>
                   <a:srgbClr val="020302"/>
                 </a:solidFill>
                 <a:latin typeface="AdobeClean-Light"/>
                 <a:cs typeface="AdobeClean-Light"/>
               </a:rPr>
-              <a:t>Authorized Users (Admins) can start a chat session with Adobe Support </a:t>
-            </a:r>
-            <a:r>
-              <a:rPr lang="en-US" sz="1000" spc="-5" dirty="0">
-                <a:solidFill>
-                  <a:srgbClr val="020302"/>
-                </a:solidFill>
-                <a:latin typeface="AdobeClean-Light"/>
-                <a:cs typeface="AdobeClean-Light"/>
-              </a:rPr>
-              <a:t>to </a:t>
-            </a:r>
-            <a:r>
-              <a:rPr lang="en-US" sz="1000" spc="-10" dirty="0">
-                <a:solidFill>
-                  <a:srgbClr val="020302"/>
-                </a:solidFill>
-                <a:latin typeface="AdobeClean-Light"/>
-                <a:cs typeface="AdobeClean-Light"/>
-              </a:rPr>
-              <a:t>get </a:t>
-            </a:r>
-            <a:r>
-              <a:rPr lang="en-US" sz="1000" spc="-20" dirty="0">
-                <a:solidFill>
-                  <a:srgbClr val="020302"/>
-                </a:solidFill>
-                <a:latin typeface="AdobeClean-Light"/>
-                <a:cs typeface="AdobeClean-Light"/>
-              </a:rPr>
-              <a:t>answers</a:t>
-            </a:r>
-            <a:r>
-              <a:rPr lang="en-US" sz="1000" spc="-45" dirty="0">
-                <a:solidFill>
-                  <a:srgbClr val="020302"/>
-                </a:solidFill>
-                <a:latin typeface="AdobeClean-Light"/>
-                <a:cs typeface="AdobeClean-Light"/>
-              </a:rPr>
-              <a:t> and </a:t>
-            </a:r>
-            <a:r>
-              <a:rPr lang="en-US" sz="1000" spc="-15" dirty="0">
-                <a:solidFill>
-                  <a:srgbClr val="020302"/>
-                </a:solidFill>
-                <a:latin typeface="AdobeClean-Light"/>
-                <a:cs typeface="AdobeClean-Light"/>
-              </a:rPr>
-              <a:t>help </a:t>
-            </a:r>
-            <a:r>
-              <a:rPr lang="en-US" sz="1000" spc="-10" dirty="0">
-                <a:solidFill>
-                  <a:srgbClr val="020302"/>
-                </a:solidFill>
-                <a:latin typeface="AdobeClean-Light"/>
-                <a:cs typeface="AdobeClean-Light"/>
-              </a:rPr>
-              <a:t>with</a:t>
-            </a:r>
-            <a:r>
-              <a:rPr lang="en-US" sz="1000" spc="85" dirty="0">
-                <a:solidFill>
-                  <a:srgbClr val="020302"/>
-                </a:solidFill>
-                <a:latin typeface="AdobeClean-Light"/>
-                <a:cs typeface="AdobeClean-Light"/>
-              </a:rPr>
-              <a:t> </a:t>
-            </a:r>
-            <a:r>
-              <a:rPr lang="en-US" sz="1000" spc="-10" dirty="0">
-                <a:solidFill>
-                  <a:srgbClr val="020302"/>
-                </a:solidFill>
-                <a:latin typeface="AdobeClean-Light"/>
-                <a:cs typeface="AdobeClean-Light"/>
-              </a:rPr>
-              <a:t>case </a:t>
-            </a:r>
-            <a:r>
-              <a:rPr lang="en-US" sz="1000" spc="-20" dirty="0">
-                <a:solidFill>
-                  <a:srgbClr val="020302"/>
-                </a:solidFill>
-                <a:latin typeface="AdobeClean-Light"/>
-                <a:cs typeface="AdobeClean-Light"/>
-              </a:rPr>
-              <a:t>submission.</a:t>
+              <a:t>Les utilisateurs autorisés (admin) peuvent commencer une session de conversation avec l’assistance Adobe pour obtenir des réponses et de l’aide lors de l’envoi des cas.</a:t>
             </a:r>
           </a:p>
           <a:p>
@@ -9085,19 +8384,15 @@
               </a:tabLst>
             </a:pPr>
             <a:r>
-              <a:rPr lang="en-US" sz="1000" i="1" spc="-10" dirty="0">
+              <a:rPr lang="fr-FR" sz="1000" i="1">
                 <a:solidFill>
                   <a:srgbClr val="7A7A7A"/>
                 </a:solidFill>
                 <a:latin typeface="AdobeClean-LightIt"/>
                 <a:cs typeface="AdobeClean-LightIt"/>
               </a:rPr>
-              <a:t>Subject to local hours</a:t>
+              <a:t>Soumis aux heures locales</a:t>
             </a:r>
-            <a:endParaRPr lang="en-US" sz="1000" dirty="0">
-              <a:latin typeface="AdobeClean-Light"/>
-              <a:cs typeface="AdobeClean-Light"/>
-            </a:endParaRPr>
           </a:p>
         </p:txBody>
       </p:sp>
@@ -9117,8 +8412,8 @@
         </p:nvSpPr>
         <p:spPr>
           <a:xfrm>
-            <a:off x="5940223" y="6534116"/>
-            <a:ext cx="841577" cy="184666"/>
+            <a:off x="5940223" y="6410538"/>
+            <a:ext cx="1775614" cy="184666"/>
           </a:xfrm>
           <a:prstGeom prst="rect">
             <a:avLst/>
@@ -9139,12 +8434,12 @@
               </a:spcAft>
             </a:pPr>
             <a:r>
-              <a:rPr lang="en-US" sz="1200" b="1" dirty="0">
+              <a:rPr lang="fr-FR" sz="1200" b="1" spc="-10" dirty="0">
                 <a:latin typeface="Adobe Clean" panose="020B0503020404020204" pitchFamily="34" charset="0"/>
                 <a:ea typeface="Open Sans" pitchFamily="34" charset="0"/>
                 <a:cs typeface="Open Sans" pitchFamily="34" charset="0"/>
               </a:rPr>
-              <a:t>Chat Support</a:t>
+              <a:t>Assistance de conversation</a:t>
             </a:r>
           </a:p>
         </p:txBody>
@@ -9187,12 +8482,12 @@
               </a:spcAft>
             </a:pPr>
             <a:r>
-              <a:rPr lang="en-US" sz="1200" b="1" dirty="0">
+              <a:rPr lang="fr-FR" sz="1200" b="1">
                 <a:latin typeface="Adobe Clean" panose="020B0503020404020204" pitchFamily="34" charset="0"/>
                 <a:ea typeface="Open Sans" pitchFamily="34" charset="0"/>
                 <a:cs typeface="Open Sans" pitchFamily="34" charset="0"/>
               </a:rPr>
-              <a:t>Phone Support</a:t>
+              <a:t>Assistance téléphonique</a:t>
             </a:r>
           </a:p>
         </p:txBody>
@@ -9225,116 +8520,42 @@
           <a:lstStyle/>
           <a:p>
             <a:r>
-              <a:rPr lang="en-US" sz="1000" dirty="0">
+              <a:rPr lang="fr-FR" sz="1000">
                 <a:solidFill>
                   <a:srgbClr val="020302"/>
                 </a:solidFill>
                 <a:latin typeface="AdobeClean-Light"/>
               </a:rPr>
-              <a:t>Authorized Users (Admins) </a:t>
+              <a:t>Les utilisateurs autorisés (admin) </a:t>
             </a:r>
             <a:r>
-              <a:rPr lang="en-US" sz="1000" dirty="0">
+              <a:rPr lang="fr-FR" sz="1000">
                 <a:latin typeface="Adobe Clean Light"/>
               </a:rPr>
-              <a:t>can call Adobe Support via phone </a:t>
+              <a:t>peuvent appeler l’assistance Adobe </a:t>
             </a:r>
             <a:r>
-              <a:rPr lang="en-US" sz="1000" spc="-5" dirty="0">
+              <a:rPr lang="fr-FR" sz="1000">
                 <a:solidFill>
                   <a:srgbClr val="020302"/>
                 </a:solidFill>
                 <a:latin typeface="AdobeClean-Light"/>
                 <a:cs typeface="AdobeClean-Light"/>
               </a:rPr>
-              <a:t>to </a:t>
-            </a:r>
-            <a:r>
-              <a:rPr lang="en-US" sz="1000" spc="-10" dirty="0">
-                <a:solidFill>
-                  <a:srgbClr val="020302"/>
-                </a:solidFill>
-                <a:latin typeface="AdobeClean-Light"/>
-                <a:cs typeface="AdobeClean-Light"/>
-              </a:rPr>
-              <a:t>get </a:t>
-            </a:r>
-            <a:r>
-              <a:rPr lang="en-US" sz="1000" spc="-20" dirty="0">
-                <a:solidFill>
-                  <a:srgbClr val="020302"/>
-                </a:solidFill>
-                <a:latin typeface="AdobeClean-Light"/>
-                <a:cs typeface="AdobeClean-Light"/>
-              </a:rPr>
-              <a:t>answers</a:t>
-            </a:r>
-            <a:r>
-              <a:rPr lang="en-US" sz="1000" spc="-45" dirty="0">
-                <a:solidFill>
-                  <a:srgbClr val="020302"/>
-                </a:solidFill>
-                <a:latin typeface="AdobeClean-Light"/>
-                <a:cs typeface="AdobeClean-Light"/>
-              </a:rPr>
-              <a:t> and</a:t>
-            </a:r>
-            <a:r>
-              <a:rPr lang="en-US" sz="1000" dirty="0">
-                <a:solidFill>
-                  <a:srgbClr val="020302"/>
-                </a:solidFill>
-                <a:latin typeface="AdobeClean-Light"/>
-                <a:cs typeface="AdobeClean-Light"/>
-              </a:rPr>
-              <a:t> </a:t>
-            </a:r>
-            <a:r>
-              <a:rPr lang="en-US" sz="1000" spc="-15" dirty="0">
-                <a:solidFill>
-                  <a:srgbClr val="020302"/>
-                </a:solidFill>
-                <a:latin typeface="AdobeClean-Light"/>
-                <a:cs typeface="AdobeClean-Light"/>
-              </a:rPr>
-              <a:t>help </a:t>
-            </a:r>
-            <a:r>
-              <a:rPr lang="en-US" sz="1000" spc="-10" dirty="0">
-                <a:solidFill>
-                  <a:srgbClr val="020302"/>
-                </a:solidFill>
-                <a:latin typeface="AdobeClean-Light"/>
-                <a:cs typeface="AdobeClean-Light"/>
-              </a:rPr>
-              <a:t>with case </a:t>
-            </a:r>
-            <a:r>
-              <a:rPr lang="en-US" sz="1000" spc="-20" dirty="0">
-                <a:solidFill>
-                  <a:srgbClr val="020302"/>
-                </a:solidFill>
-                <a:latin typeface="AdobeClean-Light"/>
-                <a:cs typeface="AdobeClean-Light"/>
-              </a:rPr>
-              <a:t>submission.</a:t>
+              <a:t>pour obtenir des réponses et de l’aide lors de l’envoi des cas.</a:t>
             </a:r>
           </a:p>
           <a:p>
             <a:r>
-              <a:rPr lang="en-US" sz="1000" i="1" spc="-10" dirty="0">
+              <a:rPr lang="fr-FR" sz="1000" i="1">
                 <a:solidFill>
                   <a:srgbClr val="7A7A7A"/>
                 </a:solidFill>
                 <a:latin typeface="Adobe Clean Light" panose="020B0303020404020204" pitchFamily="34" charset="0"/>
                 <a:cs typeface="AdobeClean-LightIt"/>
               </a:rPr>
-              <a:t>Subject to local hours</a:t>
+              <a:t>Soumis aux heures locales</a:t>
             </a:r>
-            <a:endParaRPr lang="en-US" sz="1000" i="1" dirty="0">
-              <a:latin typeface="Adobe Clean Light" panose="020B0303020404020204" pitchFamily="34" charset="0"/>
-              <a:cs typeface="AdobeClean-Light"/>
-            </a:endParaRPr>
           </a:p>
         </p:txBody>
       </p:sp>
@@ -9376,12 +8597,12 @@
               </a:spcAft>
             </a:pPr>
             <a:r>
-              <a:rPr lang="en-US" sz="1200" b="1" dirty="0">
+              <a:rPr lang="fr-FR" sz="1200" b="1">
                 <a:latin typeface="Adobe Clean" panose="020B0503020404020204" pitchFamily="34" charset="0"/>
                 <a:ea typeface="Open Sans" pitchFamily="34" charset="0"/>
                 <a:cs typeface="Open Sans" pitchFamily="34" charset="0"/>
               </a:rPr>
-              <a:t>Web Case Submission</a:t>
+              <a:t>Envoi de cas en ligne</a:t>
             </a:r>
           </a:p>
         </p:txBody>
@@ -9400,8 +8621,8 @@
         </p:nvSpPr>
         <p:spPr>
           <a:xfrm>
-            <a:off x="4206461" y="8522198"/>
-            <a:ext cx="2148840" cy="707886"/>
+            <a:off x="4206460" y="8522198"/>
+            <a:ext cx="2194339" cy="861774"/>
           </a:xfrm>
           <a:prstGeom prst="rect">
             <a:avLst/>
@@ -9414,26 +8635,20 @@
           <a:lstStyle/>
           <a:p>
             <a:r>
-              <a:rPr lang="en-US" sz="1000" dirty="0">
+              <a:rPr lang="fr-FR" sz="1000" dirty="0">
                 <a:solidFill>
                   <a:srgbClr val="020302"/>
                 </a:solidFill>
                 <a:latin typeface="AdobeClean-Light"/>
               </a:rPr>
-              <a:t>Authorized Users (Admins) </a:t>
+              <a:t>Les utilisateurs autorisés (admin) </a:t>
             </a:r>
             <a:r>
-              <a:rPr lang="en-US" sz="1000" dirty="0">
+              <a:rPr lang="fr-FR" sz="1000" dirty="0">
                 <a:latin typeface="Adobe Clean Light"/>
               </a:rPr>
-              <a:t>can submit unlimited web cases at any time for support issues for review by our technical support team.</a:t>
+              <a:t>peuvent envoyer un nombre illimité de cas en ligne à tout moment pour que les problèmes soient examinés par notre équipe d’assistance technique.</a:t>
             </a:r>
-            <a:endParaRPr lang="en-US" sz="1000" dirty="0">
-              <a:solidFill>
-                <a:srgbClr val="000000"/>
-              </a:solidFill>
-              <a:latin typeface="Adobe Clean Light"/>
-            </a:endParaRPr>
           </a:p>
         </p:txBody>
       </p:sp>
@@ -9546,7 +8761,7 @@
         </p:blipFill>
         <p:spPr>
           <a:xfrm>
-            <a:off x="5489424" y="6371978"/>
+            <a:off x="5489424" y="6248400"/>
             <a:ext cx="365760" cy="365760"/>
           </a:xfrm>
           <a:prstGeom prst="rect">
@@ -9585,7 +8800,7 @@
         </p:blipFill>
         <p:spPr>
           <a:xfrm>
-            <a:off x="438430" y="6427947"/>
+            <a:off x="438430" y="6304369"/>
             <a:ext cx="365760" cy="365760"/>
           </a:xfrm>
           <a:prstGeom prst="rect">
@@ -9624,7 +8839,7 @@
         </p:blipFill>
         <p:spPr>
           <a:xfrm>
-            <a:off x="2926191" y="6427947"/>
+            <a:off x="2926191" y="6304369"/>
             <a:ext cx="365760" cy="365760"/>
           </a:xfrm>
           <a:prstGeom prst="rect">
@@ -9829,7 +9044,7 @@
         <p:spPr>
           <a:xfrm>
             <a:off x="97788" y="9888626"/>
-            <a:ext cx="2245360" cy="133370"/>
+            <a:ext cx="3636012" cy="133370"/>
           </a:xfrm>
           <a:prstGeom prst="rect">
             <a:avLst/>
@@ -9941,36 +9156,24 @@
               </a:spcBef>
             </a:pPr>
             <a:r>
-              <a:rPr lang="en-US" spc="-10" dirty="0"/>
-              <a:t>©202</a:t>
+              <a:rPr lang="fr-FR" dirty="0"/>
+              <a:t>©2020 Adobe. All </a:t>
             </a:r>
             <a:r>
-              <a:rPr lang="en-US" spc="-5" dirty="0"/>
-              <a:t>2 Adobe. All</a:t>
+              <a:rPr lang="fr-FR" dirty="0" err="1"/>
+              <a:t>Rights</a:t>
             </a:r>
             <a:r>
-              <a:rPr lang="en-US" spc="-10" dirty="0"/>
-              <a:t> Rights</a:t>
-            </a:r>
-            <a:r>
-              <a:rPr lang="en-US" spc="-5" dirty="0"/>
+              <a:rPr lang="fr-FR" dirty="0"/>
               <a:t> </a:t>
             </a:r>
             <a:r>
-              <a:rPr lang="en-US" spc="-10" dirty="0"/>
-              <a:t>Reserved.</a:t>
+              <a:rPr lang="fr-FR" dirty="0" err="1"/>
+              <a:t>Reserved</a:t>
             </a:r>
             <a:r>
-              <a:rPr lang="en-US" spc="-5" dirty="0"/>
-              <a:t> Adobe</a:t>
-            </a:r>
-            <a:r>
-              <a:rPr lang="en-US" spc="60" dirty="0"/>
-              <a:t> </a:t>
-            </a:r>
-            <a:r>
-              <a:rPr lang="en-US" spc="-10" dirty="0"/>
-              <a:t>Confidential.</a:t>
+              <a:rPr lang="fr-FR" dirty="0"/>
+              <a:t>. Données confidentielles Adobe</a:t>
             </a:r>
           </a:p>
         </p:txBody>
@@ -10027,49 +9230,15 @@
               </a:lnSpc>
             </a:pPr>
             <a:r>
-              <a:rPr sz="500" spc="-5" dirty="0">
+              <a:rPr lang="fr-FR" sz="500">
                 <a:solidFill>
                   <a:srgbClr val="6C6C6C"/>
                 </a:solidFill>
                 <a:latin typeface="Adobe Clean"/>
                 <a:cs typeface="Adobe Clean"/>
               </a:rPr>
-              <a:t>©2020 Adobe. All Rights Reserved. </a:t>
+              <a:t>©2020 Adobe. All Rights Reserved. Données confidentielles Adobe</a:t>
             </a:r>
-            <a:r>
-              <a:rPr sz="500" dirty="0">
-                <a:solidFill>
-                  <a:srgbClr val="6C6C6C"/>
-                </a:solidFill>
-                <a:latin typeface="Adobe Clean"/>
-                <a:cs typeface="Adobe Clean"/>
-              </a:rPr>
-              <a:t>Adobe</a:t>
-            </a:r>
-            <a:r>
-              <a:rPr sz="500" spc="5" dirty="0">
-                <a:solidFill>
-                  <a:srgbClr val="6C6C6C"/>
-                </a:solidFill>
-                <a:latin typeface="Adobe Clean"/>
-                <a:cs typeface="Adobe Clean"/>
-              </a:rPr>
-              <a:t> </a:t>
-            </a:r>
-            <a:r>
-              <a:rPr sz="500" spc="-5" dirty="0">
-                <a:solidFill>
-                  <a:srgbClr val="6C6C6C"/>
-                </a:solidFill>
-                <a:latin typeface="Adobe Clean"/>
-                <a:cs typeface="Adobe Clean"/>
-              </a:rPr>
-              <a:t>Confidential.</a:t>
-            </a:r>
-            <a:endParaRPr sz="500">
-              <a:latin typeface="Adobe Clean"/>
-              <a:cs typeface="Adobe Clean"/>
-            </a:endParaRPr>
           </a:p>
           <a:p>
             <a:pPr>
@@ -10095,39 +9264,15 @@
               </a:spcBef>
             </a:pPr>
             <a:r>
-              <a:rPr sz="800" spc="-5" dirty="0">
+              <a:rPr lang="fr-FR" sz="800">
                 <a:solidFill>
                   <a:srgbClr val="6D6D6D"/>
                 </a:solidFill>
                 <a:latin typeface="Adobe Clean"/>
                 <a:cs typeface="Adobe Clean"/>
               </a:rPr>
-              <a:t>©2020 Adobe. All Rights Reserved. Adobe</a:t>
+              <a:t>©2020 Adobe. All Rights Reserved. Données confidentielles Adobe</a:t>
             </a:r>
-            <a:r>
-              <a:rPr sz="800" spc="75" dirty="0">
-                <a:solidFill>
-                  <a:srgbClr val="6D6D6D"/>
-                </a:solidFill>
-                <a:latin typeface="Adobe Clean"/>
-                <a:cs typeface="Adobe Clean"/>
-              </a:rPr>
-              <a:t> </a:t>
-            </a:r>
-            <a:r>
-              <a:rPr sz="800" spc="-5" dirty="0">
-                <a:solidFill>
-                  <a:srgbClr val="6D6D6D"/>
-                </a:solidFill>
-                <a:latin typeface="Adobe Clean"/>
-                <a:cs typeface="Adobe Clean"/>
-              </a:rPr>
-              <a:t>Confidential.</a:t>
-            </a:r>
-            <a:endParaRPr sz="800">
-              <a:latin typeface="Adobe Clean"/>
-              <a:cs typeface="Adobe Clean"/>
-            </a:endParaRPr>
           </a:p>
         </p:txBody>
       </p:sp>
@@ -10211,19 +9356,15 @@
               </a:spcBef>
             </a:pPr>
             <a:r>
-              <a:rPr lang="en-US" sz="1400" b="1" spc="-15" dirty="0">
+              <a:rPr lang="fr-FR" sz="1400" b="1">
                 <a:solidFill>
                   <a:srgbClr val="020302"/>
                 </a:solidFill>
                 <a:latin typeface="Adobe Clean"/>
                 <a:cs typeface="Adobe Clean"/>
               </a:rPr>
-              <a:t>Resources</a:t>
+              <a:t>Ressources</a:t>
             </a:r>
-            <a:endParaRPr sz="1400" dirty="0">
-              <a:latin typeface="Adobe Clean"/>
-              <a:cs typeface="Adobe Clean"/>
-            </a:endParaRPr>
           </a:p>
         </p:txBody>
       </p:sp>
@@ -10257,7 +9398,7 @@
               </a:spcBef>
             </a:pPr>
             <a:r>
-              <a:rPr sz="800" spc="-15" dirty="0">
+              <a:rPr lang="fr-FR" sz="800">
                 <a:solidFill>
                   <a:srgbClr val="777879"/>
                 </a:solidFill>
@@ -10266,10 +9407,6 @@
               </a:rPr>
               <a:t>Adobe</a:t>
             </a:r>
-            <a:endParaRPr sz="800">
-              <a:latin typeface="Adobe Clean"/>
-              <a:cs typeface="Adobe Clean"/>
-            </a:endParaRPr>
           </a:p>
           <a:p>
             <a:pPr marL="12700">
@@ -10278,39 +9415,15 @@
               </a:lnSpc>
             </a:pPr>
             <a:r>
-              <a:rPr sz="800" spc="-15" dirty="0">
+              <a:rPr lang="fr-FR" sz="800">
                 <a:solidFill>
                   <a:srgbClr val="777879"/>
                 </a:solidFill>
                 <a:latin typeface="Adobe Clean"/>
                 <a:cs typeface="Adobe Clean"/>
               </a:rPr>
-              <a:t>345 Park</a:t>
+              <a:t>345 Park Avenue</a:t>
             </a:r>
-            <a:r>
-              <a:rPr sz="800" spc="-100" dirty="0">
-                <a:solidFill>
-                  <a:srgbClr val="777879"/>
-                </a:solidFill>
-                <a:latin typeface="Adobe Clean"/>
-                <a:cs typeface="Adobe Clean"/>
-              </a:rPr>
-              <a:t> </a:t>
-            </a:r>
-            <a:r>
-              <a:rPr sz="800" spc="-15" dirty="0">
-                <a:solidFill>
-                  <a:srgbClr val="777879"/>
-                </a:solidFill>
-                <a:latin typeface="Adobe Clean"/>
-                <a:cs typeface="Adobe Clean"/>
-              </a:rPr>
-              <a:t>Avenue</a:t>
-            </a:r>
-            <a:endParaRPr sz="800">
-              <a:latin typeface="Adobe Clean"/>
-              <a:cs typeface="Adobe Clean"/>
-            </a:endParaRPr>
           </a:p>
           <a:p>
             <a:pPr marL="12700">
@@ -10319,49 +9432,15 @@
               </a:lnSpc>
             </a:pPr>
             <a:r>
-              <a:rPr sz="800" spc="-10" dirty="0">
+              <a:rPr lang="fr-FR" sz="800">
                 <a:solidFill>
                   <a:srgbClr val="777879"/>
                 </a:solidFill>
                 <a:latin typeface="Adobe Clean"/>
                 <a:cs typeface="Adobe Clean"/>
               </a:rPr>
-              <a:t>San </a:t>
+              <a:t>San Jose, CA95110-2704</a:t>
             </a:r>
-            <a:r>
-              <a:rPr sz="800" spc="-15" dirty="0">
-                <a:solidFill>
-                  <a:srgbClr val="777879"/>
-                </a:solidFill>
-                <a:latin typeface="Adobe Clean"/>
-                <a:cs typeface="Adobe Clean"/>
-              </a:rPr>
-              <a:t>Jose,</a:t>
-            </a:r>
-            <a:r>
-              <a:rPr sz="800" spc="-140" dirty="0">
-                <a:solidFill>
-                  <a:srgbClr val="777879"/>
-                </a:solidFill>
-                <a:latin typeface="Adobe Clean"/>
-                <a:cs typeface="Adobe Clean"/>
-              </a:rPr>
-              <a:t> </a:t>
-            </a:r>
-            <a:r>
-              <a:rPr sz="800" spc="-20" dirty="0">
-                <a:solidFill>
-                  <a:srgbClr val="777879"/>
-                </a:solidFill>
-                <a:latin typeface="Adobe Clean"/>
-                <a:cs typeface="Adobe Clean"/>
-              </a:rPr>
-              <a:t>CA95110-2704</a:t>
-            </a:r>
-            <a:endParaRPr sz="800">
-              <a:latin typeface="Adobe Clean"/>
-              <a:cs typeface="Adobe Clean"/>
-            </a:endParaRPr>
           </a:p>
           <a:p>
             <a:pPr marL="12700">
@@ -10373,19 +9452,15 @@
               </a:spcBef>
             </a:pPr>
             <a:r>
-              <a:rPr sz="800" spc="-10" dirty="0">
+              <a:rPr lang="fr-FR" sz="800">
                 <a:solidFill>
                   <a:srgbClr val="777879"/>
                 </a:solidFill>
                 <a:latin typeface="Adobe Clean"/>
                 <a:cs typeface="Adobe Clean"/>
               </a:rPr>
-              <a:t>USA</a:t>
+              <a:t>États-Unis</a:t>
             </a:r>
-            <a:endParaRPr sz="800">
-              <a:latin typeface="Adobe Clean"/>
-              <a:cs typeface="Adobe Clean"/>
-            </a:endParaRPr>
           </a:p>
           <a:p>
             <a:pPr marL="12700">
@@ -10397,7 +9472,7 @@
               </a:spcBef>
             </a:pPr>
             <a:r>
-              <a:rPr sz="800" u="sng" spc="-25" dirty="0">
+              <a:rPr lang="fr-FR" sz="800" u="sng">
                 <a:solidFill>
                   <a:srgbClr val="5F5F5F"/>
                 </a:solidFill>
@@ -10408,14 +9483,10 @@
                 </a:uFill>
                 <a:latin typeface="Adobe Clean"/>
                 <a:cs typeface="Adobe Clean"/>
-                <a:hlinkClick r:id="rId4"/>
+                <a:hlinkClick r:id="rId3"/>
               </a:rPr>
-              <a:t>www.adobe.com</a:t>
+              <a:t>www.adobe.com/fr/</a:t>
             </a:r>
-            <a:endParaRPr sz="800">
-              <a:latin typeface="Adobe Clean"/>
-              <a:cs typeface="Adobe Clean"/>
-            </a:endParaRPr>
           </a:p>
         </p:txBody>
       </p:sp>
@@ -10434,7 +9505,7 @@
             <a:avLst/>
           </a:prstGeom>
           <a:blipFill>
-            <a:blip r:embed="rId5" cstate="print"/>
+            <a:blip r:embed="rId4" cstate="print"/>
             <a:stretch>
               <a:fillRect/>
             </a:stretch>
@@ -10546,7 +9617,7 @@
             <a:avLst/>
           </a:prstGeom>
           <a:blipFill>
-            <a:blip r:embed="rId6" cstate="print"/>
+            <a:blip r:embed="rId5" cstate="print"/>
             <a:stretch>
               <a:fillRect/>
             </a:stretch>
@@ -10590,439 +9661,15 @@
               </a:spcBef>
             </a:pPr>
             <a:r>
-              <a:rPr sz="1100" i="1" spc="-10" dirty="0">
+              <a:rPr lang="fr-FR" sz="1100" i="1">
                 <a:solidFill>
                   <a:srgbClr val="777879"/>
                 </a:solidFill>
                 <a:latin typeface="AdobeClean-LightIt"/>
                 <a:cs typeface="AdobeClean-LightIt"/>
               </a:rPr>
-              <a:t>To</a:t>
+              <a:t>Pour en apprendre plus sur les offres de l’assistance Adobe et sur le niveau qui vous convient, contactez votre gestionnaire de compte nommé (NAM) ou votre gestionnaire de Succès client (CSM).</a:t>
             </a:r>
-            <a:r>
-              <a:rPr sz="1100" i="1" spc="-50" dirty="0">
-                <a:solidFill>
-                  <a:srgbClr val="777879"/>
-                </a:solidFill>
-                <a:latin typeface="AdobeClean-LightIt"/>
-                <a:cs typeface="AdobeClean-LightIt"/>
-              </a:rPr>
-              <a:t> </a:t>
-            </a:r>
-            <a:r>
-              <a:rPr sz="1100" i="1" spc="-15" dirty="0">
-                <a:solidFill>
-                  <a:srgbClr val="777879"/>
-                </a:solidFill>
-                <a:latin typeface="AdobeClean-LightIt"/>
-                <a:cs typeface="AdobeClean-LightIt"/>
-              </a:rPr>
-              <a:t>learn</a:t>
-            </a:r>
-            <a:r>
-              <a:rPr sz="1100" i="1" spc="-40" dirty="0">
-                <a:solidFill>
-                  <a:srgbClr val="777879"/>
-                </a:solidFill>
-                <a:latin typeface="AdobeClean-LightIt"/>
-                <a:cs typeface="AdobeClean-LightIt"/>
-              </a:rPr>
-              <a:t> </a:t>
-            </a:r>
-            <a:r>
-              <a:rPr sz="1100" i="1" spc="-15" dirty="0">
-                <a:solidFill>
-                  <a:srgbClr val="777879"/>
-                </a:solidFill>
-                <a:latin typeface="AdobeClean-LightIt"/>
-                <a:cs typeface="AdobeClean-LightIt"/>
-              </a:rPr>
-              <a:t>more</a:t>
-            </a:r>
-            <a:r>
-              <a:rPr sz="1100" i="1" spc="-45" dirty="0">
-                <a:solidFill>
-                  <a:srgbClr val="777879"/>
-                </a:solidFill>
-                <a:latin typeface="AdobeClean-LightIt"/>
-                <a:cs typeface="AdobeClean-LightIt"/>
-              </a:rPr>
-              <a:t> </a:t>
-            </a:r>
-            <a:r>
-              <a:rPr sz="1100" i="1" spc="-15" dirty="0">
-                <a:solidFill>
-                  <a:srgbClr val="777879"/>
-                </a:solidFill>
-                <a:latin typeface="AdobeClean-LightIt"/>
-                <a:cs typeface="AdobeClean-LightIt"/>
-              </a:rPr>
-              <a:t>about</a:t>
-            </a:r>
-            <a:r>
-              <a:rPr sz="1100" i="1" spc="-45" dirty="0">
-                <a:solidFill>
-                  <a:srgbClr val="777879"/>
-                </a:solidFill>
-                <a:latin typeface="AdobeClean-LightIt"/>
-                <a:cs typeface="AdobeClean-LightIt"/>
-              </a:rPr>
-              <a:t> </a:t>
-            </a:r>
-            <a:r>
-              <a:rPr sz="1100" i="1" spc="-15" dirty="0">
-                <a:solidFill>
-                  <a:srgbClr val="777879"/>
-                </a:solidFill>
-                <a:latin typeface="AdobeClean-LightIt"/>
-                <a:cs typeface="AdobeClean-LightIt"/>
-              </a:rPr>
-              <a:t>Adobe</a:t>
-            </a:r>
-            <a:r>
-              <a:rPr sz="1100" i="1" spc="-50" dirty="0">
-                <a:solidFill>
-                  <a:srgbClr val="777879"/>
-                </a:solidFill>
-                <a:latin typeface="AdobeClean-LightIt"/>
-                <a:cs typeface="AdobeClean-LightIt"/>
-              </a:rPr>
-              <a:t> </a:t>
-            </a:r>
-            <a:r>
-              <a:rPr sz="1100" i="1" spc="-15" dirty="0">
-                <a:solidFill>
-                  <a:srgbClr val="777879"/>
-                </a:solidFill>
-                <a:latin typeface="AdobeClean-LightIt"/>
-                <a:cs typeface="AdobeClean-LightIt"/>
-              </a:rPr>
-              <a:t>Support</a:t>
-            </a:r>
-            <a:r>
-              <a:rPr lang="en-US" sz="1100" i="1" spc="-15" dirty="0">
-                <a:solidFill>
-                  <a:srgbClr val="777879"/>
-                </a:solidFill>
-                <a:latin typeface="AdobeClean-LightIt"/>
-                <a:cs typeface="AdobeClean-LightIt"/>
-              </a:rPr>
-              <a:t> Offerings</a:t>
-            </a:r>
-            <a:r>
-              <a:rPr sz="1100" i="1" spc="-75" dirty="0">
-                <a:solidFill>
-                  <a:srgbClr val="777879"/>
-                </a:solidFill>
-                <a:latin typeface="AdobeClean-LightIt"/>
-                <a:cs typeface="AdobeClean-LightIt"/>
-              </a:rPr>
-              <a:t> </a:t>
-            </a:r>
-            <a:r>
-              <a:rPr sz="1100" i="1" spc="-15" dirty="0">
-                <a:solidFill>
-                  <a:srgbClr val="777879"/>
-                </a:solidFill>
-                <a:latin typeface="AdobeClean-LightIt"/>
-                <a:cs typeface="AdobeClean-LightIt"/>
-              </a:rPr>
-              <a:t>and</a:t>
-            </a:r>
-            <a:r>
-              <a:rPr sz="1100" i="1" spc="-50" dirty="0">
-                <a:solidFill>
-                  <a:srgbClr val="777879"/>
-                </a:solidFill>
-                <a:latin typeface="AdobeClean-LightIt"/>
-                <a:cs typeface="AdobeClean-LightIt"/>
-              </a:rPr>
-              <a:t> </a:t>
-            </a:r>
-            <a:r>
-              <a:rPr sz="1100" i="1" spc="-15" dirty="0">
-                <a:solidFill>
-                  <a:srgbClr val="777879"/>
-                </a:solidFill>
-                <a:latin typeface="AdobeClean-LightIt"/>
-                <a:cs typeface="AdobeClean-LightIt"/>
-              </a:rPr>
-              <a:t>the</a:t>
-            </a:r>
-            <a:r>
-              <a:rPr sz="1100" i="1" spc="-55" dirty="0">
-                <a:solidFill>
-                  <a:srgbClr val="777879"/>
-                </a:solidFill>
-                <a:latin typeface="AdobeClean-LightIt"/>
-                <a:cs typeface="AdobeClean-LightIt"/>
-              </a:rPr>
-              <a:t> </a:t>
-            </a:r>
-            <a:r>
-              <a:rPr sz="1100" i="1" spc="-15" dirty="0">
-                <a:solidFill>
-                  <a:srgbClr val="777879"/>
-                </a:solidFill>
-                <a:latin typeface="AdobeClean-LightIt"/>
-                <a:cs typeface="AdobeClean-LightIt"/>
-              </a:rPr>
-              <a:t>right</a:t>
-            </a:r>
-            <a:r>
-              <a:rPr sz="1100" i="1" spc="-95" dirty="0">
-                <a:solidFill>
-                  <a:srgbClr val="777879"/>
-                </a:solidFill>
-                <a:latin typeface="AdobeClean-LightIt"/>
-                <a:cs typeface="AdobeClean-LightIt"/>
-              </a:rPr>
-              <a:t> </a:t>
-            </a:r>
-            <a:r>
-              <a:rPr sz="1100" i="1" spc="-15" dirty="0">
-                <a:solidFill>
-                  <a:srgbClr val="777879"/>
-                </a:solidFill>
-                <a:latin typeface="AdobeClean-LightIt"/>
-                <a:cs typeface="AdobeClean-LightIt"/>
-              </a:rPr>
-              <a:t>level</a:t>
-            </a:r>
-            <a:r>
-              <a:rPr sz="1100" i="1" spc="-55" dirty="0">
-                <a:solidFill>
-                  <a:srgbClr val="777879"/>
-                </a:solidFill>
-                <a:latin typeface="AdobeClean-LightIt"/>
-                <a:cs typeface="AdobeClean-LightIt"/>
-              </a:rPr>
-              <a:t> </a:t>
-            </a:r>
-            <a:r>
-              <a:rPr sz="1100" i="1" spc="-15" dirty="0">
-                <a:solidFill>
-                  <a:srgbClr val="777879"/>
-                </a:solidFill>
-                <a:latin typeface="AdobeClean-LightIt"/>
-                <a:cs typeface="AdobeClean-LightIt"/>
-              </a:rPr>
-              <a:t>for</a:t>
-            </a:r>
-            <a:r>
-              <a:rPr sz="1100" i="1" spc="-85" dirty="0">
-                <a:solidFill>
-                  <a:srgbClr val="777879"/>
-                </a:solidFill>
-                <a:latin typeface="AdobeClean-LightIt"/>
-                <a:cs typeface="AdobeClean-LightIt"/>
-              </a:rPr>
-              <a:t> </a:t>
-            </a:r>
-            <a:r>
-              <a:rPr sz="1100" i="1" spc="-15" dirty="0">
-                <a:solidFill>
-                  <a:srgbClr val="777879"/>
-                </a:solidFill>
-                <a:latin typeface="AdobeClean-LightIt"/>
-                <a:cs typeface="AdobeClean-LightIt"/>
-              </a:rPr>
-              <a:t>you,</a:t>
-            </a:r>
-            <a:r>
-              <a:rPr sz="1100" i="1" spc="-65" dirty="0">
-                <a:solidFill>
-                  <a:srgbClr val="777879"/>
-                </a:solidFill>
-                <a:latin typeface="AdobeClean-LightIt"/>
-                <a:cs typeface="AdobeClean-LightIt"/>
-              </a:rPr>
-              <a:t> </a:t>
-            </a:r>
-            <a:r>
-              <a:rPr sz="1100" i="1" spc="-15" dirty="0">
-                <a:solidFill>
-                  <a:srgbClr val="777879"/>
-                </a:solidFill>
-                <a:latin typeface="AdobeClean-LightIt"/>
-                <a:cs typeface="AdobeClean-LightIt"/>
-              </a:rPr>
-              <a:t>contact</a:t>
-            </a:r>
-            <a:r>
-              <a:rPr sz="1100" i="1" spc="-85" dirty="0">
-                <a:solidFill>
-                  <a:srgbClr val="777879"/>
-                </a:solidFill>
-                <a:latin typeface="AdobeClean-LightIt"/>
-                <a:cs typeface="AdobeClean-LightIt"/>
-              </a:rPr>
-              <a:t> </a:t>
-            </a:r>
-            <a:r>
-              <a:rPr sz="1100" i="1" spc="-15" dirty="0">
-                <a:solidFill>
-                  <a:srgbClr val="777879"/>
-                </a:solidFill>
-                <a:latin typeface="AdobeClean-LightIt"/>
-                <a:cs typeface="AdobeClean-LightIt"/>
-              </a:rPr>
-              <a:t>your</a:t>
-            </a:r>
-            <a:r>
-              <a:rPr sz="1100" i="1" spc="-70" dirty="0">
-                <a:solidFill>
-                  <a:srgbClr val="777879"/>
-                </a:solidFill>
-                <a:latin typeface="AdobeClean-LightIt"/>
-                <a:cs typeface="AdobeClean-LightIt"/>
-              </a:rPr>
-              <a:t> </a:t>
-            </a:r>
-            <a:r>
-              <a:rPr sz="1100" i="1" spc="-15" dirty="0">
-                <a:solidFill>
-                  <a:srgbClr val="777879"/>
-                </a:solidFill>
-                <a:latin typeface="AdobeClean-LightIt"/>
-                <a:cs typeface="AdobeClean-LightIt"/>
-              </a:rPr>
-              <a:t>Named</a:t>
-            </a:r>
-            <a:r>
-              <a:rPr sz="1100" i="1" spc="-55" dirty="0">
-                <a:solidFill>
-                  <a:srgbClr val="777879"/>
-                </a:solidFill>
-                <a:latin typeface="AdobeClean-LightIt"/>
-                <a:cs typeface="AdobeClean-LightIt"/>
-              </a:rPr>
-              <a:t> </a:t>
-            </a:r>
-            <a:r>
-              <a:rPr sz="1100" i="1" spc="-25" dirty="0">
-                <a:solidFill>
-                  <a:srgbClr val="777879"/>
-                </a:solidFill>
-                <a:latin typeface="AdobeClean-LightIt"/>
-                <a:cs typeface="AdobeClean-LightIt"/>
-              </a:rPr>
-              <a:t>Account</a:t>
-            </a:r>
-            <a:r>
-              <a:rPr sz="1100" i="1" spc="-120" dirty="0">
-                <a:solidFill>
-                  <a:srgbClr val="777879"/>
-                </a:solidFill>
-                <a:latin typeface="AdobeClean-LightIt"/>
-                <a:cs typeface="AdobeClean-LightIt"/>
-              </a:rPr>
-              <a:t> </a:t>
-            </a:r>
-            <a:r>
-              <a:rPr sz="1100" i="1" spc="-20" dirty="0">
-                <a:solidFill>
-                  <a:srgbClr val="777879"/>
-                </a:solidFill>
-                <a:latin typeface="AdobeClean-LightIt"/>
-                <a:cs typeface="AdobeClean-LightIt"/>
-              </a:rPr>
-              <a:t>Manager </a:t>
-            </a:r>
-            <a:r>
-              <a:rPr sz="1100" i="1" spc="-15" dirty="0">
-                <a:solidFill>
-                  <a:srgbClr val="777879"/>
-                </a:solidFill>
-                <a:latin typeface="AdobeClean-LightIt"/>
-                <a:cs typeface="AdobeClean-LightIt"/>
-              </a:rPr>
-              <a:t>(NAM) </a:t>
-            </a:r>
-            <a:r>
-              <a:rPr sz="1100" i="1" spc="-10" dirty="0">
-                <a:solidFill>
-                  <a:srgbClr val="777879"/>
-                </a:solidFill>
-                <a:latin typeface="AdobeClean-LightIt"/>
-                <a:cs typeface="AdobeClean-LightIt"/>
-              </a:rPr>
-              <a:t>or </a:t>
-            </a:r>
-            <a:r>
-              <a:rPr sz="1100" i="1" spc="-15" dirty="0">
-                <a:solidFill>
-                  <a:srgbClr val="777879"/>
-                </a:solidFill>
-                <a:latin typeface="AdobeClean-LightIt"/>
-                <a:cs typeface="AdobeClean-LightIt"/>
-              </a:rPr>
-              <a:t>Customer </a:t>
-            </a:r>
-            <a:r>
-              <a:rPr sz="1100" i="1" spc="-20" dirty="0">
-                <a:solidFill>
-                  <a:srgbClr val="777879"/>
-                </a:solidFill>
-                <a:latin typeface="AdobeClean-LightIt"/>
-                <a:cs typeface="AdobeClean-LightIt"/>
-              </a:rPr>
-              <a:t>Success</a:t>
-            </a:r>
-            <a:r>
-              <a:rPr sz="1100" i="1" spc="-180" dirty="0">
-                <a:solidFill>
-                  <a:srgbClr val="777879"/>
-                </a:solidFill>
-                <a:latin typeface="AdobeClean-LightIt"/>
-                <a:cs typeface="AdobeClean-LightIt"/>
-              </a:rPr>
-              <a:t> </a:t>
-            </a:r>
-            <a:r>
-              <a:rPr sz="1100" i="1" spc="-15" dirty="0">
-                <a:solidFill>
-                  <a:srgbClr val="777879"/>
-                </a:solidFill>
-                <a:latin typeface="AdobeClean-LightIt"/>
-                <a:cs typeface="AdobeClean-LightIt"/>
-              </a:rPr>
-              <a:t>Manager</a:t>
-            </a:r>
-            <a:r>
-              <a:rPr lang="en-US" sz="1100" i="1" spc="-15" dirty="0">
-                <a:solidFill>
-                  <a:srgbClr val="777879"/>
-                </a:solidFill>
-                <a:latin typeface="AdobeClean-LightIt"/>
-                <a:cs typeface="AdobeClean-LightIt"/>
-              </a:rPr>
-              <a:t> </a:t>
-            </a:r>
-            <a:r>
-              <a:rPr sz="1100" i="1" spc="-15" dirty="0">
-                <a:solidFill>
-                  <a:srgbClr val="777879"/>
-                </a:solidFill>
-                <a:latin typeface="AdobeClean-LightIt"/>
-                <a:cs typeface="AdobeClean-LightIt"/>
-              </a:rPr>
-              <a:t>(CSM)</a:t>
-            </a:r>
-            <a:r>
-              <a:rPr lang="en-US" sz="1100" i="1" spc="-15" dirty="0">
-                <a:solidFill>
-                  <a:srgbClr val="777879"/>
-                </a:solidFill>
-                <a:latin typeface="AdobeClean-LightIt"/>
-                <a:cs typeface="AdobeClean-LightIt"/>
-              </a:rPr>
-              <a:t>.</a:t>
-            </a:r>
-            <a:endParaRPr sz="1100" dirty="0">
-              <a:latin typeface="AdobeClean-LightIt"/>
-              <a:cs typeface="AdobeClean-LightIt"/>
-            </a:endParaRPr>
           </a:p>
           <a:p>
             <a:pPr marL="34290">
@@ -11034,59 +9681,15 @@
               </a:spcBef>
             </a:pPr>
             <a:r>
-              <a:rPr sz="800" spc="-5" dirty="0">
+              <a:rPr lang="fr-FR" sz="800">
                 <a:solidFill>
                   <a:srgbClr val="6D6D6D"/>
                 </a:solidFill>
                 <a:latin typeface="Adobe Clean"/>
                 <a:cs typeface="Adobe Clean"/>
               </a:rPr>
-              <a:t>©202</a:t>
+              <a:t>©2022 Adobe. All Rights Reserved. Données confidentielles Adobe</a:t>
             </a:r>
-            <a:r>
-              <a:rPr lang="en-US" sz="800" spc="-5" dirty="0">
-                <a:solidFill>
-                  <a:srgbClr val="6D6D6D"/>
-                </a:solidFill>
-                <a:latin typeface="Adobe Clean"/>
-                <a:cs typeface="Adobe Clean"/>
-              </a:rPr>
-              <a:t>2</a:t>
-            </a:r>
-            <a:r>
-              <a:rPr sz="800" spc="-5" dirty="0">
-                <a:solidFill>
-                  <a:srgbClr val="6D6D6D"/>
-                </a:solidFill>
-                <a:latin typeface="Adobe Clean"/>
-                <a:cs typeface="Adobe Clean"/>
-              </a:rPr>
-              <a:t> Adobe. All Rights Reserved. Adobe</a:t>
-            </a:r>
-            <a:r>
-              <a:rPr sz="800" spc="75" dirty="0">
-                <a:solidFill>
-                  <a:srgbClr val="6D6D6D"/>
-                </a:solidFill>
-                <a:latin typeface="Adobe Clean"/>
-                <a:cs typeface="Adobe Clean"/>
-              </a:rPr>
-              <a:t> </a:t>
-            </a:r>
-            <a:r>
-              <a:rPr sz="800" spc="-5" dirty="0">
-                <a:solidFill>
-                  <a:srgbClr val="6D6D6D"/>
-                </a:solidFill>
-                <a:latin typeface="Adobe Clean"/>
-                <a:cs typeface="Adobe Clean"/>
-              </a:rPr>
-              <a:t>Confidential.</a:t>
-            </a:r>
-            <a:endParaRPr sz="800" dirty="0">
-              <a:latin typeface="Adobe Clean"/>
-              <a:cs typeface="Adobe Clean"/>
-            </a:endParaRPr>
           </a:p>
         </p:txBody>
       </p:sp>
@@ -11123,14 +9726,14 @@
               </a:spcBef>
             </a:pPr>
             <a:r>
-              <a:rPr lang="en-US" sz="1400" b="1" spc="-15" dirty="0">
+              <a:rPr lang="fr-FR" sz="1400" b="1">
                 <a:solidFill>
                   <a:srgbClr val="020302"/>
                 </a:solidFill>
                 <a:latin typeface="Adobe Clean"/>
                 <a:cs typeface="Adobe Clean"/>
               </a:rPr>
-              <a:t>Regional Hours Of Operation And Language Support</a:t>
+              <a:t>Heures ouvrables régionales et assistance linguistique</a:t>
             </a:r>
           </a:p>
           <a:p>
@@ -11140,13 +9743,13 @@
               </a:spcBef>
             </a:pPr>
             <a:r>
-              <a:rPr lang="en-US" sz="1000" spc="-15" dirty="0">
+              <a:rPr lang="fr-FR" sz="1000">
                 <a:solidFill>
                   <a:srgbClr val="1F1F1F"/>
                 </a:solidFill>
                 <a:latin typeface="AdobeClean-Light"/>
               </a:rPr>
-              <a:t>Adobe’s local business hours align to the customer’s billing region.</a:t>
+              <a:t>Les heures ouvrables locales d’Adobe s’alignent sur la région de facturation du client.</a:t>
             </a:r>
           </a:p>
         </p:txBody>
@@ -11219,16 +9822,16 @@
                     <a:p>
                       <a:pPr algn="ctr"/>
                       <a:r>
-                        <a:rPr lang="en-US" sz="1100" dirty="0">
+                        <a:rPr lang="fr-FR" sz="1100">
                           <a:solidFill>
                             <a:schemeClr val="tx1"/>
                           </a:solidFill>
                           <a:latin typeface="Adobe Clean" panose="020B0503020404020204" pitchFamily="34" charset="0"/>
                         </a:rPr>
-                        <a:t>Americas </a:t>
+                        <a:t>Amériques </a:t>
                       </a:r>
                       <a:r>
-                        <a:rPr lang="en-US" sz="1100" baseline="30000" dirty="0">
+                        <a:rPr lang="fr-FR" sz="1100" baseline="30000">
                           <a:solidFill>
                             <a:schemeClr val="tx1"/>
                           </a:solidFill>
@@ -11293,13 +9896,13 @@
                     <a:p>
                       <a:pPr algn="ctr"/>
                       <a:r>
-                        <a:rPr lang="en-US" sz="1100" dirty="0">
+                        <a:rPr lang="fr-FR" sz="1100">
                           <a:solidFill>
                             <a:schemeClr val="tx1"/>
                           </a:solidFill>
                           <a:latin typeface="Adobe Clean" panose="020B0503020404020204" pitchFamily="34" charset="0"/>
                         </a:rPr>
-                        <a:t>Europe, Middle East &amp; Africa</a:t>
+                        <a:t>Europe, Moyen-Orient et Afrique</a:t>
                       </a:r>
                     </a:p>
                   </a:txBody>
@@ -11358,13 +9961,13 @@
                     <a:p>
                       <a:pPr algn="ctr"/>
                       <a:r>
-                        <a:rPr lang="en-US" sz="1100" dirty="0">
+                        <a:rPr lang="fr-FR" sz="1100">
                           <a:solidFill>
                             <a:schemeClr val="tx1"/>
                           </a:solidFill>
                           <a:latin typeface="Adobe Clean" panose="020B0503020404020204" pitchFamily="34" charset="0"/>
                         </a:rPr>
-                        <a:t>Asia Pacific</a:t>
+                        <a:t>Asie-Pacifique</a:t>
                       </a:r>
                     </a:p>
                   </a:txBody>
@@ -11423,13 +10026,13 @@
                     <a:p>
                       <a:pPr algn="ctr"/>
                       <a:r>
-                        <a:rPr lang="en-US" sz="1100" dirty="0">
+                        <a:rPr lang="fr-FR" sz="1100">
                           <a:solidFill>
                             <a:schemeClr val="tx1"/>
                           </a:solidFill>
                           <a:latin typeface="Adobe Clean" panose="020B0503020404020204" pitchFamily="34" charset="0"/>
                         </a:rPr>
-                        <a:t>Japan </a:t>
+                        <a:t>Japon </a:t>
                       </a:r>
                     </a:p>
                   </a:txBody>
@@ -11495,7 +10098,7 @@
                     <a:p>
                       <a:pPr algn="ctr"/>
                       <a:r>
-                        <a:rPr lang="en-US" sz="1100" dirty="0">
+                        <a:rPr lang="fr-FR" sz="1100">
                           <a:solidFill>
                             <a:schemeClr val="tx1"/>
                           </a:solidFill>
@@ -11560,13 +10163,13 @@
                     <a:p>
                       <a:pPr algn="ctr"/>
                       <a:r>
-                        <a:rPr lang="en-US" sz="1100" dirty="0">
+                        <a:rPr lang="fr-FR" sz="1100">
                           <a:solidFill>
                             <a:schemeClr val="tx1"/>
                           </a:solidFill>
                           <a:latin typeface="Adobe Clean" panose="020B0503020404020204" pitchFamily="34" charset="0"/>
                         </a:rPr>
-                        <a:t>9 am – 5 pm</a:t>
+                        <a:t>9 h 00 à 17 h 00</a:t>
                       </a:r>
                     </a:p>
                   </a:txBody>
@@ -11625,13 +10228,13 @@
                     <a:p>
                       <a:pPr algn="ctr"/>
                       <a:r>
-                        <a:rPr lang="en-US" sz="1100" dirty="0">
+                        <a:rPr lang="fr-FR" sz="1100">
                           <a:solidFill>
                             <a:schemeClr val="tx1"/>
                           </a:solidFill>
                           <a:latin typeface="Adobe Clean" panose="020B0503020404020204" pitchFamily="34" charset="0"/>
                         </a:rPr>
-                        <a:t>9 am – 5 pm</a:t>
+                        <a:t>9 h 00 à 17 h 00</a:t>
                       </a:r>
                     </a:p>
                   </a:txBody>
@@ -11690,13 +10293,13 @@
                     <a:p>
                       <a:pPr algn="ctr"/>
                       <a:r>
-                        <a:rPr lang="en-US" sz="1100" dirty="0">
+                        <a:rPr lang="fr-FR" sz="1100">
                           <a:solidFill>
                             <a:schemeClr val="tx1"/>
                           </a:solidFill>
                           <a:latin typeface="Adobe Clean" panose="020B0503020404020204" pitchFamily="34" charset="0"/>
                         </a:rPr>
-                        <a:t>9 am – 5:30 pm</a:t>
+                        <a:t>9 h 00 à 17 h 30</a:t>
                       </a:r>
                     </a:p>
                   </a:txBody>
@@ -11760,7 +10363,7 @@
                     <a:bodyPr/>
                     <a:lstStyle/>
                     <a:p>
-                      <a:pPr marL="0" marR="0" lvl="0" indent="0" algn="ctr" defTabSz="914400" eaLnBrk="1" fontAlgn="auto" latinLnBrk="0" hangingPunct="1">
+                      <a:pPr marL="0" marR="0" lvl="0" indent="0" algn="l" defTabSz="914400" rtl="0" eaLnBrk="1" fontAlgn="auto" latinLnBrk="0" hangingPunct="1">
                         <a:lnSpc>
                           <a:spcPct val="100000"/>
                         </a:lnSpc>
@@ -11803,7 +10406,7 @@
                         <a:defRPr/>
                       </a:pPr>
                       <a:r>
-                        <a:rPr lang="en-US" sz="1100" baseline="30000" dirty="0">
+                        <a:rPr lang="fr-FR" sz="1100" baseline="30000">
                           <a:solidFill>
                             <a:schemeClr val="tx1"/>
                           </a:solidFill>
@@ -11812,17 +10415,17 @@
                         <a:t>1</a:t>
                       </a:r>
                       <a:r>
-                        <a:rPr lang="en-US" sz="1100" dirty="0">
+                        <a:rPr lang="fr-FR" sz="1100">
                           <a:solidFill>
                             <a:schemeClr val="tx1"/>
                           </a:solidFill>
                           <a:latin typeface="Adobe Clean" panose="020B0503020404020204" pitchFamily="34" charset="0"/>
                         </a:rPr>
-                        <a:t>Americas Language support available in English only.</a:t>
+                        <a:t>Assistance linguistique pour les Amériques en anglais uniquement.</a:t>
                       </a:r>
                     </a:p>
                     <a:p>
-                      <a:pPr marL="0" marR="0" lvl="0" indent="0" algn="ctr" defTabSz="914400" eaLnBrk="1" fontAlgn="auto" latinLnBrk="0" hangingPunct="1">
+                      <a:pPr marL="0" marR="0" lvl="0" indent="0" algn="l" defTabSz="914400" rtl="0" eaLnBrk="1" fontAlgn="auto" latinLnBrk="0" hangingPunct="1">
                         <a:lnSpc>
                           <a:spcPct val="100000"/>
                         </a:lnSpc>
@@ -12165,7 +10768,7 @@
           <p:nvPr/>
         </p:nvPicPr>
         <p:blipFill>
-          <a:blip r:embed="rId7" cstate="print"/>
+          <a:blip r:embed="rId6" cstate="print"/>
           <a:stretch>
             <a:fillRect/>
           </a:stretch>
@@ -12194,8 +10797,8 @@
         </p:nvSpPr>
         <p:spPr>
           <a:xfrm>
-            <a:off x="2840871" y="8528519"/>
-            <a:ext cx="810895" cy="385445"/>
+            <a:off x="2590801" y="8528519"/>
+            <a:ext cx="1060966" cy="385445"/>
           </a:xfrm>
           <a:prstGeom prst="rect">
             <a:avLst/>
@@ -12207,7 +10810,7 @@
           </a:bodyPr>
           <a:lstStyle/>
           <a:p>
-            <a:pPr marL="139065" marR="5080" indent="-139065">
+            <a:pPr marL="139065" marR="5080" indent="-139065" algn="ctr">
               <a:lnSpc>
                 <a:spcPts val="1390"/>
               </a:lnSpc>
@@ -12216,129 +10819,15 @@
               </a:spcBef>
             </a:pPr>
             <a:r>
-              <a:rPr sz="1200" b="1" spc="-15" dirty="0">
+              <a:rPr lang="fr-FR" sz="1200" b="1" dirty="0">
                 <a:solidFill>
                   <a:srgbClr val="FFFFFF"/>
                 </a:solidFill>
                 <a:latin typeface="Adobe Clean"/>
                 <a:cs typeface="Adobe Clean"/>
               </a:rPr>
-              <a:t>U</a:t>
+              <a:t>Expertise incomparable</a:t>
             </a:r>
-            <a:r>
-              <a:rPr sz="1200" b="1" spc="-20" dirty="0">
-                <a:solidFill>
-                  <a:srgbClr val="FFFFFF"/>
-                </a:solidFill>
-                <a:latin typeface="Adobe Clean"/>
-                <a:cs typeface="Adobe Clean"/>
-              </a:rPr>
-              <a:t>n</a:t>
-            </a:r>
-            <a:r>
-              <a:rPr sz="1200" b="1" spc="-25" dirty="0">
-                <a:solidFill>
-                  <a:srgbClr val="FFFFFF"/>
-                </a:solidFill>
-                <a:latin typeface="Adobe Clean"/>
-                <a:cs typeface="Adobe Clean"/>
-              </a:rPr>
-              <a:t>p</a:t>
-            </a:r>
-            <a:r>
-              <a:rPr sz="1200" b="1" spc="-15" dirty="0">
-                <a:solidFill>
-                  <a:srgbClr val="FFFFFF"/>
-                </a:solidFill>
-                <a:latin typeface="Adobe Clean"/>
-                <a:cs typeface="Adobe Clean"/>
-              </a:rPr>
-              <a:t>a</a:t>
-            </a:r>
-            <a:r>
-              <a:rPr sz="1200" b="1" spc="-25" dirty="0">
-                <a:solidFill>
-                  <a:srgbClr val="FFFFFF"/>
-                </a:solidFill>
-                <a:latin typeface="Adobe Clean"/>
-                <a:cs typeface="Adobe Clean"/>
-              </a:rPr>
-              <a:t>r</a:t>
-            </a:r>
-            <a:r>
-              <a:rPr sz="1200" b="1" spc="-15" dirty="0">
-                <a:solidFill>
-                  <a:srgbClr val="FFFFFF"/>
-                </a:solidFill>
-                <a:latin typeface="Adobe Clean"/>
-                <a:cs typeface="Adobe Clean"/>
-              </a:rPr>
-              <a:t>a</a:t>
-            </a:r>
-            <a:r>
-              <a:rPr sz="1200" b="1" spc="-30" dirty="0">
-                <a:solidFill>
-                  <a:srgbClr val="FFFFFF"/>
-                </a:solidFill>
-                <a:latin typeface="Adobe Clean"/>
-                <a:cs typeface="Adobe Clean"/>
-              </a:rPr>
-              <a:t>ll</a:t>
-            </a:r>
-            <a:r>
-              <a:rPr sz="1200" b="1" spc="-25" dirty="0">
-                <a:solidFill>
-                  <a:srgbClr val="FFFFFF"/>
-                </a:solidFill>
-                <a:latin typeface="Adobe Clean"/>
-                <a:cs typeface="Adobe Clean"/>
-              </a:rPr>
-              <a:t>e</a:t>
-            </a:r>
-            <a:r>
-              <a:rPr sz="1200" b="1" spc="-30" dirty="0">
-                <a:solidFill>
-                  <a:srgbClr val="FFFFFF"/>
-                </a:solidFill>
-                <a:latin typeface="Adobe Clean"/>
-                <a:cs typeface="Adobe Clean"/>
-              </a:rPr>
-              <a:t>l</a:t>
-            </a:r>
-            <a:r>
-              <a:rPr sz="1200" b="1" spc="-25" dirty="0">
-                <a:solidFill>
-                  <a:srgbClr val="FFFFFF"/>
-                </a:solidFill>
-                <a:latin typeface="Adobe Clean"/>
-                <a:cs typeface="Adobe Clean"/>
-              </a:rPr>
-              <a:t>e</a:t>
-            </a:r>
-            <a:r>
-              <a:rPr sz="1200" b="1" dirty="0">
-                <a:solidFill>
-                  <a:srgbClr val="FFFFFF"/>
-                </a:solidFill>
-                <a:latin typeface="Adobe Clean"/>
-                <a:cs typeface="Adobe Clean"/>
-              </a:rPr>
-              <a:t>d  </a:t>
-            </a:r>
-            <a:r>
-              <a:rPr sz="1200" b="1" spc="-25" dirty="0">
-                <a:solidFill>
-                  <a:srgbClr val="FFFFFF"/>
-                </a:solidFill>
-                <a:latin typeface="Adobe Clean"/>
-                <a:cs typeface="Adobe Clean"/>
-              </a:rPr>
-              <a:t>Expertise</a:t>
-            </a:r>
-            <a:endParaRPr sz="1200" dirty="0">
-              <a:latin typeface="Adobe Clean"/>
-              <a:cs typeface="Adobe Clean"/>
-            </a:endParaRPr>
           </a:p>
         </p:txBody>
       </p:sp>
@@ -12356,8 +10845,8 @@
         </p:nvSpPr>
         <p:spPr>
           <a:xfrm>
-            <a:off x="4732495" y="8541244"/>
-            <a:ext cx="810895" cy="382797"/>
+            <a:off x="4495800" y="8541244"/>
+            <a:ext cx="1143000" cy="382797"/>
           </a:xfrm>
           <a:prstGeom prst="rect">
             <a:avLst/>
@@ -12369,7 +10858,7 @@
           </a:bodyPr>
           <a:lstStyle/>
           <a:p>
-            <a:pPr marL="139065" marR="5080" indent="-139065">
+            <a:pPr marL="114300" marR="5080" algn="ctr">
               <a:lnSpc>
                 <a:spcPts val="1390"/>
               </a:lnSpc>
@@ -12378,19 +10867,15 @@
               </a:spcBef>
             </a:pPr>
             <a:r>
-              <a:rPr lang="en-US" sz="1200" b="1" spc="-15" dirty="0">
+              <a:rPr lang="fr-FR" sz="1200" b="1" dirty="0">
                 <a:solidFill>
                   <a:srgbClr val="FFFFFF"/>
                 </a:solidFill>
                 <a:latin typeface="Adobe Clean"/>
                 <a:cs typeface="Adobe Clean"/>
               </a:rPr>
-              <a:t>Accelerated Support</a:t>
+              <a:t>Assistance accélérée</a:t>
             </a:r>
-            <a:endParaRPr sz="1200" dirty="0">
-              <a:latin typeface="Adobe Clean"/>
-              <a:cs typeface="Adobe Clean"/>
-            </a:endParaRPr>
           </a:p>
         </p:txBody>
       </p:sp>
@@ -12408,8 +10893,8 @@
         </p:nvSpPr>
         <p:spPr>
           <a:xfrm>
-            <a:off x="6624119" y="8543943"/>
-            <a:ext cx="510540" cy="385445"/>
+            <a:off x="6477000" y="8543943"/>
+            <a:ext cx="838200" cy="382797"/>
           </a:xfrm>
           <a:prstGeom prst="rect">
             <a:avLst/>
@@ -12421,7 +10906,7 @@
           </a:bodyPr>
           <a:lstStyle/>
           <a:p>
-            <a:pPr marL="50800" marR="5080" indent="-51435">
+            <a:pPr marL="50800" marR="5080" indent="-51435" algn="ctr">
               <a:lnSpc>
                 <a:spcPts val="1390"/>
               </a:lnSpc>
@@ -12430,109 +10915,15 @@
               </a:spcBef>
             </a:pPr>
             <a:r>
-              <a:rPr sz="1200" b="1" spc="-50" dirty="0">
+              <a:rPr lang="fr-FR" sz="1200" b="1" dirty="0">
                 <a:solidFill>
                   <a:srgbClr val="FFFFFF"/>
                 </a:solidFill>
                 <a:latin typeface="Adobe Clean"/>
                 <a:cs typeface="Adobe Clean"/>
               </a:rPr>
-              <a:t>S</a:t>
+              <a:t>Conseil stratégique</a:t>
             </a:r>
-            <a:r>
-              <a:rPr sz="1200" b="1" spc="-20" dirty="0">
-                <a:solidFill>
-                  <a:srgbClr val="FFFFFF"/>
-                </a:solidFill>
-                <a:latin typeface="Adobe Clean"/>
-                <a:cs typeface="Adobe Clean"/>
-              </a:rPr>
-              <a:t>t</a:t>
-            </a:r>
-            <a:r>
-              <a:rPr sz="1200" b="1" spc="-75" dirty="0">
-                <a:solidFill>
-                  <a:srgbClr val="FFFFFF"/>
-                </a:solidFill>
-                <a:latin typeface="Adobe Clean"/>
-                <a:cs typeface="Adobe Clean"/>
-              </a:rPr>
-              <a:t>r</a:t>
-            </a:r>
-            <a:r>
-              <a:rPr sz="1200" b="1" spc="-90" dirty="0">
-                <a:solidFill>
-                  <a:srgbClr val="FFFFFF"/>
-                </a:solidFill>
-                <a:latin typeface="Adobe Clean"/>
-                <a:cs typeface="Adobe Clean"/>
-              </a:rPr>
-              <a:t>a</a:t>
-            </a:r>
-            <a:r>
-              <a:rPr sz="1200" b="1" spc="-55" dirty="0">
-                <a:solidFill>
-                  <a:srgbClr val="FFFFFF"/>
-                </a:solidFill>
-                <a:latin typeface="Adobe Clean"/>
-                <a:cs typeface="Adobe Clean"/>
-              </a:rPr>
-              <a:t>t</a:t>
-            </a:r>
-            <a:r>
-              <a:rPr sz="1200" b="1" spc="-100" dirty="0">
-                <a:solidFill>
-                  <a:srgbClr val="FFFFFF"/>
-                </a:solidFill>
-                <a:latin typeface="Adobe Clean"/>
-                <a:cs typeface="Adobe Clean"/>
-              </a:rPr>
-              <a:t>e</a:t>
-            </a:r>
-            <a:r>
-              <a:rPr sz="1200" b="1" spc="-80" dirty="0">
-                <a:solidFill>
-                  <a:srgbClr val="FFFFFF"/>
-                </a:solidFill>
-                <a:latin typeface="Adobe Clean"/>
-                <a:cs typeface="Adobe Clean"/>
-              </a:rPr>
-              <a:t>g</a:t>
-            </a:r>
-            <a:r>
-              <a:rPr sz="1200" b="1" spc="-35" dirty="0">
-                <a:solidFill>
-                  <a:srgbClr val="FFFFFF"/>
-                </a:solidFill>
-                <a:latin typeface="Adobe Clean"/>
-                <a:cs typeface="Adobe Clean"/>
-              </a:rPr>
-              <a:t>i</a:t>
-            </a:r>
-            <a:r>
-              <a:rPr sz="1200" b="1" dirty="0">
-                <a:solidFill>
-                  <a:srgbClr val="FFFFFF"/>
-                </a:solidFill>
-                <a:latin typeface="Adobe Clean"/>
-                <a:cs typeface="Adobe Clean"/>
-              </a:rPr>
-              <a:t>c  </a:t>
-            </a:r>
-            <a:r>
-              <a:rPr sz="1200" b="1" spc="-45" dirty="0">
-                <a:solidFill>
-                  <a:srgbClr val="FFFFFF"/>
-                </a:solidFill>
-                <a:latin typeface="Adobe Clean"/>
-                <a:cs typeface="Adobe Clean"/>
-              </a:rPr>
-              <a:t>Advice</a:t>
-            </a:r>
-            <a:endParaRPr sz="1200" dirty="0">
-              <a:latin typeface="Adobe Clean"/>
-              <a:cs typeface="Adobe Clean"/>
-            </a:endParaRPr>
           </a:p>
         </p:txBody>
       </p:sp>
@@ -12551,13 +10942,13 @@
           <p:nvPr/>
         </p:nvPicPr>
         <p:blipFill>
-          <a:blip r:embed="rId8">
+          <a:blip r:embed="rId7">
             <a:extLst>
               <a:ext uri="{28A0092B-C50C-407E-A947-70E740481C1C}">
                 <a14:useLocalDpi xmlns:a14="http://schemas.microsoft.com/office/drawing/2010/main" val="0"/>
               </a:ext>
               <a:ext uri="{96DAC541-7B7A-43D3-8B79-37D633B846F1}">
-                <asvg:svgBlip xmlns:asvg="http://schemas.microsoft.com/office/drawing/2016/SVG/main" r:embed="rId9"/>
+                <asvg:svgBlip xmlns:asvg="http://schemas.microsoft.com/office/drawing/2016/SVG/main" r:embed="rId8"/>
               </a:ext>
             </a:extLst>
           </a:blip>
@@ -12590,13 +10981,13 @@
           <p:nvPr/>
         </p:nvPicPr>
         <p:blipFill>
-          <a:blip r:embed="rId10">
+          <a:blip r:embed="rId9">
             <a:extLst>
               <a:ext uri="{28A0092B-C50C-407E-A947-70E740481C1C}">
                 <a14:useLocalDpi xmlns:a14="http://schemas.microsoft.com/office/drawing/2010/main" val="0"/>
               </a:ext>
               <a:ext uri="{96DAC541-7B7A-43D3-8B79-37D633B846F1}">
-                <asvg:svgBlip xmlns:asvg="http://schemas.microsoft.com/office/drawing/2016/SVG/main" r:embed="rId11"/>
+                <asvg:svgBlip xmlns:asvg="http://schemas.microsoft.com/office/drawing/2016/SVG/main" r:embed="rId10"/>
               </a:ext>
             </a:extLst>
           </a:blip>
@@ -12629,13 +11020,13 @@
           <p:nvPr/>
         </p:nvPicPr>
         <p:blipFill>
-          <a:blip r:embed="rId12">
+          <a:blip r:embed="rId11">
             <a:extLst>
               <a:ext uri="{28A0092B-C50C-407E-A947-70E740481C1C}">
                 <a14:useLocalDpi xmlns:a14="http://schemas.microsoft.com/office/drawing/2010/main" val="0"/>
               </a:ext>
               <a:ext uri="{96DAC541-7B7A-43D3-8B79-37D633B846F1}">
-                <asvg:svgBlip xmlns:asvg="http://schemas.microsoft.com/office/drawing/2016/SVG/main" r:embed="rId13"/>
+                <asvg:svgBlip xmlns:asvg="http://schemas.microsoft.com/office/drawing/2016/SVG/main" r:embed="rId12"/>
               </a:ext>
             </a:extLst>
           </a:blip>
@@ -12675,7 +11066,7 @@
         </p:nvGraphicFramePr>
         <p:xfrm>
           <a:off x="194237" y="1272353"/>
-          <a:ext cx="7368291" cy="2473960"/>
+          <a:ext cx="7368291" cy="2956560"/>
         </p:xfrm>
         <a:graphic>
           <a:graphicData uri="http://schemas.openxmlformats.org/drawingml/2006/table">
@@ -12709,18 +11100,17 @@
                         <a:buNone/>
                       </a:pPr>
                       <a:r>
-                        <a:rPr lang="en-US" sz="1200" b="0" strike="noStrike" dirty="0">
+                        <a:rPr lang="fr-FR" sz="1200" b="0" strike="noStrike">
                           <a:solidFill>
                             <a:srgbClr val="5F5F5F"/>
                           </a:solidFill>
                           <a:latin typeface="Adobe Clean"/>
                           <a:ea typeface="+mn-ea"/>
                           <a:cs typeface="+mn-cs"/>
-                          <a:hlinkClick r:id="rId14"/>
+                          <a:hlinkClick r:id="rId13"/>
                         </a:rPr>
-                        <a:t>Enterprise Learn &amp; Support</a:t>
+                        <a:t>Formation et support aux entreprises</a:t>
                       </a:r>
-                      <a:endParaRPr lang="en-US"/>
                     </a:p>
                   </a:txBody>
                   <a:tcPr marL="47625" marR="47625" marT="0" marB="0" anchor="ctr">
@@ -12792,7 +11182,7 @@
                         <a:buNone/>
                       </a:pPr>
                       <a:r>
-                        <a:rPr lang="en-US" sz="1000" b="0" strike="noStrike" kern="1200" dirty="0">
+                        <a:rPr lang="fr-FR" sz="1000" b="0" strike="noStrike">
                           <a:solidFill>
                             <a:schemeClr val="tx1"/>
                           </a:solidFill>
@@ -12800,7 +11190,7 @@
                           <a:ea typeface="+mn-ea"/>
                           <a:cs typeface="+mn-cs"/>
                         </a:rPr>
-                        <a:t>Enterprise Learn &amp; Support is a place where Adobe customers can find self-help tutorials, product documentation, instructor-led training, community and support for select Adobe Creative Cloud and Document products.</a:t>
+                        <a:t>Formation et support aux entreprises est un endroit où les clients Adobe peuvent trouver des tutoriels automatiques, de la documentation sur les produits, une formation dispensée par un instructeur, une communauté et une assistance technique pour les produits Creative Cloud et Document sélectionnés.</a:t>
                       </a:r>
                     </a:p>
                   </a:txBody>
@@ -12882,15 +11272,14 @@
                         <a:defRPr/>
                       </a:pPr>
                       <a:r>
-                        <a:rPr lang="en-US" sz="1200" strike="noStrike" dirty="0">
+                        <a:rPr lang="fr-FR" sz="1200" strike="noStrike">
                           <a:solidFill>
                             <a:srgbClr val="5F5F5F"/>
                           </a:solidFill>
-                          <a:effectLst/>
                           <a:latin typeface="Adobe Clean" panose="020B0503020404020204" pitchFamily="34" charset="0"/>
                           <a:ea typeface="+mn-ea"/>
                           <a:cs typeface="+mn-cs"/>
-                          <a:hlinkClick r:id="rId15">
+                          <a:hlinkClick r:id="rId14">
                             <a:extLst>
                               <a:ext uri="{A12FA001-AC4F-418D-AE19-62706E023703}">
                                 <ahyp:hlinkClr xmlns:ahyp="http://schemas.microsoft.com/office/drawing/2018/hyperlinkcolor" val="tx"/>
@@ -12898,17 +11287,8 @@
                             </a:extLst>
                           </a:hlinkClick>
                         </a:rPr>
-                        <a:t>Adobe Support Community </a:t>
+                        <a:t>Communauté d’assistance Adobe </a:t>
                       </a:r>
-                      <a:endParaRPr lang="en-US" sz="1200" strike="noStrike" dirty="0">
-                        <a:solidFill>
-                          <a:srgbClr val="5F5F5F"/>
-                        </a:solidFill>
-                        <a:effectLst/>
-                        <a:latin typeface="Adobe Clean" panose="020B0503020404020204" pitchFamily="34" charset="0"/>
-                        <a:ea typeface="+mn-ea"/>
-                        <a:cs typeface="+mn-cs"/>
-                      </a:endParaRPr>
                     </a:p>
                   </a:txBody>
                   <a:tcPr anchor="ctr">
@@ -12982,7 +11362,7 @@
                         <a:defRPr/>
                       </a:pPr>
                       <a:r>
-                        <a:rPr lang="en-US" sz="1000" strike="noStrike" kern="1200" dirty="0">
+                        <a:rPr lang="fr-FR" sz="1000" strike="noStrike">
                           <a:solidFill>
                             <a:schemeClr val="tx1"/>
                           </a:solidFill>
@@ -12990,19 +11370,8 @@
                           <a:ea typeface="+mn-ea"/>
                           <a:cs typeface="+mn-cs"/>
                         </a:rPr>
-                        <a:t>The Adobe Support Community is the place to ask questions, find answers, learn from experts and share your knowledge.</a:t>
+                        <a:t>La communauté d’assistance Adobe est l’endroit où poser des questions, trouver des réponses, apprendre des experts et partager vos connaissances.</a:t>
                       </a:r>
-                      <a:endParaRPr lang="en-US" sz="1000" strike="noStrike" kern="1200" dirty="0">
-                        <a:solidFill>
-                          <a:schemeClr val="tx1"/>
-                        </a:solidFill>
-                        <a:highlight>
-                          <a:srgbClr val="FFFF00"/>
-                        </a:highlight>
-                        <a:latin typeface="Adobe Clean Light" panose="020B0303020404020204" pitchFamily="34" charset="0"/>
-                        <a:ea typeface="+mn-ea"/>
-                        <a:cs typeface="+mn-cs"/>
-                      </a:endParaRPr>
                     </a:p>
                   </a:txBody>
                   <a:tcPr anchor="ctr">
@@ -13083,15 +11452,14 @@
                         <a:defRPr/>
                       </a:pPr>
                       <a:r>
-                        <a:rPr lang="en-US" sz="1200" dirty="0">
+                        <a:rPr lang="fr-FR" sz="1200">
                           <a:solidFill>
                             <a:srgbClr val="5F5F5F"/>
                           </a:solidFill>
-                          <a:effectLst/>
                           <a:latin typeface="Adobe Clean" panose="020B0503020404020204" pitchFamily="34" charset="0"/>
                           <a:ea typeface="+mn-ea"/>
                           <a:cs typeface="+mn-cs"/>
-                          <a:hlinkClick r:id="rId16">
+                          <a:hlinkClick r:id="rId15">
                             <a:extLst>
                               <a:ext uri="{A12FA001-AC4F-418D-AE19-62706E023703}">
                                 <ahyp:hlinkClr xmlns:ahyp="http://schemas.microsoft.com/office/drawing/2018/hyperlinkcolor" val="tx"/>
@@ -13099,17 +11467,8 @@
                             </a:extLst>
                           </a:hlinkClick>
                         </a:rPr>
-                        <a:t>Production Issues &amp; System Outages</a:t>
+                        <a:t>Problèmes de production et panne du système</a:t>
                       </a:r>
-                      <a:endParaRPr lang="en-US" sz="1200" dirty="0">
-                        <a:solidFill>
-                          <a:srgbClr val="5F5F5F"/>
-                        </a:solidFill>
-                        <a:effectLst/>
-                        <a:latin typeface="Adobe Clean" panose="020B0503020404020204" pitchFamily="34" charset="0"/>
-                        <a:ea typeface="+mn-ea"/>
-                        <a:cs typeface="+mn-cs"/>
-                      </a:endParaRPr>
                     </a:p>
                   </a:txBody>
                   <a:tcPr anchor="ctr">
@@ -13183,7 +11542,7 @@
                         <a:defRPr/>
                       </a:pPr>
                       <a:r>
-                        <a:rPr lang="en-US" sz="1000" kern="1200" dirty="0">
+                        <a:rPr lang="fr-FR" sz="1000">
                           <a:solidFill>
                             <a:schemeClr val="tx1"/>
                           </a:solidFill>
@@ -13191,7 +11550,7 @@
                           <a:ea typeface="+mn-ea"/>
                           <a:cs typeface="+mn-cs"/>
                         </a:rPr>
-                        <a:t>Status.adobe.com conveys the health information of all Adobe products and services that are deployed in multi-tenant environments. Customers can choose their subscription preferences to get email notifications whenever Adobe creates, updates or resolves a product event. This can include scheduled maintenance or service issues of varying levels of severity. </a:t>
+                        <a:t>Status.adobe.com transmet les informations d’intégrité de tous les produits et services d’Adobe déployés dans des environnements multi-entité. Les clients peuvent choisir leurs préférences d’abonnement afin de recevoir des notifications par e-mail chaque fois qu’Adobe crée, met à jour ou résout un événement de produit. Cet événement peut inclure des problèmes de maintenance planifiée ou de service présentant différents niveaux de gravité. </a:t>
                       </a:r>
                     </a:p>
                   </a:txBody>
@@ -13273,15 +11632,14 @@
                         <a:defRPr/>
                       </a:pPr>
                       <a:r>
-                        <a:rPr lang="en-US" sz="1200" dirty="0">
+                        <a:rPr lang="fr-FR" sz="1200">
                           <a:solidFill>
                             <a:srgbClr val="5F5F5F"/>
                           </a:solidFill>
-                          <a:effectLst/>
                           <a:latin typeface="Adobe Clean" panose="020B0503020404020204" pitchFamily="34" charset="0"/>
                           <a:ea typeface="+mn-ea"/>
                           <a:cs typeface="+mn-cs"/>
-                          <a:hlinkClick r:id="rId17">
+                          <a:hlinkClick r:id="rId16">
                             <a:extLst>
                               <a:ext uri="{A12FA001-AC4F-418D-AE19-62706E023703}">
                                 <ahyp:hlinkClr xmlns:ahyp="http://schemas.microsoft.com/office/drawing/2018/hyperlinkcolor" val="tx"/>
@@ -13289,17 +11647,8 @@
                             </a:extLst>
                           </a:hlinkClick>
                         </a:rPr>
-                        <a:t>Terms and Conditions</a:t>
+                        <a:t>Termes et conditions</a:t>
                       </a:r>
-                      <a:endParaRPr lang="en-US" sz="1200" dirty="0">
-                        <a:solidFill>
-                          <a:srgbClr val="5F5F5F"/>
-                        </a:solidFill>
-                        <a:effectLst/>
-                        <a:latin typeface="Adobe Clean" panose="020B0503020404020204" pitchFamily="34" charset="0"/>
-                        <a:ea typeface="+mn-ea"/>
-                        <a:cs typeface="+mn-cs"/>
-                      </a:endParaRPr>
                     </a:p>
                   </a:txBody>
                   <a:tcPr anchor="ctr">
@@ -13356,7 +11705,7 @@
                     <a:lstStyle/>
                     <a:p>
                       <a:r>
-                        <a:rPr lang="en-US" sz="1000" kern="1200" dirty="0">
+                        <a:rPr lang="fr-FR" sz="1000">
                           <a:solidFill>
                             <a:schemeClr val="tx1"/>
                           </a:solidFill>
@@ -13364,7 +11713,7 @@
                           <a:ea typeface="+mn-ea"/>
                           <a:cs typeface="+mn-cs"/>
                         </a:rPr>
-                        <a:t>Terms and conditions detailing Support Services offerings.</a:t>
+                        <a:t>Il s’agit des termes et conditions détaillant les offres des services d’assistance.</a:t>
                       </a:r>
                     </a:p>
                   </a:txBody>
@@ -13440,8 +11789,8 @@
         </p:nvSpPr>
         <p:spPr>
           <a:xfrm flipV="1">
-            <a:off x="197403" y="859202"/>
-            <a:ext cx="777240" cy="45719"/>
+            <a:off x="197402" y="859201"/>
+            <a:ext cx="869397" cy="45719"/>
           </a:xfrm>
           <a:custGeom>
             <a:avLst/>
@@ -13484,11 +11833,6 @@
   <p:clrMapOvr>
     <a:masterClrMapping/>
   </p:clrMapOvr>
-  <p:extLst>
-    <p:ext uri="{6950BFC3-D8DA-4A85-94F7-54DA5524770B}">
-      <p188:commentRel xmlns:p188="http://schemas.microsoft.com/office/powerpoint/2018/8/main" r:id="rId3"/>
-    </p:ext>
-  </p:extLst>
 </p:sld>
 </file>
 
@@ -14071,21 +12415,6 @@
 </file>
 
 <file path=customXml/item1.xml><?xml version="1.0" encoding="utf-8"?>
-<?mso-contentType ?>
-<FormTemplates xmlns="http://schemas.microsoft.com/sharepoint/v3/contenttype/forms">
-  <Display>DocumentLibraryForm</Display>
-  <Edit>DocumentLibraryForm</Edit>
-  <New>DocumentLibraryForm</New>
-</FormTemplates>
-</file>
-
-<file path=customXml/item2.xml><?xml version="1.0" encoding="utf-8"?>
-<p:properties xmlns:p="http://schemas.microsoft.com/office/2006/metadata/properties" xmlns:xsi="http://www.w3.org/2001/XMLSchema-instance" xmlns:pc="http://schemas.microsoft.com/office/infopath/2007/PartnerControls">
-  <documentManagement/>
-</p:properties>
-</file>
-
-<file path=customXml/item3.xml><?xml version="1.0" encoding="utf-8"?>
 <ct:contentTypeSchema xmlns:ct="http://schemas.microsoft.com/office/2006/metadata/contentType" xmlns:ma="http://schemas.microsoft.com/office/2006/metadata/properties/metaAttributes" ct:_="" ma:_="" ma:contentTypeName="Document" ma:contentTypeID="0x0101009423269C2B3A1A408FE719AA0C68584E" ma:contentTypeVersion="12" ma:contentTypeDescription="Create a new document." ma:contentTypeScope="" ma:versionID="bb0e62b6784238cdabe687d3bb80e52e">
   <xsd:schema xmlns:xsd="http://www.w3.org/2001/XMLSchema" xmlns:xs="http://www.w3.org/2001/XMLSchema" xmlns:p="http://schemas.microsoft.com/office/2006/metadata/properties" xmlns:ns2="01e63850-2818-4a9f-a0cd-2d4201ad5cd5" xmlns:ns3="281057cd-4f7e-4aa3-94a7-05201549cd15" targetNamespace="http://schemas.microsoft.com/office/2006/metadata/properties" ma:root="true" ma:fieldsID="8056aed6c30138b1a2c5f47f967a193a" ns2:_="" ns3:_="">
     <xsd:import namespace="01e63850-2818-4a9f-a0cd-2d4201ad5cd5"/>
@@ -14302,10 +12631,36 @@
 </ct:contentTypeSchema>
 </file>
 
+<file path=customXml/item2.xml><?xml version="1.0" encoding="utf-8"?>
+<p:properties xmlns:p="http://schemas.microsoft.com/office/2006/metadata/properties" xmlns:xsi="http://www.w3.org/2001/XMLSchema-instance" xmlns:pc="http://schemas.microsoft.com/office/infopath/2007/PartnerControls">
+  <documentManagement/>
+</p:properties>
+</file>
+
+<file path=customXml/item3.xml><?xml version="1.0" encoding="utf-8"?>
+<?mso-contentType ?>
+<FormTemplates xmlns="http://schemas.microsoft.com/sharepoint/v3/contenttype/forms">
+  <Display>DocumentLibraryForm</Display>
+  <Edit>DocumentLibraryForm</Edit>
+  <New>DocumentLibraryForm</New>
+</FormTemplates>
+</file>
+
 <file path=customXml/itemProps1.xml><?xml version="1.0" encoding="utf-8"?>
-<ds:datastoreItem xmlns:ds="http://schemas.openxmlformats.org/officeDocument/2006/customXml" ds:itemID="{95AE3B0B-E909-400C-B0B3-909FB50E07DE}">
+<ds:datastoreItem xmlns:ds="http://schemas.openxmlformats.org/officeDocument/2006/customXml" ds:itemID="{34D96EB5-5D0B-4E9E-8068-E6D7C70133E7}">
   <ds:schemaRefs>
-    <ds:schemaRef ds:uri="http://schemas.microsoft.com/sharepoint/v3/contenttype/forms"/>
+    <ds:schemaRef ds:uri="http://schemas.microsoft.com/office/2006/metadata/contentType"/>
+    <ds:schemaRef ds:uri="http://schemas.microsoft.com/office/2006/metadata/properties/metaAttributes"/>
+    <ds:schemaRef ds:uri="http://www.w3.org/2001/XMLSchema"/>
+    <ds:schemaRef ds:uri="http://schemas.microsoft.com/office/2006/metadata/properties"/>
+    <ds:schemaRef ds:uri="01e63850-2818-4a9f-a0cd-2d4201ad5cd5"/>
+    <ds:schemaRef ds:uri="281057cd-4f7e-4aa3-94a7-05201549cd15"/>
+    <ds:schemaRef ds:uri="http://schemas.microsoft.com/office/2006/documentManagement/types"/>
+    <ds:schemaRef ds:uri="http://schemas.microsoft.com/office/infopath/2007/PartnerControls"/>
+    <ds:schemaRef ds:uri="http://schemas.openxmlformats.org/package/2006/metadata/core-properties"/>
+    <ds:schemaRef ds:uri="http://purl.org/dc/elements/1.1/"/>
+    <ds:schemaRef ds:uri="http://purl.org/dc/terms/"/>
+    <ds:schemaRef ds:uri="http://schemas.microsoft.com/internal/obd"/>
   </ds:schemaRefs>
 </ds:datastoreItem>
 </file>
@@ -14328,20 +12683,9 @@
 </file>
 
 <file path=customXml/itemProps3.xml><?xml version="1.0" encoding="utf-8"?>
-<ds:datastoreItem xmlns:ds="http://schemas.openxmlformats.org/officeDocument/2006/customXml" ds:itemID="{34D96EB5-5D0B-4E9E-8068-E6D7C70133E7}">
+<ds:datastoreItem xmlns:ds="http://schemas.openxmlformats.org/officeDocument/2006/customXml" ds:itemID="{95AE3B0B-E909-400C-B0B3-909FB50E07DE}">
   <ds:schemaRefs>
-    <ds:schemaRef ds:uri="http://schemas.microsoft.com/office/2006/metadata/contentType"/>
-    <ds:schemaRef ds:uri="http://schemas.microsoft.com/office/2006/metadata/properties/metaAttributes"/>
-    <ds:schemaRef ds:uri="http://www.w3.org/2001/XMLSchema"/>
-    <ds:schemaRef ds:uri="http://schemas.microsoft.com/office/2006/metadata/properties"/>
-    <ds:schemaRef ds:uri="01e63850-2818-4a9f-a0cd-2d4201ad5cd5"/>
-    <ds:schemaRef ds:uri="281057cd-4f7e-4aa3-94a7-05201549cd15"/>
-    <ds:schemaRef ds:uri="http://schemas.microsoft.com/office/2006/documentManagement/types"/>
-    <ds:schemaRef ds:uri="http://schemas.microsoft.com/office/infopath/2007/PartnerControls"/>
-    <ds:schemaRef ds:uri="http://schemas.openxmlformats.org/package/2006/metadata/core-properties"/>
-    <ds:schemaRef ds:uri="http://purl.org/dc/elements/1.1/"/>
-    <ds:schemaRef ds:uri="http://purl.org/dc/terms/"/>
-    <ds:schemaRef ds:uri="http://schemas.microsoft.com/internal/obd"/>
+    <ds:schemaRef ds:uri="http://schemas.microsoft.com/sharepoint/v3/contenttype/forms"/>
   </ds:schemaRefs>
 </ds:datastoreItem>
 </file>